--- a/08_BasicCommand.pptx
+++ b/08_BasicCommand.pptx
@@ -5,7 +5,7 @@
     <p:sldMasterId id="2147483648" r:id="rId1"/>
   </p:sldMasterIdLst>
   <p:notesMasterIdLst>
-    <p:notesMasterId r:id="rId24"/>
+    <p:notesMasterId r:id="rId28"/>
   </p:notesMasterIdLst>
   <p:sldIdLst>
     <p:sldId id="256" r:id="rId2"/>
@@ -22,14 +22,18 @@
     <p:sldId id="285" r:id="rId13"/>
     <p:sldId id="280" r:id="rId14"/>
     <p:sldId id="281" r:id="rId15"/>
-    <p:sldId id="282" r:id="rId16"/>
-    <p:sldId id="286" r:id="rId17"/>
-    <p:sldId id="283" r:id="rId18"/>
-    <p:sldId id="287" r:id="rId19"/>
-    <p:sldId id="288" r:id="rId20"/>
-    <p:sldId id="289" r:id="rId21"/>
-    <p:sldId id="290" r:id="rId22"/>
-    <p:sldId id="259" r:id="rId23"/>
+    <p:sldId id="291" r:id="rId16"/>
+    <p:sldId id="282" r:id="rId17"/>
+    <p:sldId id="286" r:id="rId18"/>
+    <p:sldId id="283" r:id="rId19"/>
+    <p:sldId id="292" r:id="rId20"/>
+    <p:sldId id="293" r:id="rId21"/>
+    <p:sldId id="294" r:id="rId22"/>
+    <p:sldId id="287" r:id="rId23"/>
+    <p:sldId id="288" r:id="rId24"/>
+    <p:sldId id="289" r:id="rId25"/>
+    <p:sldId id="290" r:id="rId26"/>
+    <p:sldId id="259" r:id="rId27"/>
   </p:sldIdLst>
   <p:sldSz cx="9144000" cy="6858000" type="screen4x3"/>
   <p:notesSz cx="6858000" cy="9144000"/>
@@ -230,7 +234,7 @@
             <a:fld id="{6837EDA8-41C8-4B24-A206-13C08A65A6D7}" type="datetimeFigureOut">
               <a:rPr lang="zh-TW" altLang="en-US" smtClean="0"/>
               <a:pPr/>
-              <a:t>2020/4/28</a:t>
+              <a:t>2021/12/9</a:t>
             </a:fld>
             <a:endParaRPr lang="zh-TW" altLang="en-US"/>
           </a:p>
@@ -683,7 +687,7 @@
             <a:fld id="{8B85509C-BD4F-47BF-9B1E-FC2E949B3621}" type="datetime1">
               <a:rPr lang="zh-TW" altLang="en-US" smtClean="0"/>
               <a:pPr/>
-              <a:t>2020/4/28</a:t>
+              <a:t>2021/12/9</a:t>
             </a:fld>
             <a:endParaRPr lang="zh-TW" altLang="en-US"/>
           </a:p>
@@ -856,7 +860,7 @@
             <a:fld id="{42251B24-F787-4C15-8A0F-7AEC20C70069}" type="datetime1">
               <a:rPr lang="zh-TW" altLang="en-US" smtClean="0"/>
               <a:pPr/>
-              <a:t>2020/4/28</a:t>
+              <a:t>2021/12/9</a:t>
             </a:fld>
             <a:endParaRPr lang="zh-TW" altLang="en-US"/>
           </a:p>
@@ -1031,7 +1035,7 @@
             <a:fld id="{9CA0D33C-CE2B-45F1-B8D4-FFD1F131F331}" type="datetime1">
               <a:rPr lang="zh-TW" altLang="en-US" smtClean="0"/>
               <a:pPr/>
-              <a:t>2020/4/28</a:t>
+              <a:t>2021/12/9</a:t>
             </a:fld>
             <a:endParaRPr lang="zh-TW" altLang="en-US"/>
           </a:p>
@@ -1196,7 +1200,7 @@
             <a:fld id="{50B99440-D9EF-40CC-9B52-F6428D9B2C76}" type="datetime1">
               <a:rPr lang="zh-TW" altLang="en-US" smtClean="0"/>
               <a:pPr/>
-              <a:t>2020/4/28</a:t>
+              <a:t>2021/12/9</a:t>
             </a:fld>
             <a:endParaRPr lang="zh-TW" altLang="en-US"/>
           </a:p>
@@ -1438,7 +1442,7 @@
             <a:fld id="{0871BF52-5C6C-4959-8E27-CECB68D39FE4}" type="datetime1">
               <a:rPr lang="zh-TW" altLang="en-US" smtClean="0"/>
               <a:pPr/>
-              <a:t>2020/4/28</a:t>
+              <a:t>2021/12/9</a:t>
             </a:fld>
             <a:endParaRPr lang="zh-TW" altLang="en-US"/>
           </a:p>
@@ -1720,7 +1724,7 @@
             <a:fld id="{DF863F05-2DD9-4EB1-A827-12FD992DE9DC}" type="datetime1">
               <a:rPr lang="zh-TW" altLang="en-US" smtClean="0"/>
               <a:pPr/>
-              <a:t>2020/4/28</a:t>
+              <a:t>2021/12/9</a:t>
             </a:fld>
             <a:endParaRPr lang="zh-TW" altLang="en-US"/>
           </a:p>
@@ -2136,7 +2140,7 @@
             <a:fld id="{6339AF51-4491-4873-A096-75DB6CE47516}" type="datetime1">
               <a:rPr lang="zh-TW" altLang="en-US" smtClean="0"/>
               <a:pPr/>
-              <a:t>2020/4/28</a:t>
+              <a:t>2021/12/9</a:t>
             </a:fld>
             <a:endParaRPr lang="zh-TW" altLang="en-US"/>
           </a:p>
@@ -2250,7 +2254,7 @@
             <a:fld id="{EE4AD9C8-8B9E-40FF-ABE2-858AC2057BBB}" type="datetime1">
               <a:rPr lang="zh-TW" altLang="en-US" smtClean="0"/>
               <a:pPr/>
-              <a:t>2020/4/28</a:t>
+              <a:t>2021/12/9</a:t>
             </a:fld>
             <a:endParaRPr lang="zh-TW" altLang="en-US"/>
           </a:p>
@@ -2342,7 +2346,7 @@
             <a:fld id="{B4784999-BBBE-4BE4-A8D0-877E7D1D66CC}" type="datetime1">
               <a:rPr lang="zh-TW" altLang="en-US" smtClean="0"/>
               <a:pPr/>
-              <a:t>2020/4/28</a:t>
+              <a:t>2021/12/9</a:t>
             </a:fld>
             <a:endParaRPr lang="zh-TW" altLang="en-US"/>
           </a:p>
@@ -2614,7 +2618,7 @@
             <a:fld id="{E88D17E6-02BD-4944-B9FE-7BFCCBF83D48}" type="datetime1">
               <a:rPr lang="zh-TW" altLang="en-US" smtClean="0"/>
               <a:pPr/>
-              <a:t>2020/4/28</a:t>
+              <a:t>2021/12/9</a:t>
             </a:fld>
             <a:endParaRPr lang="zh-TW" altLang="en-US"/>
           </a:p>
@@ -2863,7 +2867,7 @@
             <a:fld id="{3C13E23D-1FEF-4D78-A3A3-3D6F2BB31954}" type="datetime1">
               <a:rPr lang="zh-TW" altLang="en-US" smtClean="0"/>
               <a:pPr/>
-              <a:t>2020/4/28</a:t>
+              <a:t>2021/12/9</a:t>
             </a:fld>
             <a:endParaRPr lang="zh-TW" altLang="en-US"/>
           </a:p>
@@ -3071,7 +3075,7 @@
             <a:fld id="{06197F35-AD6F-4594-8B50-334492D2E7E8}" type="datetime1">
               <a:rPr lang="zh-TW" altLang="en-US" smtClean="0"/>
               <a:pPr/>
-              <a:t>2020/4/28</a:t>
+              <a:t>2021/12/9</a:t>
             </a:fld>
             <a:endParaRPr lang="zh-TW" altLang="en-US"/>
           </a:p>
@@ -3532,7 +3536,7 @@
             <a:fld id="{C389EDC9-19E3-47AC-9C57-C6A24DEA81AD}" type="datetime1">
               <a:rPr lang="zh-TW" altLang="en-US" smtClean="0"/>
               <a:pPr/>
-              <a:t>2020/4/28</a:t>
+              <a:t>2021/12/9</a:t>
             </a:fld>
             <a:endParaRPr lang="zh-TW" altLang="en-US"/>
           </a:p>
@@ -3913,7 +3917,7 @@
             <a:fld id="{A4F910E6-8D00-4BAF-8C48-9688E0B449D3}" type="datetime1">
               <a:rPr lang="zh-TW" altLang="en-US" smtClean="0"/>
               <a:pPr/>
-              <a:t>2020/4/28</a:t>
+              <a:t>2021/12/9</a:t>
             </a:fld>
             <a:endParaRPr lang="zh-TW" altLang="en-US"/>
           </a:p>
@@ -3945,10 +3949,10 @@
       </p:sp>
       <p:pic>
         <p:nvPicPr>
-          <p:cNvPr id="7" name="Picture 6">
+          <p:cNvPr id="9" name="Picture 8">
             <a:extLst>
               <a:ext uri="{FF2B5EF4-FFF2-40B4-BE49-F238E27FC236}">
-                <a16:creationId xmlns:a16="http://schemas.microsoft.com/office/drawing/2014/main" id="{0BBB49E7-B48D-4E4F-AE02-47185E8EADE4}"/>
+                <a16:creationId xmlns:a16="http://schemas.microsoft.com/office/drawing/2014/main" id="{A7F244D7-ABC3-4262-BE8D-A249973007CE}"/>
               </a:ext>
             </a:extLst>
           </p:cNvPr>
@@ -3965,8 +3969,8 @@
         </p:blipFill>
         <p:spPr>
           <a:xfrm>
-            <a:off x="1490015" y="3640571"/>
-            <a:ext cx="5819775" cy="2286000"/>
+            <a:off x="1038225" y="3429000"/>
+            <a:ext cx="6581775" cy="2524125"/>
           </a:xfrm>
           <a:prstGeom prst="rect">
             <a:avLst/>
@@ -4320,7 +4324,7 @@
             <a:fld id="{A4F910E6-8D00-4BAF-8C48-9688E0B449D3}" type="datetime1">
               <a:rPr lang="zh-TW" altLang="en-US" smtClean="0"/>
               <a:pPr/>
-              <a:t>2020/4/28</a:t>
+              <a:t>2021/12/9</a:t>
             </a:fld>
             <a:endParaRPr lang="zh-TW" altLang="en-US"/>
           </a:p>
@@ -4352,10 +4356,10 @@
       </p:sp>
       <p:pic>
         <p:nvPicPr>
-          <p:cNvPr id="8" name="Picture 7">
+          <p:cNvPr id="9" name="Picture 8">
             <a:extLst>
               <a:ext uri="{FF2B5EF4-FFF2-40B4-BE49-F238E27FC236}">
-                <a16:creationId xmlns:a16="http://schemas.microsoft.com/office/drawing/2014/main" id="{791BC811-9A1A-4192-BD54-6B77776D9FFC}"/>
+                <a16:creationId xmlns:a16="http://schemas.microsoft.com/office/drawing/2014/main" id="{17EB3EF3-7598-4429-8564-2DFF7D6A1F5D}"/>
               </a:ext>
             </a:extLst>
           </p:cNvPr>
@@ -4372,8 +4376,8 @@
         </p:blipFill>
         <p:spPr>
           <a:xfrm>
-            <a:off x="467544" y="3617947"/>
-            <a:ext cx="8075240" cy="1876405"/>
+            <a:off x="899592" y="3429000"/>
+            <a:ext cx="6924675" cy="2200275"/>
           </a:xfrm>
           <a:prstGeom prst="rect">
             <a:avLst/>
@@ -4474,7 +4478,7 @@
             <a:fld id="{C389EDC9-19E3-47AC-9C57-C6A24DEA81AD}" type="datetime1">
               <a:rPr lang="zh-TW" altLang="en-US" smtClean="0"/>
               <a:pPr/>
-              <a:t>2020/4/28</a:t>
+              <a:t>2021/12/9</a:t>
             </a:fld>
             <a:endParaRPr lang="zh-TW" altLang="en-US"/>
           </a:p>
@@ -4857,7 +4861,7 @@
             <a:fld id="{A4F910E6-8D00-4BAF-8C48-9688E0B449D3}" type="datetime1">
               <a:rPr lang="zh-TW" altLang="en-US" smtClean="0"/>
               <a:pPr/>
-              <a:t>2020/4/28</a:t>
+              <a:t>2021/12/9</a:t>
             </a:fld>
             <a:endParaRPr lang="zh-TW" altLang="en-US"/>
           </a:p>
@@ -5030,7 +5034,7 @@
         <p:spPr>
           <a:xfrm>
             <a:off x="467544" y="1268760"/>
-            <a:ext cx="8219256" cy="3096344"/>
+            <a:ext cx="8219256" cy="1896373"/>
           </a:xfrm>
           <a:ln>
             <a:solidFill>
@@ -5076,7 +5080,7 @@
                   <a:schemeClr val="tx1"/>
                 </a:solidFill>
               </a:rPr>
-              <a:t>&gt; docker pull ubuntu</a:t>
+              <a:t>&gt; docker login </a:t>
             </a:r>
           </a:p>
           <a:p>
@@ -5094,7 +5098,7 @@
                   <a:schemeClr val="tx1"/>
                 </a:solidFill>
               </a:rPr>
-              <a:t>You can go to hub.docker.com to find any images you want to download.</a:t>
+              <a:t>&gt;&gt; username: g120046634 (my username on docker hub)</a:t>
             </a:r>
           </a:p>
           <a:p>
@@ -5112,7 +5116,7 @@
                   <a:schemeClr val="tx1"/>
                 </a:solidFill>
               </a:rPr>
-              <a:t>Select the images and check the command “docker pull ubuntu”</a:t>
+              <a:t>&gt;&gt; password:</a:t>
             </a:r>
           </a:p>
           <a:p>
@@ -5130,79 +5134,7 @@
                   <a:schemeClr val="tx1"/>
                 </a:solidFill>
               </a:rPr>
-              <a:t>&gt; docker pull ubuntu</a:t>
-            </a:r>
-          </a:p>
-          <a:p>
-            <a:pPr marL="342900" indent="-342900" algn="l">
-              <a:buClr>
-                <a:srgbClr val="0070C0"/>
-              </a:buClr>
-              <a:buSzPct val="80000"/>
-              <a:buFont typeface="Wingdings" pitchFamily="2" charset="2"/>
-              <a:buChar char="u"/>
-            </a:pPr>
-            <a:r>
-              <a:rPr lang="en-US" sz="1800" b="1" dirty="0">
-                <a:solidFill>
-                  <a:schemeClr val="tx1"/>
-                </a:solidFill>
-              </a:rPr>
-              <a:t>Will download the latest ubuntu image for you.</a:t>
-            </a:r>
-          </a:p>
-          <a:p>
-            <a:pPr marL="342900" indent="-342900" algn="l">
-              <a:buClr>
-                <a:srgbClr val="0070C0"/>
-              </a:buClr>
-              <a:buSzPct val="80000"/>
-              <a:buFont typeface="Wingdings" pitchFamily="2" charset="2"/>
-              <a:buChar char="u"/>
-            </a:pPr>
-            <a:r>
-              <a:rPr lang="en-US" sz="1800" b="1" dirty="0">
-                <a:solidFill>
-                  <a:schemeClr val="tx1"/>
-                </a:solidFill>
-              </a:rPr>
-              <a:t>Use</a:t>
-            </a:r>
-          </a:p>
-          <a:p>
-            <a:pPr marL="342900" indent="-342900" algn="l">
-              <a:buClr>
-                <a:srgbClr val="0070C0"/>
-              </a:buClr>
-              <a:buSzPct val="80000"/>
-              <a:buFont typeface="Wingdings" pitchFamily="2" charset="2"/>
-              <a:buChar char="u"/>
-            </a:pPr>
-            <a:r>
-              <a:rPr lang="en-US" sz="1800" b="1" dirty="0">
-                <a:solidFill>
-                  <a:schemeClr val="tx1"/>
-                </a:solidFill>
-              </a:rPr>
-              <a:t>&gt; docker images</a:t>
-            </a:r>
-          </a:p>
-          <a:p>
-            <a:pPr marL="342900" indent="-342900" algn="l">
-              <a:buClr>
-                <a:srgbClr val="0070C0"/>
-              </a:buClr>
-              <a:buSzPct val="80000"/>
-              <a:buFont typeface="Wingdings" pitchFamily="2" charset="2"/>
-              <a:buChar char="u"/>
-            </a:pPr>
-            <a:r>
-              <a:rPr lang="en-US" sz="1800" b="1" dirty="0">
-                <a:solidFill>
-                  <a:schemeClr val="tx1"/>
-                </a:solidFill>
-              </a:rPr>
-              <a:t>To verify the download ubuntu images.</a:t>
+              <a:t>After you log into the docker hub account, you can go to hub.docker.com to find any images you want to download.</a:t>
             </a:r>
           </a:p>
         </p:txBody>
@@ -5302,7 +5234,7 @@
             <a:fld id="{A4F910E6-8D00-4BAF-8C48-9688E0B449D3}" type="datetime1">
               <a:rPr lang="zh-TW" altLang="en-US" smtClean="0"/>
               <a:pPr/>
-              <a:t>2020/4/28</a:t>
+              <a:t>2021/12/9</a:t>
             </a:fld>
             <a:endParaRPr lang="zh-TW" altLang="en-US"/>
           </a:p>
@@ -5329,6 +5261,266 @@
               <a:t>14</a:t>
             </a:fld>
             <a:endParaRPr lang="zh-TW" altLang="en-US"/>
+          </a:p>
+        </p:txBody>
+      </p:sp>
+      <p:pic>
+        <p:nvPicPr>
+          <p:cNvPr id="8" name="Picture 7">
+            <a:extLst>
+              <a:ext uri="{FF2B5EF4-FFF2-40B4-BE49-F238E27FC236}">
+                <a16:creationId xmlns:a16="http://schemas.microsoft.com/office/drawing/2014/main" id="{766324DF-5962-457A-B3ED-D1E5B4E1D8B0}"/>
+              </a:ext>
+            </a:extLst>
+          </p:cNvPr>
+          <p:cNvPicPr>
+            <a:picLocks noChangeAspect="1"/>
+          </p:cNvPicPr>
+          <p:nvPr/>
+        </p:nvPicPr>
+        <p:blipFill>
+          <a:blip r:embed="rId3"/>
+          <a:stretch>
+            <a:fillRect/>
+          </a:stretch>
+        </p:blipFill>
+        <p:spPr>
+          <a:xfrm>
+            <a:off x="3590106" y="3289388"/>
+            <a:ext cx="5086350" cy="2914650"/>
+          </a:xfrm>
+          <a:prstGeom prst="rect">
+            <a:avLst/>
+          </a:prstGeom>
+          <a:ln>
+            <a:solidFill>
+              <a:srgbClr val="C00000"/>
+            </a:solidFill>
+          </a:ln>
+        </p:spPr>
+      </p:pic>
+      <p:sp>
+        <p:nvSpPr>
+          <p:cNvPr id="9" name="副標題 2">
+            <a:extLst>
+              <a:ext uri="{FF2B5EF4-FFF2-40B4-BE49-F238E27FC236}">
+                <a16:creationId xmlns:a16="http://schemas.microsoft.com/office/drawing/2014/main" id="{8D825AE7-969A-4253-A71F-9210F13EBB1A}"/>
+              </a:ext>
+            </a:extLst>
+          </p:cNvPr>
+          <p:cNvSpPr txBox="1">
+            <a:spLocks/>
+          </p:cNvSpPr>
+          <p:nvPr/>
+        </p:nvSpPr>
+        <p:spPr>
+          <a:xfrm>
+            <a:off x="467544" y="3367153"/>
+            <a:ext cx="3024336" cy="1357992"/>
+          </a:xfrm>
+          <a:prstGeom prst="rect">
+            <a:avLst/>
+          </a:prstGeom>
+          <a:ln>
+            <a:solidFill>
+              <a:srgbClr val="C00000"/>
+            </a:solidFill>
+          </a:ln>
+        </p:spPr>
+        <p:txBody>
+          <a:bodyPr vert="horz" lIns="91440" tIns="45720" rIns="91440" bIns="45720" rtlCol="0">
+            <a:noAutofit/>
+          </a:bodyPr>
+          <a:lstStyle>
+            <a:lvl1pPr marL="0" indent="0" algn="ctr" defTabSz="914400" rtl="0" eaLnBrk="1" latinLnBrk="0" hangingPunct="1">
+              <a:spcBef>
+                <a:spcPct val="20000"/>
+              </a:spcBef>
+              <a:buFont typeface="Arial" pitchFamily="34" charset="0"/>
+              <a:buNone/>
+              <a:defRPr sz="3200" kern="1200">
+                <a:solidFill>
+                  <a:schemeClr val="tx1">
+                    <a:tint val="75000"/>
+                  </a:schemeClr>
+                </a:solidFill>
+                <a:latin typeface="+mn-lt"/>
+                <a:ea typeface="+mn-ea"/>
+                <a:cs typeface="+mn-cs"/>
+              </a:defRPr>
+            </a:lvl1pPr>
+            <a:lvl2pPr marL="457200" indent="0" algn="ctr" defTabSz="914400" rtl="0" eaLnBrk="1" latinLnBrk="0" hangingPunct="1">
+              <a:spcBef>
+                <a:spcPct val="20000"/>
+              </a:spcBef>
+              <a:buFont typeface="Arial" pitchFamily="34" charset="0"/>
+              <a:buNone/>
+              <a:defRPr sz="2800" kern="1200">
+                <a:solidFill>
+                  <a:schemeClr val="tx1">
+                    <a:tint val="75000"/>
+                  </a:schemeClr>
+                </a:solidFill>
+                <a:latin typeface="+mn-lt"/>
+                <a:ea typeface="+mn-ea"/>
+                <a:cs typeface="+mn-cs"/>
+              </a:defRPr>
+            </a:lvl2pPr>
+            <a:lvl3pPr marL="914400" indent="0" algn="ctr" defTabSz="914400" rtl="0" eaLnBrk="1" latinLnBrk="0" hangingPunct="1">
+              <a:spcBef>
+                <a:spcPct val="20000"/>
+              </a:spcBef>
+              <a:buFont typeface="Arial" pitchFamily="34" charset="0"/>
+              <a:buNone/>
+              <a:defRPr sz="2400" kern="1200">
+                <a:solidFill>
+                  <a:schemeClr val="tx1">
+                    <a:tint val="75000"/>
+                  </a:schemeClr>
+                </a:solidFill>
+                <a:latin typeface="+mn-lt"/>
+                <a:ea typeface="+mn-ea"/>
+                <a:cs typeface="+mn-cs"/>
+              </a:defRPr>
+            </a:lvl3pPr>
+            <a:lvl4pPr marL="1371600" indent="0" algn="ctr" defTabSz="914400" rtl="0" eaLnBrk="1" latinLnBrk="0" hangingPunct="1">
+              <a:spcBef>
+                <a:spcPct val="20000"/>
+              </a:spcBef>
+              <a:buFont typeface="Arial" pitchFamily="34" charset="0"/>
+              <a:buNone/>
+              <a:defRPr sz="2000" kern="1200">
+                <a:solidFill>
+                  <a:schemeClr val="tx1">
+                    <a:tint val="75000"/>
+                  </a:schemeClr>
+                </a:solidFill>
+                <a:latin typeface="+mn-lt"/>
+                <a:ea typeface="+mn-ea"/>
+                <a:cs typeface="+mn-cs"/>
+              </a:defRPr>
+            </a:lvl4pPr>
+            <a:lvl5pPr marL="1828800" indent="0" algn="ctr" defTabSz="914400" rtl="0" eaLnBrk="1" latinLnBrk="0" hangingPunct="1">
+              <a:spcBef>
+                <a:spcPct val="20000"/>
+              </a:spcBef>
+              <a:buFont typeface="Arial" pitchFamily="34" charset="0"/>
+              <a:buNone/>
+              <a:defRPr sz="2000" kern="1200">
+                <a:solidFill>
+                  <a:schemeClr val="tx1">
+                    <a:tint val="75000"/>
+                  </a:schemeClr>
+                </a:solidFill>
+                <a:latin typeface="+mn-lt"/>
+                <a:ea typeface="+mn-ea"/>
+                <a:cs typeface="+mn-cs"/>
+              </a:defRPr>
+            </a:lvl5pPr>
+            <a:lvl6pPr marL="2286000" indent="0" algn="ctr" defTabSz="914400" rtl="0" eaLnBrk="1" latinLnBrk="0" hangingPunct="1">
+              <a:spcBef>
+                <a:spcPct val="20000"/>
+              </a:spcBef>
+              <a:buFont typeface="Arial" pitchFamily="34" charset="0"/>
+              <a:buNone/>
+              <a:defRPr sz="2000" kern="1200">
+                <a:solidFill>
+                  <a:schemeClr val="tx1">
+                    <a:tint val="75000"/>
+                  </a:schemeClr>
+                </a:solidFill>
+                <a:latin typeface="+mn-lt"/>
+                <a:ea typeface="+mn-ea"/>
+                <a:cs typeface="+mn-cs"/>
+              </a:defRPr>
+            </a:lvl6pPr>
+            <a:lvl7pPr marL="2743200" indent="0" algn="ctr" defTabSz="914400" rtl="0" eaLnBrk="1" latinLnBrk="0" hangingPunct="1">
+              <a:spcBef>
+                <a:spcPct val="20000"/>
+              </a:spcBef>
+              <a:buFont typeface="Arial" pitchFamily="34" charset="0"/>
+              <a:buNone/>
+              <a:defRPr sz="2000" kern="1200">
+                <a:solidFill>
+                  <a:schemeClr val="tx1">
+                    <a:tint val="75000"/>
+                  </a:schemeClr>
+                </a:solidFill>
+                <a:latin typeface="+mn-lt"/>
+                <a:ea typeface="+mn-ea"/>
+                <a:cs typeface="+mn-cs"/>
+              </a:defRPr>
+            </a:lvl7pPr>
+            <a:lvl8pPr marL="3200400" indent="0" algn="ctr" defTabSz="914400" rtl="0" eaLnBrk="1" latinLnBrk="0" hangingPunct="1">
+              <a:spcBef>
+                <a:spcPct val="20000"/>
+              </a:spcBef>
+              <a:buFont typeface="Arial" pitchFamily="34" charset="0"/>
+              <a:buNone/>
+              <a:defRPr sz="2000" kern="1200">
+                <a:solidFill>
+                  <a:schemeClr val="tx1">
+                    <a:tint val="75000"/>
+                  </a:schemeClr>
+                </a:solidFill>
+                <a:latin typeface="+mn-lt"/>
+                <a:ea typeface="+mn-ea"/>
+                <a:cs typeface="+mn-cs"/>
+              </a:defRPr>
+            </a:lvl8pPr>
+            <a:lvl9pPr marL="3657600" indent="0" algn="ctr" defTabSz="914400" rtl="0" eaLnBrk="1" latinLnBrk="0" hangingPunct="1">
+              <a:spcBef>
+                <a:spcPct val="20000"/>
+              </a:spcBef>
+              <a:buFont typeface="Arial" pitchFamily="34" charset="0"/>
+              <a:buNone/>
+              <a:defRPr sz="2000" kern="1200">
+                <a:solidFill>
+                  <a:schemeClr val="tx1">
+                    <a:tint val="75000"/>
+                  </a:schemeClr>
+                </a:solidFill>
+                <a:latin typeface="+mn-lt"/>
+                <a:ea typeface="+mn-ea"/>
+                <a:cs typeface="+mn-cs"/>
+              </a:defRPr>
+            </a:lvl9pPr>
+          </a:lstStyle>
+          <a:p>
+            <a:pPr marL="342900" indent="-342900" algn="l">
+              <a:buClr>
+                <a:srgbClr val="0070C0"/>
+              </a:buClr>
+              <a:buSzPct val="80000"/>
+              <a:buFont typeface="Wingdings" pitchFamily="2" charset="2"/>
+              <a:buChar char="u"/>
+            </a:pPr>
+            <a:r>
+              <a:rPr lang="en-US" sz="1800" b="1" dirty="0">
+                <a:solidFill>
+                  <a:schemeClr val="tx1"/>
+                </a:solidFill>
+              </a:rPr>
+              <a:t>Select the images and check the command “docker pull ubuntu”</a:t>
+            </a:r>
+          </a:p>
+          <a:p>
+            <a:pPr marL="342900" indent="-342900" algn="l">
+              <a:buClr>
+                <a:srgbClr val="0070C0"/>
+              </a:buClr>
+              <a:buSzPct val="80000"/>
+              <a:buFont typeface="Wingdings" pitchFamily="2" charset="2"/>
+              <a:buChar char="u"/>
+            </a:pPr>
+            <a:r>
+              <a:rPr lang="en-US" sz="1800" b="1" dirty="0">
+                <a:solidFill>
+                  <a:schemeClr val="tx1"/>
+                </a:solidFill>
+              </a:rPr>
+              <a:t>&gt; docker pull ubuntu</a:t>
+            </a:r>
           </a:p>
         </p:txBody>
       </p:sp>
@@ -5439,8 +5631,8 @@
         </p:nvSpPr>
         <p:spPr>
           <a:xfrm>
-            <a:off x="467544" y="1268760"/>
-            <a:ext cx="8219256" cy="1080120"/>
+            <a:off x="206152" y="1268760"/>
+            <a:ext cx="8480648" cy="1075556"/>
           </a:xfrm>
           <a:ln>
             <a:solidFill>
@@ -5486,23 +5678,7 @@
                   <a:schemeClr val="tx1"/>
                 </a:solidFill>
               </a:rPr>
-              <a:t>&gt; docker </a:t>
-            </a:r>
-            <a:r>
-              <a:rPr lang="en-US" sz="1800" b="1" dirty="0" err="1">
-                <a:solidFill>
-                  <a:schemeClr val="tx1"/>
-                </a:solidFill>
-              </a:rPr>
-              <a:t>rmi</a:t>
-            </a:r>
-            <a:r>
-              <a:rPr lang="en-US" sz="1800" b="1" dirty="0">
-                <a:solidFill>
-                  <a:schemeClr val="tx1"/>
-                </a:solidFill>
-              </a:rPr>
-              <a:t> --help</a:t>
+              <a:t>&gt; docker pull ubuntu</a:t>
             </a:r>
           </a:p>
           <a:p>
@@ -5520,23 +5696,7 @@
                   <a:schemeClr val="tx1"/>
                 </a:solidFill>
               </a:rPr>
-              <a:t>&gt; docker </a:t>
-            </a:r>
-            <a:r>
-              <a:rPr lang="en-US" sz="1800" b="1" dirty="0" err="1">
-                <a:solidFill>
-                  <a:schemeClr val="tx1"/>
-                </a:solidFill>
-              </a:rPr>
-              <a:t>rmi</a:t>
-            </a:r>
-            <a:r>
-              <a:rPr lang="en-US" sz="1800" b="1" dirty="0">
-                <a:solidFill>
-                  <a:schemeClr val="tx1"/>
-                </a:solidFill>
-              </a:rPr>
-              <a:t> &lt;image-ID&gt;</a:t>
+              <a:t>Will download the latest ubuntu image for you.</a:t>
             </a:r>
           </a:p>
         </p:txBody>
@@ -5636,7 +5796,7 @@
             <a:fld id="{A4F910E6-8D00-4BAF-8C48-9688E0B449D3}" type="datetime1">
               <a:rPr lang="zh-TW" altLang="en-US" smtClean="0"/>
               <a:pPr/>
-              <a:t>2020/4/28</a:t>
+              <a:t>2021/12/9</a:t>
             </a:fld>
             <a:endParaRPr lang="zh-TW" altLang="en-US"/>
           </a:p>
@@ -5666,10 +5826,335 @@
           </a:p>
         </p:txBody>
       </p:sp>
+      <p:pic>
+        <p:nvPicPr>
+          <p:cNvPr id="9" name="Picture 8">
+            <a:extLst>
+              <a:ext uri="{FF2B5EF4-FFF2-40B4-BE49-F238E27FC236}">
+                <a16:creationId xmlns:a16="http://schemas.microsoft.com/office/drawing/2014/main" id="{786DDC85-73E7-45BA-9072-339E5841D13C}"/>
+              </a:ext>
+            </a:extLst>
+          </p:cNvPr>
+          <p:cNvPicPr>
+            <a:picLocks noChangeAspect="1"/>
+          </p:cNvPicPr>
+          <p:nvPr/>
+        </p:nvPicPr>
+        <p:blipFill>
+          <a:blip r:embed="rId3"/>
+          <a:stretch>
+            <a:fillRect/>
+          </a:stretch>
+        </p:blipFill>
+        <p:spPr>
+          <a:xfrm>
+            <a:off x="2452142" y="2848372"/>
+            <a:ext cx="6419850" cy="3476625"/>
+          </a:xfrm>
+          <a:prstGeom prst="rect">
+            <a:avLst/>
+          </a:prstGeom>
+        </p:spPr>
+      </p:pic>
+      <p:sp>
+        <p:nvSpPr>
+          <p:cNvPr id="10" name="Rectangle 9">
+            <a:extLst>
+              <a:ext uri="{FF2B5EF4-FFF2-40B4-BE49-F238E27FC236}">
+                <a16:creationId xmlns:a16="http://schemas.microsoft.com/office/drawing/2014/main" id="{75D38DC1-EB93-418C-B3A7-50360C8A12E6}"/>
+              </a:ext>
+            </a:extLst>
+          </p:cNvPr>
+          <p:cNvSpPr/>
+          <p:nvPr/>
+        </p:nvSpPr>
+        <p:spPr>
+          <a:xfrm>
+            <a:off x="2452936" y="5260553"/>
+            <a:ext cx="6048672" cy="1008112"/>
+          </a:xfrm>
+          <a:prstGeom prst="rect">
+            <a:avLst/>
+          </a:prstGeom>
+          <a:noFill/>
+          <a:ln>
+            <a:solidFill>
+              <a:srgbClr val="C00000"/>
+            </a:solidFill>
+          </a:ln>
+        </p:spPr>
+        <p:style>
+          <a:lnRef idx="2">
+            <a:schemeClr val="accent1">
+              <a:shade val="50000"/>
+            </a:schemeClr>
+          </a:lnRef>
+          <a:fillRef idx="1">
+            <a:schemeClr val="accent1"/>
+          </a:fillRef>
+          <a:effectRef idx="0">
+            <a:schemeClr val="accent1"/>
+          </a:effectRef>
+          <a:fontRef idx="minor">
+            <a:schemeClr val="lt1"/>
+          </a:fontRef>
+        </p:style>
+        <p:txBody>
+          <a:bodyPr rtlCol="0" anchor="ctr"/>
+          <a:lstStyle/>
+          <a:p>
+            <a:pPr algn="ctr"/>
+            <a:endParaRPr lang="en-US"/>
+          </a:p>
+        </p:txBody>
+      </p:sp>
+      <p:sp>
+        <p:nvSpPr>
+          <p:cNvPr id="11" name="副標題 2">
+            <a:extLst>
+              <a:ext uri="{FF2B5EF4-FFF2-40B4-BE49-F238E27FC236}">
+                <a16:creationId xmlns:a16="http://schemas.microsoft.com/office/drawing/2014/main" id="{83A5E1A4-A32D-4C46-B6D8-41472B7A1614}"/>
+              </a:ext>
+            </a:extLst>
+          </p:cNvPr>
+          <p:cNvSpPr txBox="1">
+            <a:spLocks/>
+          </p:cNvSpPr>
+          <p:nvPr/>
+        </p:nvSpPr>
+        <p:spPr>
+          <a:xfrm>
+            <a:off x="206152" y="2883922"/>
+            <a:ext cx="2133600" cy="2160240"/>
+          </a:xfrm>
+          <a:prstGeom prst="rect">
+            <a:avLst/>
+          </a:prstGeom>
+          <a:ln>
+            <a:solidFill>
+              <a:srgbClr val="C00000"/>
+            </a:solidFill>
+          </a:ln>
+        </p:spPr>
+        <p:txBody>
+          <a:bodyPr vert="horz" lIns="91440" tIns="45720" rIns="91440" bIns="45720" rtlCol="0">
+            <a:noAutofit/>
+          </a:bodyPr>
+          <a:lstStyle>
+            <a:lvl1pPr marL="0" indent="0" algn="ctr" defTabSz="914400" rtl="0" eaLnBrk="1" latinLnBrk="0" hangingPunct="1">
+              <a:spcBef>
+                <a:spcPct val="20000"/>
+              </a:spcBef>
+              <a:buFont typeface="Arial" pitchFamily="34" charset="0"/>
+              <a:buNone/>
+              <a:defRPr sz="3200" kern="1200">
+                <a:solidFill>
+                  <a:schemeClr val="tx1">
+                    <a:tint val="75000"/>
+                  </a:schemeClr>
+                </a:solidFill>
+                <a:latin typeface="+mn-lt"/>
+                <a:ea typeface="+mn-ea"/>
+                <a:cs typeface="+mn-cs"/>
+              </a:defRPr>
+            </a:lvl1pPr>
+            <a:lvl2pPr marL="457200" indent="0" algn="ctr" defTabSz="914400" rtl="0" eaLnBrk="1" latinLnBrk="0" hangingPunct="1">
+              <a:spcBef>
+                <a:spcPct val="20000"/>
+              </a:spcBef>
+              <a:buFont typeface="Arial" pitchFamily="34" charset="0"/>
+              <a:buNone/>
+              <a:defRPr sz="2800" kern="1200">
+                <a:solidFill>
+                  <a:schemeClr val="tx1">
+                    <a:tint val="75000"/>
+                  </a:schemeClr>
+                </a:solidFill>
+                <a:latin typeface="+mn-lt"/>
+                <a:ea typeface="+mn-ea"/>
+                <a:cs typeface="+mn-cs"/>
+              </a:defRPr>
+            </a:lvl2pPr>
+            <a:lvl3pPr marL="914400" indent="0" algn="ctr" defTabSz="914400" rtl="0" eaLnBrk="1" latinLnBrk="0" hangingPunct="1">
+              <a:spcBef>
+                <a:spcPct val="20000"/>
+              </a:spcBef>
+              <a:buFont typeface="Arial" pitchFamily="34" charset="0"/>
+              <a:buNone/>
+              <a:defRPr sz="2400" kern="1200">
+                <a:solidFill>
+                  <a:schemeClr val="tx1">
+                    <a:tint val="75000"/>
+                  </a:schemeClr>
+                </a:solidFill>
+                <a:latin typeface="+mn-lt"/>
+                <a:ea typeface="+mn-ea"/>
+                <a:cs typeface="+mn-cs"/>
+              </a:defRPr>
+            </a:lvl3pPr>
+            <a:lvl4pPr marL="1371600" indent="0" algn="ctr" defTabSz="914400" rtl="0" eaLnBrk="1" latinLnBrk="0" hangingPunct="1">
+              <a:spcBef>
+                <a:spcPct val="20000"/>
+              </a:spcBef>
+              <a:buFont typeface="Arial" pitchFamily="34" charset="0"/>
+              <a:buNone/>
+              <a:defRPr sz="2000" kern="1200">
+                <a:solidFill>
+                  <a:schemeClr val="tx1">
+                    <a:tint val="75000"/>
+                  </a:schemeClr>
+                </a:solidFill>
+                <a:latin typeface="+mn-lt"/>
+                <a:ea typeface="+mn-ea"/>
+                <a:cs typeface="+mn-cs"/>
+              </a:defRPr>
+            </a:lvl4pPr>
+            <a:lvl5pPr marL="1828800" indent="0" algn="ctr" defTabSz="914400" rtl="0" eaLnBrk="1" latinLnBrk="0" hangingPunct="1">
+              <a:spcBef>
+                <a:spcPct val="20000"/>
+              </a:spcBef>
+              <a:buFont typeface="Arial" pitchFamily="34" charset="0"/>
+              <a:buNone/>
+              <a:defRPr sz="2000" kern="1200">
+                <a:solidFill>
+                  <a:schemeClr val="tx1">
+                    <a:tint val="75000"/>
+                  </a:schemeClr>
+                </a:solidFill>
+                <a:latin typeface="+mn-lt"/>
+                <a:ea typeface="+mn-ea"/>
+                <a:cs typeface="+mn-cs"/>
+              </a:defRPr>
+            </a:lvl5pPr>
+            <a:lvl6pPr marL="2286000" indent="0" algn="ctr" defTabSz="914400" rtl="0" eaLnBrk="1" latinLnBrk="0" hangingPunct="1">
+              <a:spcBef>
+                <a:spcPct val="20000"/>
+              </a:spcBef>
+              <a:buFont typeface="Arial" pitchFamily="34" charset="0"/>
+              <a:buNone/>
+              <a:defRPr sz="2000" kern="1200">
+                <a:solidFill>
+                  <a:schemeClr val="tx1">
+                    <a:tint val="75000"/>
+                  </a:schemeClr>
+                </a:solidFill>
+                <a:latin typeface="+mn-lt"/>
+                <a:ea typeface="+mn-ea"/>
+                <a:cs typeface="+mn-cs"/>
+              </a:defRPr>
+            </a:lvl6pPr>
+            <a:lvl7pPr marL="2743200" indent="0" algn="ctr" defTabSz="914400" rtl="0" eaLnBrk="1" latinLnBrk="0" hangingPunct="1">
+              <a:spcBef>
+                <a:spcPct val="20000"/>
+              </a:spcBef>
+              <a:buFont typeface="Arial" pitchFamily="34" charset="0"/>
+              <a:buNone/>
+              <a:defRPr sz="2000" kern="1200">
+                <a:solidFill>
+                  <a:schemeClr val="tx1">
+                    <a:tint val="75000"/>
+                  </a:schemeClr>
+                </a:solidFill>
+                <a:latin typeface="+mn-lt"/>
+                <a:ea typeface="+mn-ea"/>
+                <a:cs typeface="+mn-cs"/>
+              </a:defRPr>
+            </a:lvl7pPr>
+            <a:lvl8pPr marL="3200400" indent="0" algn="ctr" defTabSz="914400" rtl="0" eaLnBrk="1" latinLnBrk="0" hangingPunct="1">
+              <a:spcBef>
+                <a:spcPct val="20000"/>
+              </a:spcBef>
+              <a:buFont typeface="Arial" pitchFamily="34" charset="0"/>
+              <a:buNone/>
+              <a:defRPr sz="2000" kern="1200">
+                <a:solidFill>
+                  <a:schemeClr val="tx1">
+                    <a:tint val="75000"/>
+                  </a:schemeClr>
+                </a:solidFill>
+                <a:latin typeface="+mn-lt"/>
+                <a:ea typeface="+mn-ea"/>
+                <a:cs typeface="+mn-cs"/>
+              </a:defRPr>
+            </a:lvl8pPr>
+            <a:lvl9pPr marL="3657600" indent="0" algn="ctr" defTabSz="914400" rtl="0" eaLnBrk="1" latinLnBrk="0" hangingPunct="1">
+              <a:spcBef>
+                <a:spcPct val="20000"/>
+              </a:spcBef>
+              <a:buFont typeface="Arial" pitchFamily="34" charset="0"/>
+              <a:buNone/>
+              <a:defRPr sz="2000" kern="1200">
+                <a:solidFill>
+                  <a:schemeClr val="tx1">
+                    <a:tint val="75000"/>
+                  </a:schemeClr>
+                </a:solidFill>
+                <a:latin typeface="+mn-lt"/>
+                <a:ea typeface="+mn-ea"/>
+                <a:cs typeface="+mn-cs"/>
+              </a:defRPr>
+            </a:lvl9pPr>
+          </a:lstStyle>
+          <a:p>
+            <a:pPr marL="342900" indent="-342900" algn="l">
+              <a:buClr>
+                <a:srgbClr val="0070C0"/>
+              </a:buClr>
+              <a:buSzPct val="80000"/>
+              <a:buFont typeface="Wingdings" pitchFamily="2" charset="2"/>
+              <a:buChar char="u"/>
+            </a:pPr>
+            <a:r>
+              <a:rPr lang="en-US" sz="1800" b="1" dirty="0">
+                <a:solidFill>
+                  <a:schemeClr val="tx1"/>
+                </a:solidFill>
+              </a:rPr>
+              <a:t>Use</a:t>
+            </a:r>
+          </a:p>
+          <a:p>
+            <a:pPr marL="342900" indent="-342900" algn="l">
+              <a:buClr>
+                <a:srgbClr val="0070C0"/>
+              </a:buClr>
+              <a:buSzPct val="80000"/>
+              <a:buFont typeface="Wingdings" pitchFamily="2" charset="2"/>
+              <a:buChar char="u"/>
+            </a:pPr>
+            <a:r>
+              <a:rPr lang="en-US" sz="1800" b="1" dirty="0">
+                <a:solidFill>
+                  <a:schemeClr val="tx1"/>
+                </a:solidFill>
+              </a:rPr>
+              <a:t>&gt; docker images</a:t>
+            </a:r>
+          </a:p>
+          <a:p>
+            <a:pPr marL="342900" indent="-342900" algn="l">
+              <a:buClr>
+                <a:srgbClr val="0070C0"/>
+              </a:buClr>
+              <a:buSzPct val="80000"/>
+              <a:buFont typeface="Wingdings" pitchFamily="2" charset="2"/>
+              <a:buChar char="u"/>
+            </a:pPr>
+            <a:r>
+              <a:rPr lang="en-US" sz="1800" b="1" dirty="0">
+                <a:solidFill>
+                  <a:schemeClr val="tx1"/>
+                </a:solidFill>
+              </a:rPr>
+              <a:t>To verify the download ubuntu images.</a:t>
+            </a:r>
+          </a:p>
+        </p:txBody>
+      </p:sp>
     </p:spTree>
     <p:extLst>
       <p:ext uri="{BB962C8B-B14F-4D97-AF65-F5344CB8AC3E}">
-        <p14:creationId xmlns:p14="http://schemas.microsoft.com/office/powerpoint/2010/main" val="3315476118"/>
+        <p14:creationId xmlns:p14="http://schemas.microsoft.com/office/powerpoint/2010/main" val="462487304"/>
       </p:ext>
     </p:extLst>
   </p:cSld>
@@ -5708,6 +6193,393 @@
         </p:nvSpPr>
         <p:spPr>
           <a:xfrm>
+            <a:off x="0" y="1"/>
+            <a:ext cx="9144000" cy="764704"/>
+          </a:xfrm>
+          <a:gradFill flip="none" rotWithShape="1">
+            <a:gsLst>
+              <a:gs pos="0">
+                <a:srgbClr val="C00000">
+                  <a:shade val="30000"/>
+                  <a:satMod val="115000"/>
+                </a:srgbClr>
+              </a:gs>
+              <a:gs pos="50000">
+                <a:srgbClr val="C00000">
+                  <a:shade val="67500"/>
+                  <a:satMod val="115000"/>
+                </a:srgbClr>
+              </a:gs>
+              <a:gs pos="100000">
+                <a:srgbClr val="C00000">
+                  <a:shade val="100000"/>
+                  <a:satMod val="115000"/>
+                </a:srgbClr>
+              </a:gs>
+            </a:gsLst>
+            <a:path path="circle">
+              <a:fillToRect t="100000" r="100000"/>
+            </a:path>
+            <a:tileRect l="-100000" b="-100000"/>
+          </a:gradFill>
+        </p:spPr>
+        <p:txBody>
+          <a:bodyPr>
+            <a:normAutofit/>
+          </a:bodyPr>
+          <a:lstStyle/>
+          <a:p>
+            <a:pPr algn="l"/>
+            <a:r>
+              <a:rPr lang="en-US" altLang="zh-TW" b="1" dirty="0">
+                <a:solidFill>
+                  <a:srgbClr val="FFFF00"/>
+                </a:solidFill>
+              </a:rPr>
+              <a:t>8.2 Images Command</a:t>
+            </a:r>
+            <a:endParaRPr lang="zh-TW" altLang="en-US" b="1" dirty="0">
+              <a:solidFill>
+                <a:srgbClr val="FFFF00"/>
+              </a:solidFill>
+            </a:endParaRPr>
+          </a:p>
+        </p:txBody>
+      </p:sp>
+      <p:sp>
+        <p:nvSpPr>
+          <p:cNvPr id="3" name="副標題 2"/>
+          <p:cNvSpPr>
+            <a:spLocks noGrp="1"/>
+          </p:cNvSpPr>
+          <p:nvPr>
+            <p:ph type="subTitle" idx="1"/>
+          </p:nvPr>
+        </p:nvSpPr>
+        <p:spPr>
+          <a:xfrm>
+            <a:off x="467544" y="1268760"/>
+            <a:ext cx="8219256" cy="1296144"/>
+          </a:xfrm>
+          <a:ln>
+            <a:solidFill>
+              <a:srgbClr val="C00000"/>
+            </a:solidFill>
+          </a:ln>
+        </p:spPr>
+        <p:txBody>
+          <a:bodyPr>
+            <a:noAutofit/>
+          </a:bodyPr>
+          <a:lstStyle/>
+          <a:p>
+            <a:pPr marL="342900" indent="-342900" algn="l">
+              <a:buClr>
+                <a:srgbClr val="0070C0"/>
+              </a:buClr>
+              <a:buSzPct val="80000"/>
+              <a:buFont typeface="Wingdings" pitchFamily="2" charset="2"/>
+              <a:buChar char="u"/>
+            </a:pPr>
+            <a:r>
+              <a:rPr lang="en-US" sz="1800" b="1" dirty="0">
+                <a:solidFill>
+                  <a:srgbClr val="C00000"/>
+                </a:solidFill>
+              </a:rPr>
+              <a:t>Images Command</a:t>
+            </a:r>
+          </a:p>
+          <a:p>
+            <a:pPr marL="342900" indent="-342900" algn="l">
+              <a:buClr>
+                <a:srgbClr val="0070C0"/>
+              </a:buClr>
+              <a:buSzPct val="80000"/>
+              <a:buFont typeface="Wingdings" pitchFamily="2" charset="2"/>
+              <a:buChar char="u"/>
+            </a:pPr>
+            <a:r>
+              <a:rPr lang="en-US" sz="1800" b="1" dirty="0">
+                <a:solidFill>
+                  <a:schemeClr val="tx1"/>
+                </a:solidFill>
+              </a:rPr>
+              <a:t>&gt; docker </a:t>
+            </a:r>
+            <a:r>
+              <a:rPr lang="en-US" sz="1800" b="1" dirty="0" err="1">
+                <a:solidFill>
+                  <a:schemeClr val="tx1"/>
+                </a:solidFill>
+              </a:rPr>
+              <a:t>rmi</a:t>
+            </a:r>
+            <a:r>
+              <a:rPr lang="en-US" sz="1800" b="1" dirty="0">
+                <a:solidFill>
+                  <a:schemeClr val="tx1"/>
+                </a:solidFill>
+              </a:rPr>
+              <a:t> --help</a:t>
+            </a:r>
+          </a:p>
+          <a:p>
+            <a:pPr marL="342900" indent="-342900" algn="l">
+              <a:buClr>
+                <a:srgbClr val="0070C0"/>
+              </a:buClr>
+              <a:buSzPct val="80000"/>
+              <a:buFont typeface="Wingdings" pitchFamily="2" charset="2"/>
+              <a:buChar char="u"/>
+            </a:pPr>
+            <a:r>
+              <a:rPr lang="en-US" sz="1800" b="1" dirty="0">
+                <a:solidFill>
+                  <a:schemeClr val="tx1"/>
+                </a:solidFill>
+              </a:rPr>
+              <a:t>&gt; docker </a:t>
+            </a:r>
+            <a:r>
+              <a:rPr lang="en-US" sz="1800" b="1" dirty="0" err="1">
+                <a:solidFill>
+                  <a:schemeClr val="tx1"/>
+                </a:solidFill>
+              </a:rPr>
+              <a:t>rmi</a:t>
+            </a:r>
+            <a:r>
+              <a:rPr lang="en-US" sz="1800" b="1" dirty="0">
+                <a:solidFill>
+                  <a:schemeClr val="tx1"/>
+                </a:solidFill>
+              </a:rPr>
+              <a:t> -f &lt;image-ID&gt;</a:t>
+            </a:r>
+          </a:p>
+          <a:p>
+            <a:pPr marL="342900" indent="-342900" algn="l">
+              <a:buClr>
+                <a:srgbClr val="0070C0"/>
+              </a:buClr>
+              <a:buSzPct val="80000"/>
+              <a:buFont typeface="Wingdings" pitchFamily="2" charset="2"/>
+              <a:buChar char="u"/>
+            </a:pPr>
+            <a:r>
+              <a:rPr lang="en-US" sz="1800" b="1" dirty="0">
+                <a:solidFill>
+                  <a:schemeClr val="tx1"/>
+                </a:solidFill>
+              </a:rPr>
+              <a:t>Note: Use “-f” to force to remove image file.</a:t>
+            </a:r>
+          </a:p>
+        </p:txBody>
+      </p:sp>
+      <p:sp>
+        <p:nvSpPr>
+          <p:cNvPr id="4" name="標題 1"/>
+          <p:cNvSpPr txBox="1">
+            <a:spLocks/>
+          </p:cNvSpPr>
+          <p:nvPr/>
+        </p:nvSpPr>
+        <p:spPr>
+          <a:xfrm>
+            <a:off x="0" y="764704"/>
+            <a:ext cx="9144000" cy="360040"/>
+          </a:xfrm>
+          <a:prstGeom prst="rect">
+            <a:avLst/>
+          </a:prstGeom>
+          <a:gradFill flip="none" rotWithShape="1">
+            <a:gsLst>
+              <a:gs pos="0">
+                <a:srgbClr val="00B0F0">
+                  <a:shade val="30000"/>
+                  <a:satMod val="115000"/>
+                </a:srgbClr>
+              </a:gs>
+              <a:gs pos="50000">
+                <a:srgbClr val="00B0F0">
+                  <a:shade val="67500"/>
+                  <a:satMod val="115000"/>
+                </a:srgbClr>
+              </a:gs>
+              <a:gs pos="100000">
+                <a:srgbClr val="00B0F0">
+                  <a:shade val="100000"/>
+                  <a:satMod val="115000"/>
+                </a:srgbClr>
+              </a:gs>
+            </a:gsLst>
+            <a:path path="circle">
+              <a:fillToRect t="100000" r="100000"/>
+            </a:path>
+            <a:tileRect l="-100000" b="-100000"/>
+          </a:gradFill>
+        </p:spPr>
+        <p:txBody>
+          <a:bodyPr vert="horz" lIns="91440" tIns="45720" rIns="91440" bIns="45720" rtlCol="0" anchor="ctr">
+            <a:normAutofit fontScale="92500"/>
+          </a:bodyPr>
+          <a:lstStyle/>
+          <a:p>
+            <a:pPr lvl="0">
+              <a:spcBef>
+                <a:spcPct val="0"/>
+              </a:spcBef>
+            </a:pPr>
+            <a:r>
+              <a:rPr lang="en-US" sz="1600" dirty="0">
+                <a:hlinkClick r:id="rId2"/>
+              </a:rPr>
+              <a:t>https://www.youtube.com/watch?v=HqBMEmoAd1M&amp;list=PLhW3qG5bs-L99pQsZ74f-LC-tOEsBp2rK&amp;index=8</a:t>
+            </a:r>
+            <a:endParaRPr kumimoji="0" lang="zh-TW" altLang="en-US" sz="1600" b="0" i="0" u="none" strike="noStrike" kern="1200" cap="none" spc="0" normalizeH="0" baseline="0" noProof="0" dirty="0">
+              <a:ln>
+                <a:noFill/>
+              </a:ln>
+              <a:solidFill>
+                <a:schemeClr val="tx1"/>
+              </a:solidFill>
+              <a:effectLst/>
+              <a:uLnTx/>
+              <a:uFillTx/>
+              <a:latin typeface="+mj-lt"/>
+              <a:ea typeface="+mj-ea"/>
+              <a:cs typeface="+mj-cs"/>
+            </a:endParaRPr>
+          </a:p>
+        </p:txBody>
+      </p:sp>
+      <p:sp>
+        <p:nvSpPr>
+          <p:cNvPr id="5" name="日期版面配置區 4"/>
+          <p:cNvSpPr>
+            <a:spLocks noGrp="1"/>
+          </p:cNvSpPr>
+          <p:nvPr>
+            <p:ph type="dt" sz="half" idx="10"/>
+          </p:nvPr>
+        </p:nvSpPr>
+        <p:spPr/>
+        <p:txBody>
+          <a:bodyPr/>
+          <a:lstStyle/>
+          <a:p>
+            <a:fld id="{A4F910E6-8D00-4BAF-8C48-9688E0B449D3}" type="datetime1">
+              <a:rPr lang="zh-TW" altLang="en-US" smtClean="0"/>
+              <a:pPr/>
+              <a:t>2021/12/9</a:t>
+            </a:fld>
+            <a:endParaRPr lang="zh-TW" altLang="en-US"/>
+          </a:p>
+        </p:txBody>
+      </p:sp>
+      <p:sp>
+        <p:nvSpPr>
+          <p:cNvPr id="6" name="投影片編號版面配置區 5"/>
+          <p:cNvSpPr>
+            <a:spLocks noGrp="1"/>
+          </p:cNvSpPr>
+          <p:nvPr>
+            <p:ph type="sldNum" sz="quarter" idx="12"/>
+          </p:nvPr>
+        </p:nvSpPr>
+        <p:spPr/>
+        <p:txBody>
+          <a:bodyPr/>
+          <a:lstStyle/>
+          <a:p>
+            <a:fld id="{E4D7E63D-91F2-4366-A2C4-1B00C9E2590E}" type="slidenum">
+              <a:rPr lang="zh-TW" altLang="en-US" smtClean="0"/>
+              <a:pPr/>
+              <a:t>16</a:t>
+            </a:fld>
+            <a:endParaRPr lang="zh-TW" altLang="en-US"/>
+          </a:p>
+        </p:txBody>
+      </p:sp>
+      <p:pic>
+        <p:nvPicPr>
+          <p:cNvPr id="8" name="Picture 7">
+            <a:extLst>
+              <a:ext uri="{FF2B5EF4-FFF2-40B4-BE49-F238E27FC236}">
+                <a16:creationId xmlns:a16="http://schemas.microsoft.com/office/drawing/2014/main" id="{1C4B605D-230A-4ED5-B514-64FE943ABF9C}"/>
+              </a:ext>
+            </a:extLst>
+          </p:cNvPr>
+          <p:cNvPicPr>
+            <a:picLocks noChangeAspect="1"/>
+          </p:cNvPicPr>
+          <p:nvPr/>
+        </p:nvPicPr>
+        <p:blipFill>
+          <a:blip r:embed="rId3"/>
+          <a:stretch>
+            <a:fillRect/>
+          </a:stretch>
+        </p:blipFill>
+        <p:spPr>
+          <a:xfrm>
+            <a:off x="1524000" y="2685083"/>
+            <a:ext cx="6448425" cy="3648075"/>
+          </a:xfrm>
+          <a:prstGeom prst="rect">
+            <a:avLst/>
+          </a:prstGeom>
+          <a:ln>
+            <a:solidFill>
+              <a:srgbClr val="C00000"/>
+            </a:solidFill>
+          </a:ln>
+        </p:spPr>
+      </p:pic>
+    </p:spTree>
+    <p:extLst>
+      <p:ext uri="{BB962C8B-B14F-4D97-AF65-F5344CB8AC3E}">
+        <p14:creationId xmlns:p14="http://schemas.microsoft.com/office/powerpoint/2010/main" val="3315476118"/>
+      </p:ext>
+    </p:extLst>
+  </p:cSld>
+  <p:clrMapOvr>
+    <a:masterClrMapping/>
+  </p:clrMapOvr>
+</p:sld>
+</file>
+
+<file path=ppt/slides/slide17.xml><?xml version="1.0" encoding="utf-8"?>
+<p:sld xmlns:a="http://schemas.openxmlformats.org/drawingml/2006/main" xmlns:r="http://schemas.openxmlformats.org/officeDocument/2006/relationships" xmlns:p="http://schemas.openxmlformats.org/presentationml/2006/main">
+  <p:cSld>
+    <p:spTree>
+      <p:nvGrpSpPr>
+        <p:cNvPr id="1" name=""/>
+        <p:cNvGrpSpPr/>
+        <p:nvPr/>
+      </p:nvGrpSpPr>
+      <p:grpSpPr>
+        <a:xfrm>
+          <a:off x="0" y="0"/>
+          <a:ext cx="0" cy="0"/>
+          <a:chOff x="0" y="0"/>
+          <a:chExt cx="0" cy="0"/>
+        </a:xfrm>
+      </p:grpSpPr>
+      <p:sp>
+        <p:nvSpPr>
+          <p:cNvPr id="2" name="標題 1"/>
+          <p:cNvSpPr>
+            <a:spLocks noGrp="1"/>
+          </p:cNvSpPr>
+          <p:nvPr>
+            <p:ph type="ctrTitle"/>
+          </p:nvPr>
+        </p:nvSpPr>
+        <p:spPr>
+          <a:xfrm>
             <a:off x="0" y="2130425"/>
             <a:ext cx="9144000" cy="1470025"/>
           </a:xfrm>
@@ -5755,7 +6627,7 @@
             <a:fld id="{C389EDC9-19E3-47AC-9C57-C6A24DEA81AD}" type="datetime1">
               <a:rPr lang="zh-TW" altLang="en-US" smtClean="0"/>
               <a:pPr/>
-              <a:t>2020/4/28</a:t>
+              <a:t>2021/12/9</a:t>
             </a:fld>
             <a:endParaRPr lang="zh-TW" altLang="en-US"/>
           </a:p>
@@ -5779,7 +6651,7 @@
             <a:fld id="{E4D7E63D-91F2-4366-A2C4-1B00C9E2590E}" type="slidenum">
               <a:rPr lang="zh-TW" altLang="en-US" smtClean="0"/>
               <a:pPr/>
-              <a:t>16</a:t>
+              <a:t>17</a:t>
             </a:fld>
             <a:endParaRPr lang="zh-TW" altLang="en-US"/>
           </a:p>
@@ -5828,7 +6700,7 @@
 </p:sld>
 </file>
 
-<file path=ppt/slides/slide17.xml><?xml version="1.0" encoding="utf-8"?>
+<file path=ppt/slides/slide18.xml><?xml version="1.0" encoding="utf-8"?>
 <p:sld xmlns:a="http://schemas.openxmlformats.org/drawingml/2006/main" xmlns:r="http://schemas.openxmlformats.org/officeDocument/2006/relationships" xmlns:p="http://schemas.openxmlformats.org/presentationml/2006/main">
   <p:cSld>
     <p:spTree>
@@ -5922,8 +6794,8 @@
         </p:nvSpPr>
         <p:spPr>
           <a:xfrm>
-            <a:off x="467544" y="1268760"/>
-            <a:ext cx="8219256" cy="1728192"/>
+            <a:off x="467544" y="1268759"/>
+            <a:ext cx="8219256" cy="1990577"/>
           </a:xfrm>
           <a:ln>
             <a:solidFill>
@@ -6018,7 +6890,7 @@
                   <a:schemeClr val="tx1"/>
                 </a:solidFill>
               </a:rPr>
-              <a:t>&gt; docker start</a:t>
+              <a:t>&gt; docker ps</a:t>
             </a:r>
           </a:p>
           <a:p>
@@ -6036,7 +6908,25 @@
                   <a:schemeClr val="tx1"/>
                 </a:solidFill>
               </a:rPr>
-              <a:t>&gt; docker stop</a:t>
+              <a:t>We cannot see any running &lt;image ID&gt;. We do not have any container running. </a:t>
+            </a:r>
+          </a:p>
+          <a:p>
+            <a:pPr marL="342900" indent="-342900" algn="l">
+              <a:buClr>
+                <a:srgbClr val="0070C0"/>
+              </a:buClr>
+              <a:buSzPct val="80000"/>
+              <a:buFont typeface="Wingdings" pitchFamily="2" charset="2"/>
+              <a:buChar char="u"/>
+            </a:pPr>
+            <a:r>
+              <a:rPr lang="en-US" sz="1800" b="1" dirty="0">
+                <a:solidFill>
+                  <a:schemeClr val="tx1"/>
+                </a:solidFill>
+              </a:rPr>
+              <a:t>However, we can have “-it” option to generate a docker container.</a:t>
             </a:r>
           </a:p>
         </p:txBody>
@@ -6136,7 +7026,7 @@
             <a:fld id="{A4F910E6-8D00-4BAF-8C48-9688E0B449D3}" type="datetime1">
               <a:rPr lang="zh-TW" altLang="en-US" smtClean="0"/>
               <a:pPr/>
-              <a:t>2020/4/28</a:t>
+              <a:t>2021/12/9</a:t>
             </a:fld>
             <a:endParaRPr lang="zh-TW" altLang="en-US"/>
           </a:p>
@@ -6160,12 +7050,47 @@
             <a:fld id="{E4D7E63D-91F2-4366-A2C4-1B00C9E2590E}" type="slidenum">
               <a:rPr lang="zh-TW" altLang="en-US" smtClean="0"/>
               <a:pPr/>
-              <a:t>17</a:t>
+              <a:t>18</a:t>
             </a:fld>
             <a:endParaRPr lang="zh-TW" altLang="en-US"/>
           </a:p>
         </p:txBody>
       </p:sp>
+      <p:pic>
+        <p:nvPicPr>
+          <p:cNvPr id="8" name="Picture 7">
+            <a:extLst>
+              <a:ext uri="{FF2B5EF4-FFF2-40B4-BE49-F238E27FC236}">
+                <a16:creationId xmlns:a16="http://schemas.microsoft.com/office/drawing/2014/main" id="{5EC33B7E-CB67-4C07-960F-C4121B41420D}"/>
+              </a:ext>
+            </a:extLst>
+          </p:cNvPr>
+          <p:cNvPicPr>
+            <a:picLocks noChangeAspect="1"/>
+          </p:cNvPicPr>
+          <p:nvPr/>
+        </p:nvPicPr>
+        <p:blipFill>
+          <a:blip r:embed="rId3"/>
+          <a:stretch>
+            <a:fillRect/>
+          </a:stretch>
+        </p:blipFill>
+        <p:spPr>
+          <a:xfrm>
+            <a:off x="899592" y="3609063"/>
+            <a:ext cx="6276975" cy="704850"/>
+          </a:xfrm>
+          <a:prstGeom prst="rect">
+            <a:avLst/>
+          </a:prstGeom>
+          <a:ln>
+            <a:solidFill>
+              <a:srgbClr val="C00000"/>
+            </a:solidFill>
+          </a:ln>
+        </p:spPr>
+      </p:pic>
     </p:spTree>
     <p:extLst>
       <p:ext uri="{BB962C8B-B14F-4D97-AF65-F5344CB8AC3E}">
@@ -6179,7 +7104,7 @@
 </p:sld>
 </file>
 
-<file path=ppt/slides/slide18.xml><?xml version="1.0" encoding="utf-8"?>
+<file path=ppt/slides/slide19.xml><?xml version="1.0" encoding="utf-8"?>
 <p:sld xmlns:a="http://schemas.openxmlformats.org/drawingml/2006/main" xmlns:r="http://schemas.openxmlformats.org/officeDocument/2006/relationships" xmlns:p="http://schemas.openxmlformats.org/presentationml/2006/main">
   <p:cSld>
     <p:spTree>
@@ -6208,6 +7133,2547 @@
         </p:nvSpPr>
         <p:spPr>
           <a:xfrm>
+            <a:off x="0" y="1"/>
+            <a:ext cx="9144000" cy="764704"/>
+          </a:xfrm>
+          <a:gradFill flip="none" rotWithShape="1">
+            <a:gsLst>
+              <a:gs pos="0">
+                <a:srgbClr val="C00000">
+                  <a:shade val="30000"/>
+                  <a:satMod val="115000"/>
+                </a:srgbClr>
+              </a:gs>
+              <a:gs pos="50000">
+                <a:srgbClr val="C00000">
+                  <a:shade val="67500"/>
+                  <a:satMod val="115000"/>
+                </a:srgbClr>
+              </a:gs>
+              <a:gs pos="100000">
+                <a:srgbClr val="C00000">
+                  <a:shade val="100000"/>
+                  <a:satMod val="115000"/>
+                </a:srgbClr>
+              </a:gs>
+            </a:gsLst>
+            <a:path path="circle">
+              <a:fillToRect t="100000" r="100000"/>
+            </a:path>
+            <a:tileRect l="-100000" b="-100000"/>
+          </a:gradFill>
+        </p:spPr>
+        <p:txBody>
+          <a:bodyPr>
+            <a:normAutofit/>
+          </a:bodyPr>
+          <a:lstStyle/>
+          <a:p>
+            <a:pPr algn="l"/>
+            <a:r>
+              <a:rPr lang="en-US" altLang="zh-TW" b="1" dirty="0">
+                <a:solidFill>
+                  <a:srgbClr val="FFFF00"/>
+                </a:solidFill>
+              </a:rPr>
+              <a:t>8.3 Containers Command</a:t>
+            </a:r>
+            <a:endParaRPr lang="zh-TW" altLang="en-US" b="1" dirty="0">
+              <a:solidFill>
+                <a:srgbClr val="FFFF00"/>
+              </a:solidFill>
+            </a:endParaRPr>
+          </a:p>
+        </p:txBody>
+      </p:sp>
+      <p:sp>
+        <p:nvSpPr>
+          <p:cNvPr id="3" name="副標題 2"/>
+          <p:cNvSpPr>
+            <a:spLocks noGrp="1"/>
+          </p:cNvSpPr>
+          <p:nvPr>
+            <p:ph type="subTitle" idx="1"/>
+          </p:nvPr>
+        </p:nvSpPr>
+        <p:spPr>
+          <a:xfrm>
+            <a:off x="467544" y="1268759"/>
+            <a:ext cx="8219256" cy="2028329"/>
+          </a:xfrm>
+          <a:ln>
+            <a:solidFill>
+              <a:srgbClr val="C00000"/>
+            </a:solidFill>
+          </a:ln>
+        </p:spPr>
+        <p:txBody>
+          <a:bodyPr>
+            <a:noAutofit/>
+          </a:bodyPr>
+          <a:lstStyle/>
+          <a:p>
+            <a:pPr marL="342900" indent="-342900" algn="l">
+              <a:buClr>
+                <a:srgbClr val="0070C0"/>
+              </a:buClr>
+              <a:buSzPct val="80000"/>
+              <a:buFont typeface="Wingdings" pitchFamily="2" charset="2"/>
+              <a:buChar char="u"/>
+            </a:pPr>
+            <a:r>
+              <a:rPr lang="en-US" sz="1800" b="1" dirty="0">
+                <a:solidFill>
+                  <a:srgbClr val="C00000"/>
+                </a:solidFill>
+              </a:rPr>
+              <a:t>Containers Command</a:t>
+            </a:r>
+          </a:p>
+          <a:p>
+            <a:pPr marL="342900" indent="-342900" algn="l">
+              <a:buClr>
+                <a:srgbClr val="0070C0"/>
+              </a:buClr>
+              <a:buSzPct val="80000"/>
+              <a:buFont typeface="Wingdings" pitchFamily="2" charset="2"/>
+              <a:buChar char="u"/>
+            </a:pPr>
+            <a:r>
+              <a:rPr lang="en-US" sz="1800" b="1" dirty="0">
+                <a:solidFill>
+                  <a:schemeClr val="tx1"/>
+                </a:solidFill>
+              </a:rPr>
+              <a:t>1. &gt; docker run -it ubuntu</a:t>
+            </a:r>
+          </a:p>
+          <a:p>
+            <a:pPr marL="342900" indent="-342900" algn="l">
+              <a:buClr>
+                <a:srgbClr val="0070C0"/>
+              </a:buClr>
+              <a:buSzPct val="80000"/>
+              <a:buFont typeface="Wingdings" pitchFamily="2" charset="2"/>
+              <a:buChar char="u"/>
+            </a:pPr>
+            <a:r>
+              <a:rPr lang="en-US" sz="1800" b="1" dirty="0">
+                <a:solidFill>
+                  <a:schemeClr val="tx1"/>
+                </a:solidFill>
+              </a:rPr>
+              <a:t>The “-it” option allow us to start a ubuntu container.</a:t>
+            </a:r>
+          </a:p>
+          <a:p>
+            <a:pPr marL="342900" indent="-342900" algn="l">
+              <a:buClr>
+                <a:srgbClr val="0070C0"/>
+              </a:buClr>
+              <a:buSzPct val="80000"/>
+              <a:buFont typeface="Wingdings" pitchFamily="2" charset="2"/>
+              <a:buChar char="u"/>
+            </a:pPr>
+            <a:r>
+              <a:rPr lang="en-US" sz="1800" b="1" dirty="0">
+                <a:solidFill>
+                  <a:schemeClr val="tx1"/>
+                </a:solidFill>
+              </a:rPr>
+              <a:t>We are inside the Ubuntu container. We need to go outside the Ubuntu container. To go outside Ubuntu container, we need to open another terminal (Use “Control-alt t” to open another terminal)</a:t>
+            </a:r>
+          </a:p>
+          <a:p>
+            <a:pPr algn="l">
+              <a:buClr>
+                <a:srgbClr val="0070C0"/>
+              </a:buClr>
+              <a:buSzPct val="80000"/>
+            </a:pPr>
+            <a:endParaRPr lang="en-US" sz="1800" b="1" dirty="0">
+              <a:solidFill>
+                <a:schemeClr val="tx1"/>
+              </a:solidFill>
+            </a:endParaRPr>
+          </a:p>
+        </p:txBody>
+      </p:sp>
+      <p:sp>
+        <p:nvSpPr>
+          <p:cNvPr id="4" name="標題 1"/>
+          <p:cNvSpPr txBox="1">
+            <a:spLocks/>
+          </p:cNvSpPr>
+          <p:nvPr/>
+        </p:nvSpPr>
+        <p:spPr>
+          <a:xfrm>
+            <a:off x="0" y="764704"/>
+            <a:ext cx="9144000" cy="360040"/>
+          </a:xfrm>
+          <a:prstGeom prst="rect">
+            <a:avLst/>
+          </a:prstGeom>
+          <a:gradFill flip="none" rotWithShape="1">
+            <a:gsLst>
+              <a:gs pos="0">
+                <a:srgbClr val="00B0F0">
+                  <a:shade val="30000"/>
+                  <a:satMod val="115000"/>
+                </a:srgbClr>
+              </a:gs>
+              <a:gs pos="50000">
+                <a:srgbClr val="00B0F0">
+                  <a:shade val="67500"/>
+                  <a:satMod val="115000"/>
+                </a:srgbClr>
+              </a:gs>
+              <a:gs pos="100000">
+                <a:srgbClr val="00B0F0">
+                  <a:shade val="100000"/>
+                  <a:satMod val="115000"/>
+                </a:srgbClr>
+              </a:gs>
+            </a:gsLst>
+            <a:path path="circle">
+              <a:fillToRect t="100000" r="100000"/>
+            </a:path>
+            <a:tileRect l="-100000" b="-100000"/>
+          </a:gradFill>
+        </p:spPr>
+        <p:txBody>
+          <a:bodyPr vert="horz" lIns="91440" tIns="45720" rIns="91440" bIns="45720" rtlCol="0" anchor="ctr">
+            <a:normAutofit fontScale="92500"/>
+          </a:bodyPr>
+          <a:lstStyle/>
+          <a:p>
+            <a:pPr lvl="0">
+              <a:spcBef>
+                <a:spcPct val="0"/>
+              </a:spcBef>
+            </a:pPr>
+            <a:r>
+              <a:rPr lang="en-US" sz="1600" dirty="0">
+                <a:hlinkClick r:id="rId2"/>
+              </a:rPr>
+              <a:t>https://www.youtube.com/watch?v=HqBMEmoAd1M&amp;list=PLhW3qG5bs-L99pQsZ74f-LC-tOEsBp2rK&amp;index=8</a:t>
+            </a:r>
+            <a:endParaRPr kumimoji="0" lang="zh-TW" altLang="en-US" sz="1600" b="0" i="0" u="none" strike="noStrike" kern="1200" cap="none" spc="0" normalizeH="0" baseline="0" noProof="0" dirty="0">
+              <a:ln>
+                <a:noFill/>
+              </a:ln>
+              <a:solidFill>
+                <a:schemeClr val="tx1"/>
+              </a:solidFill>
+              <a:effectLst/>
+              <a:uLnTx/>
+              <a:uFillTx/>
+              <a:latin typeface="+mj-lt"/>
+              <a:ea typeface="+mj-ea"/>
+              <a:cs typeface="+mj-cs"/>
+            </a:endParaRPr>
+          </a:p>
+        </p:txBody>
+      </p:sp>
+      <p:sp>
+        <p:nvSpPr>
+          <p:cNvPr id="5" name="日期版面配置區 4"/>
+          <p:cNvSpPr>
+            <a:spLocks noGrp="1"/>
+          </p:cNvSpPr>
+          <p:nvPr>
+            <p:ph type="dt" sz="half" idx="10"/>
+          </p:nvPr>
+        </p:nvSpPr>
+        <p:spPr/>
+        <p:txBody>
+          <a:bodyPr/>
+          <a:lstStyle/>
+          <a:p>
+            <a:fld id="{A4F910E6-8D00-4BAF-8C48-9688E0B449D3}" type="datetime1">
+              <a:rPr lang="zh-TW" altLang="en-US" smtClean="0"/>
+              <a:pPr/>
+              <a:t>2021/12/9</a:t>
+            </a:fld>
+            <a:endParaRPr lang="zh-TW" altLang="en-US"/>
+          </a:p>
+        </p:txBody>
+      </p:sp>
+      <p:sp>
+        <p:nvSpPr>
+          <p:cNvPr id="6" name="投影片編號版面配置區 5"/>
+          <p:cNvSpPr>
+            <a:spLocks noGrp="1"/>
+          </p:cNvSpPr>
+          <p:nvPr>
+            <p:ph type="sldNum" sz="quarter" idx="12"/>
+          </p:nvPr>
+        </p:nvSpPr>
+        <p:spPr/>
+        <p:txBody>
+          <a:bodyPr/>
+          <a:lstStyle/>
+          <a:p>
+            <a:fld id="{E4D7E63D-91F2-4366-A2C4-1B00C9E2590E}" type="slidenum">
+              <a:rPr lang="zh-TW" altLang="en-US" smtClean="0"/>
+              <a:pPr/>
+              <a:t>19</a:t>
+            </a:fld>
+            <a:endParaRPr lang="zh-TW" altLang="en-US"/>
+          </a:p>
+        </p:txBody>
+      </p:sp>
+      <p:pic>
+        <p:nvPicPr>
+          <p:cNvPr id="9" name="Picture 8">
+            <a:extLst>
+              <a:ext uri="{FF2B5EF4-FFF2-40B4-BE49-F238E27FC236}">
+                <a16:creationId xmlns:a16="http://schemas.microsoft.com/office/drawing/2014/main" id="{9BBB5D23-B5C4-48AE-A95D-5834ABD84264}"/>
+              </a:ext>
+            </a:extLst>
+          </p:cNvPr>
+          <p:cNvPicPr>
+            <a:picLocks noChangeAspect="1"/>
+          </p:cNvPicPr>
+          <p:nvPr/>
+        </p:nvPicPr>
+        <p:blipFill>
+          <a:blip r:embed="rId3"/>
+          <a:stretch>
+            <a:fillRect/>
+          </a:stretch>
+        </p:blipFill>
+        <p:spPr>
+          <a:xfrm>
+            <a:off x="2051720" y="4465857"/>
+            <a:ext cx="6743700" cy="1800225"/>
+          </a:xfrm>
+          <a:prstGeom prst="rect">
+            <a:avLst/>
+          </a:prstGeom>
+          <a:ln>
+            <a:solidFill>
+              <a:srgbClr val="C00000"/>
+            </a:solidFill>
+          </a:ln>
+        </p:spPr>
+      </p:pic>
+      <p:sp>
+        <p:nvSpPr>
+          <p:cNvPr id="12" name="Oval 11">
+            <a:extLst>
+              <a:ext uri="{FF2B5EF4-FFF2-40B4-BE49-F238E27FC236}">
+                <a16:creationId xmlns:a16="http://schemas.microsoft.com/office/drawing/2014/main" id="{1917E1C1-FF0F-477B-9A2F-1C113F8FC210}"/>
+              </a:ext>
+            </a:extLst>
+          </p:cNvPr>
+          <p:cNvSpPr/>
+          <p:nvPr/>
+        </p:nvSpPr>
+        <p:spPr>
+          <a:xfrm>
+            <a:off x="2843808" y="3441103"/>
+            <a:ext cx="360040" cy="360040"/>
+          </a:xfrm>
+          <a:prstGeom prst="ellipse">
+            <a:avLst/>
+          </a:prstGeom>
+          <a:solidFill>
+            <a:srgbClr val="FFFF00"/>
+          </a:solidFill>
+          <a:ln>
+            <a:solidFill>
+              <a:srgbClr val="C00000"/>
+            </a:solidFill>
+          </a:ln>
+        </p:spPr>
+        <p:style>
+          <a:lnRef idx="2">
+            <a:schemeClr val="accent1">
+              <a:shade val="50000"/>
+            </a:schemeClr>
+          </a:lnRef>
+          <a:fillRef idx="1">
+            <a:schemeClr val="accent1"/>
+          </a:fillRef>
+          <a:effectRef idx="0">
+            <a:schemeClr val="accent1"/>
+          </a:effectRef>
+          <a:fontRef idx="minor">
+            <a:schemeClr val="lt1"/>
+          </a:fontRef>
+        </p:style>
+        <p:txBody>
+          <a:bodyPr rtlCol="0" anchor="ctr"/>
+          <a:lstStyle/>
+          <a:p>
+            <a:pPr algn="ctr"/>
+            <a:r>
+              <a:rPr lang="en-US" dirty="0">
+                <a:solidFill>
+                  <a:schemeClr val="tx1"/>
+                </a:solidFill>
+                <a:highlight>
+                  <a:srgbClr val="FFFF00"/>
+                </a:highlight>
+              </a:rPr>
+              <a:t>1</a:t>
+            </a:r>
+          </a:p>
+        </p:txBody>
+      </p:sp>
+      <p:sp>
+        <p:nvSpPr>
+          <p:cNvPr id="13" name="Oval 12">
+            <a:extLst>
+              <a:ext uri="{FF2B5EF4-FFF2-40B4-BE49-F238E27FC236}">
+                <a16:creationId xmlns:a16="http://schemas.microsoft.com/office/drawing/2014/main" id="{861040FE-5399-42DD-A883-C16CC937C126}"/>
+              </a:ext>
+            </a:extLst>
+          </p:cNvPr>
+          <p:cNvSpPr/>
+          <p:nvPr/>
+        </p:nvSpPr>
+        <p:spPr>
+          <a:xfrm>
+            <a:off x="1639543" y="4599574"/>
+            <a:ext cx="360040" cy="360040"/>
+          </a:xfrm>
+          <a:prstGeom prst="ellipse">
+            <a:avLst/>
+          </a:prstGeom>
+          <a:solidFill>
+            <a:srgbClr val="FFFF00"/>
+          </a:solidFill>
+          <a:ln>
+            <a:solidFill>
+              <a:srgbClr val="C00000"/>
+            </a:solidFill>
+          </a:ln>
+        </p:spPr>
+        <p:style>
+          <a:lnRef idx="2">
+            <a:schemeClr val="accent1">
+              <a:shade val="50000"/>
+            </a:schemeClr>
+          </a:lnRef>
+          <a:fillRef idx="1">
+            <a:schemeClr val="accent1"/>
+          </a:fillRef>
+          <a:effectRef idx="0">
+            <a:schemeClr val="accent1"/>
+          </a:effectRef>
+          <a:fontRef idx="minor">
+            <a:schemeClr val="lt1"/>
+          </a:fontRef>
+        </p:style>
+        <p:txBody>
+          <a:bodyPr rtlCol="0" anchor="ctr"/>
+          <a:lstStyle/>
+          <a:p>
+            <a:pPr algn="ctr"/>
+            <a:r>
+              <a:rPr lang="en-US" dirty="0">
+                <a:solidFill>
+                  <a:schemeClr val="tx1"/>
+                </a:solidFill>
+                <a:highlight>
+                  <a:srgbClr val="FFFF00"/>
+                </a:highlight>
+              </a:rPr>
+              <a:t>2</a:t>
+            </a:r>
+          </a:p>
+        </p:txBody>
+      </p:sp>
+      <p:pic>
+        <p:nvPicPr>
+          <p:cNvPr id="15" name="Picture 14">
+            <a:extLst>
+              <a:ext uri="{FF2B5EF4-FFF2-40B4-BE49-F238E27FC236}">
+                <a16:creationId xmlns:a16="http://schemas.microsoft.com/office/drawing/2014/main" id="{54F61C5E-7315-4AD1-AA2F-2DFD1FBBD2B9}"/>
+              </a:ext>
+            </a:extLst>
+          </p:cNvPr>
+          <p:cNvPicPr>
+            <a:picLocks noChangeAspect="1"/>
+          </p:cNvPicPr>
+          <p:nvPr/>
+        </p:nvPicPr>
+        <p:blipFill>
+          <a:blip r:embed="rId4"/>
+          <a:stretch>
+            <a:fillRect/>
+          </a:stretch>
+        </p:blipFill>
+        <p:spPr>
+          <a:xfrm>
+            <a:off x="3309020" y="3423406"/>
+            <a:ext cx="5486400" cy="914400"/>
+          </a:xfrm>
+          <a:prstGeom prst="rect">
+            <a:avLst/>
+          </a:prstGeom>
+          <a:ln>
+            <a:solidFill>
+              <a:srgbClr val="C00000"/>
+            </a:solidFill>
+          </a:ln>
+        </p:spPr>
+      </p:pic>
+      <p:sp>
+        <p:nvSpPr>
+          <p:cNvPr id="18" name="副標題 2">
+            <a:extLst>
+              <a:ext uri="{FF2B5EF4-FFF2-40B4-BE49-F238E27FC236}">
+                <a16:creationId xmlns:a16="http://schemas.microsoft.com/office/drawing/2014/main" id="{146E051B-75C4-45E5-B299-8D37C474B4C7}"/>
+              </a:ext>
+            </a:extLst>
+          </p:cNvPr>
+          <p:cNvSpPr txBox="1">
+            <a:spLocks/>
+          </p:cNvSpPr>
+          <p:nvPr/>
+        </p:nvSpPr>
+        <p:spPr>
+          <a:xfrm>
+            <a:off x="481916" y="3361425"/>
+            <a:ext cx="1785828" cy="715648"/>
+          </a:xfrm>
+          <a:prstGeom prst="rect">
+            <a:avLst/>
+          </a:prstGeom>
+          <a:ln>
+            <a:solidFill>
+              <a:srgbClr val="C00000"/>
+            </a:solidFill>
+          </a:ln>
+        </p:spPr>
+        <p:txBody>
+          <a:bodyPr vert="horz" lIns="91440" tIns="45720" rIns="91440" bIns="45720" rtlCol="0">
+            <a:noAutofit/>
+          </a:bodyPr>
+          <a:lstStyle>
+            <a:lvl1pPr marL="0" indent="0" algn="ctr" defTabSz="914400" rtl="0" eaLnBrk="1" latinLnBrk="0" hangingPunct="1">
+              <a:spcBef>
+                <a:spcPct val="20000"/>
+              </a:spcBef>
+              <a:buFont typeface="Arial" pitchFamily="34" charset="0"/>
+              <a:buNone/>
+              <a:defRPr sz="3200" kern="1200">
+                <a:solidFill>
+                  <a:schemeClr val="tx1">
+                    <a:tint val="75000"/>
+                  </a:schemeClr>
+                </a:solidFill>
+                <a:latin typeface="+mn-lt"/>
+                <a:ea typeface="+mn-ea"/>
+                <a:cs typeface="+mn-cs"/>
+              </a:defRPr>
+            </a:lvl1pPr>
+            <a:lvl2pPr marL="457200" indent="0" algn="ctr" defTabSz="914400" rtl="0" eaLnBrk="1" latinLnBrk="0" hangingPunct="1">
+              <a:spcBef>
+                <a:spcPct val="20000"/>
+              </a:spcBef>
+              <a:buFont typeface="Arial" pitchFamily="34" charset="0"/>
+              <a:buNone/>
+              <a:defRPr sz="2800" kern="1200">
+                <a:solidFill>
+                  <a:schemeClr val="tx1">
+                    <a:tint val="75000"/>
+                  </a:schemeClr>
+                </a:solidFill>
+                <a:latin typeface="+mn-lt"/>
+                <a:ea typeface="+mn-ea"/>
+                <a:cs typeface="+mn-cs"/>
+              </a:defRPr>
+            </a:lvl2pPr>
+            <a:lvl3pPr marL="914400" indent="0" algn="ctr" defTabSz="914400" rtl="0" eaLnBrk="1" latinLnBrk="0" hangingPunct="1">
+              <a:spcBef>
+                <a:spcPct val="20000"/>
+              </a:spcBef>
+              <a:buFont typeface="Arial" pitchFamily="34" charset="0"/>
+              <a:buNone/>
+              <a:defRPr sz="2400" kern="1200">
+                <a:solidFill>
+                  <a:schemeClr val="tx1">
+                    <a:tint val="75000"/>
+                  </a:schemeClr>
+                </a:solidFill>
+                <a:latin typeface="+mn-lt"/>
+                <a:ea typeface="+mn-ea"/>
+                <a:cs typeface="+mn-cs"/>
+              </a:defRPr>
+            </a:lvl3pPr>
+            <a:lvl4pPr marL="1371600" indent="0" algn="ctr" defTabSz="914400" rtl="0" eaLnBrk="1" latinLnBrk="0" hangingPunct="1">
+              <a:spcBef>
+                <a:spcPct val="20000"/>
+              </a:spcBef>
+              <a:buFont typeface="Arial" pitchFamily="34" charset="0"/>
+              <a:buNone/>
+              <a:defRPr sz="2000" kern="1200">
+                <a:solidFill>
+                  <a:schemeClr val="tx1">
+                    <a:tint val="75000"/>
+                  </a:schemeClr>
+                </a:solidFill>
+                <a:latin typeface="+mn-lt"/>
+                <a:ea typeface="+mn-ea"/>
+                <a:cs typeface="+mn-cs"/>
+              </a:defRPr>
+            </a:lvl4pPr>
+            <a:lvl5pPr marL="1828800" indent="0" algn="ctr" defTabSz="914400" rtl="0" eaLnBrk="1" latinLnBrk="0" hangingPunct="1">
+              <a:spcBef>
+                <a:spcPct val="20000"/>
+              </a:spcBef>
+              <a:buFont typeface="Arial" pitchFamily="34" charset="0"/>
+              <a:buNone/>
+              <a:defRPr sz="2000" kern="1200">
+                <a:solidFill>
+                  <a:schemeClr val="tx1">
+                    <a:tint val="75000"/>
+                  </a:schemeClr>
+                </a:solidFill>
+                <a:latin typeface="+mn-lt"/>
+                <a:ea typeface="+mn-ea"/>
+                <a:cs typeface="+mn-cs"/>
+              </a:defRPr>
+            </a:lvl5pPr>
+            <a:lvl6pPr marL="2286000" indent="0" algn="ctr" defTabSz="914400" rtl="0" eaLnBrk="1" latinLnBrk="0" hangingPunct="1">
+              <a:spcBef>
+                <a:spcPct val="20000"/>
+              </a:spcBef>
+              <a:buFont typeface="Arial" pitchFamily="34" charset="0"/>
+              <a:buNone/>
+              <a:defRPr sz="2000" kern="1200">
+                <a:solidFill>
+                  <a:schemeClr val="tx1">
+                    <a:tint val="75000"/>
+                  </a:schemeClr>
+                </a:solidFill>
+                <a:latin typeface="+mn-lt"/>
+                <a:ea typeface="+mn-ea"/>
+                <a:cs typeface="+mn-cs"/>
+              </a:defRPr>
+            </a:lvl6pPr>
+            <a:lvl7pPr marL="2743200" indent="0" algn="ctr" defTabSz="914400" rtl="0" eaLnBrk="1" latinLnBrk="0" hangingPunct="1">
+              <a:spcBef>
+                <a:spcPct val="20000"/>
+              </a:spcBef>
+              <a:buFont typeface="Arial" pitchFamily="34" charset="0"/>
+              <a:buNone/>
+              <a:defRPr sz="2000" kern="1200">
+                <a:solidFill>
+                  <a:schemeClr val="tx1">
+                    <a:tint val="75000"/>
+                  </a:schemeClr>
+                </a:solidFill>
+                <a:latin typeface="+mn-lt"/>
+                <a:ea typeface="+mn-ea"/>
+                <a:cs typeface="+mn-cs"/>
+              </a:defRPr>
+            </a:lvl7pPr>
+            <a:lvl8pPr marL="3200400" indent="0" algn="ctr" defTabSz="914400" rtl="0" eaLnBrk="1" latinLnBrk="0" hangingPunct="1">
+              <a:spcBef>
+                <a:spcPct val="20000"/>
+              </a:spcBef>
+              <a:buFont typeface="Arial" pitchFamily="34" charset="0"/>
+              <a:buNone/>
+              <a:defRPr sz="2000" kern="1200">
+                <a:solidFill>
+                  <a:schemeClr val="tx1">
+                    <a:tint val="75000"/>
+                  </a:schemeClr>
+                </a:solidFill>
+                <a:latin typeface="+mn-lt"/>
+                <a:ea typeface="+mn-ea"/>
+                <a:cs typeface="+mn-cs"/>
+              </a:defRPr>
+            </a:lvl8pPr>
+            <a:lvl9pPr marL="3657600" indent="0" algn="ctr" defTabSz="914400" rtl="0" eaLnBrk="1" latinLnBrk="0" hangingPunct="1">
+              <a:spcBef>
+                <a:spcPct val="20000"/>
+              </a:spcBef>
+              <a:buFont typeface="Arial" pitchFamily="34" charset="0"/>
+              <a:buNone/>
+              <a:defRPr sz="2000" kern="1200">
+                <a:solidFill>
+                  <a:schemeClr val="tx1">
+                    <a:tint val="75000"/>
+                  </a:schemeClr>
+                </a:solidFill>
+                <a:latin typeface="+mn-lt"/>
+                <a:ea typeface="+mn-ea"/>
+                <a:cs typeface="+mn-cs"/>
+              </a:defRPr>
+            </a:lvl9pPr>
+          </a:lstStyle>
+          <a:p>
+            <a:pPr marL="342900" indent="-342900" algn="l">
+              <a:buClr>
+                <a:srgbClr val="0070C0"/>
+              </a:buClr>
+              <a:buSzPct val="80000"/>
+              <a:buFont typeface="Wingdings" pitchFamily="2" charset="2"/>
+              <a:buChar char="u"/>
+            </a:pPr>
+            <a:r>
+              <a:rPr lang="en-US" sz="1800" b="1" dirty="0">
+                <a:solidFill>
+                  <a:schemeClr val="tx1"/>
+                </a:solidFill>
+              </a:rPr>
+              <a:t>2. &gt; sudo -i  </a:t>
+            </a:r>
+          </a:p>
+          <a:p>
+            <a:pPr marL="342900" indent="-342900" algn="l">
+              <a:buClr>
+                <a:srgbClr val="0070C0"/>
+              </a:buClr>
+              <a:buSzPct val="80000"/>
+              <a:buFont typeface="Wingdings" pitchFamily="2" charset="2"/>
+              <a:buChar char="u"/>
+            </a:pPr>
+            <a:r>
+              <a:rPr lang="en-US" sz="1800" b="1" dirty="0">
+                <a:solidFill>
+                  <a:schemeClr val="tx1"/>
+                </a:solidFill>
+              </a:rPr>
+              <a:t>&gt; docker ps</a:t>
+            </a:r>
+          </a:p>
+          <a:p>
+            <a:pPr algn="l">
+              <a:buClr>
+                <a:srgbClr val="0070C0"/>
+              </a:buClr>
+              <a:buSzPct val="80000"/>
+            </a:pPr>
+            <a:endParaRPr lang="en-US" sz="1800" b="1" dirty="0">
+              <a:solidFill>
+                <a:schemeClr val="tx1"/>
+              </a:solidFill>
+            </a:endParaRPr>
+          </a:p>
+        </p:txBody>
+      </p:sp>
+    </p:spTree>
+    <p:extLst>
+      <p:ext uri="{BB962C8B-B14F-4D97-AF65-F5344CB8AC3E}">
+        <p14:creationId xmlns:p14="http://schemas.microsoft.com/office/powerpoint/2010/main" val="1837699160"/>
+      </p:ext>
+    </p:extLst>
+  </p:cSld>
+  <p:clrMapOvr>
+    <a:masterClrMapping/>
+  </p:clrMapOvr>
+</p:sld>
+</file>
+
+<file path=ppt/slides/slide2.xml><?xml version="1.0" encoding="utf-8"?>
+<p:sld xmlns:a="http://schemas.openxmlformats.org/drawingml/2006/main" xmlns:r="http://schemas.openxmlformats.org/officeDocument/2006/relationships" xmlns:p="http://schemas.openxmlformats.org/presentationml/2006/main">
+  <p:cSld>
+    <p:spTree>
+      <p:nvGrpSpPr>
+        <p:cNvPr id="1" name=""/>
+        <p:cNvGrpSpPr/>
+        <p:nvPr/>
+      </p:nvGrpSpPr>
+      <p:grpSpPr>
+        <a:xfrm>
+          <a:off x="0" y="0"/>
+          <a:ext cx="0" cy="0"/>
+          <a:chOff x="0" y="0"/>
+          <a:chExt cx="0" cy="0"/>
+        </a:xfrm>
+      </p:grpSpPr>
+      <p:sp>
+        <p:nvSpPr>
+          <p:cNvPr id="2" name="標題 1"/>
+          <p:cNvSpPr>
+            <a:spLocks noGrp="1"/>
+          </p:cNvSpPr>
+          <p:nvPr>
+            <p:ph type="ctrTitle"/>
+          </p:nvPr>
+        </p:nvSpPr>
+        <p:spPr>
+          <a:xfrm>
+            <a:off x="0" y="1"/>
+            <a:ext cx="9144000" cy="764704"/>
+          </a:xfrm>
+          <a:gradFill flip="none" rotWithShape="1">
+            <a:gsLst>
+              <a:gs pos="0">
+                <a:srgbClr val="C00000">
+                  <a:shade val="30000"/>
+                  <a:satMod val="115000"/>
+                </a:srgbClr>
+              </a:gs>
+              <a:gs pos="50000">
+                <a:srgbClr val="C00000">
+                  <a:shade val="67500"/>
+                  <a:satMod val="115000"/>
+                </a:srgbClr>
+              </a:gs>
+              <a:gs pos="100000">
+                <a:srgbClr val="C00000">
+                  <a:shade val="100000"/>
+                  <a:satMod val="115000"/>
+                </a:srgbClr>
+              </a:gs>
+            </a:gsLst>
+            <a:path path="circle">
+              <a:fillToRect t="100000" r="100000"/>
+            </a:path>
+            <a:tileRect l="-100000" b="-100000"/>
+          </a:gradFill>
+        </p:spPr>
+        <p:txBody>
+          <a:bodyPr>
+            <a:normAutofit/>
+          </a:bodyPr>
+          <a:lstStyle/>
+          <a:p>
+            <a:pPr algn="l"/>
+            <a:r>
+              <a:rPr lang="en-US" altLang="zh-TW" b="1" dirty="0">
+                <a:solidFill>
+                  <a:srgbClr val="FFFF00"/>
+                </a:solidFill>
+              </a:rPr>
+              <a:t>8 Docker Command</a:t>
+            </a:r>
+            <a:endParaRPr lang="zh-TW" altLang="en-US" b="1" dirty="0">
+              <a:solidFill>
+                <a:srgbClr val="FFFF00"/>
+              </a:solidFill>
+            </a:endParaRPr>
+          </a:p>
+        </p:txBody>
+      </p:sp>
+      <p:sp>
+        <p:nvSpPr>
+          <p:cNvPr id="3" name="副標題 2"/>
+          <p:cNvSpPr>
+            <a:spLocks noGrp="1"/>
+          </p:cNvSpPr>
+          <p:nvPr>
+            <p:ph type="subTitle" idx="1"/>
+          </p:nvPr>
+        </p:nvSpPr>
+        <p:spPr>
+          <a:xfrm>
+            <a:off x="467544" y="1268762"/>
+            <a:ext cx="3960440" cy="3600398"/>
+          </a:xfrm>
+          <a:ln>
+            <a:solidFill>
+              <a:srgbClr val="C00000"/>
+            </a:solidFill>
+          </a:ln>
+        </p:spPr>
+        <p:txBody>
+          <a:bodyPr>
+            <a:noAutofit/>
+          </a:bodyPr>
+          <a:lstStyle/>
+          <a:p>
+            <a:pPr marL="342900" indent="-342900" algn="l">
+              <a:buClr>
+                <a:srgbClr val="0070C0"/>
+              </a:buClr>
+              <a:buSzPct val="80000"/>
+              <a:buFont typeface="Wingdings" pitchFamily="2" charset="2"/>
+              <a:buChar char="u"/>
+            </a:pPr>
+            <a:r>
+              <a:rPr lang="en-US" sz="1800" b="1" dirty="0">
+                <a:solidFill>
+                  <a:srgbClr val="C00000"/>
+                </a:solidFill>
+              </a:rPr>
+              <a:t>Docker Basic Command</a:t>
+            </a:r>
+          </a:p>
+          <a:p>
+            <a:pPr marL="342900" indent="-342900" algn="l">
+              <a:buClr>
+                <a:srgbClr val="0070C0"/>
+              </a:buClr>
+              <a:buSzPct val="80000"/>
+              <a:buFont typeface="Wingdings" pitchFamily="2" charset="2"/>
+              <a:buChar char="u"/>
+            </a:pPr>
+            <a:r>
+              <a:rPr lang="en-US" sz="1800" b="1" dirty="0">
+                <a:solidFill>
+                  <a:schemeClr val="tx1"/>
+                </a:solidFill>
+              </a:rPr>
+              <a:t>Basic command:</a:t>
+            </a:r>
+          </a:p>
+          <a:p>
+            <a:pPr marL="342900" indent="-342900" algn="l">
+              <a:buClr>
+                <a:srgbClr val="0070C0"/>
+              </a:buClr>
+              <a:buSzPct val="80000"/>
+              <a:buFont typeface="Wingdings" pitchFamily="2" charset="2"/>
+              <a:buChar char="u"/>
+            </a:pPr>
+            <a:r>
+              <a:rPr lang="en-US" sz="1800" b="1" dirty="0">
+                <a:solidFill>
+                  <a:schemeClr val="tx1"/>
+                </a:solidFill>
+              </a:rPr>
+              <a:t>&gt; docker version</a:t>
+            </a:r>
+          </a:p>
+          <a:p>
+            <a:pPr marL="342900" indent="-342900" algn="l">
+              <a:buClr>
+                <a:srgbClr val="0070C0"/>
+              </a:buClr>
+              <a:buSzPct val="80000"/>
+              <a:buFont typeface="Wingdings" pitchFamily="2" charset="2"/>
+              <a:buChar char="u"/>
+            </a:pPr>
+            <a:r>
+              <a:rPr lang="en-US" sz="1800" b="1" dirty="0">
+                <a:solidFill>
+                  <a:schemeClr val="tx1"/>
+                </a:solidFill>
+              </a:rPr>
+              <a:t>&gt; docker -v</a:t>
+            </a:r>
+          </a:p>
+          <a:p>
+            <a:pPr marL="342900" indent="-342900" algn="l">
+              <a:buClr>
+                <a:srgbClr val="0070C0"/>
+              </a:buClr>
+              <a:buSzPct val="80000"/>
+              <a:buFont typeface="Wingdings" pitchFamily="2" charset="2"/>
+              <a:buChar char="u"/>
+            </a:pPr>
+            <a:r>
+              <a:rPr lang="en-US" sz="1800" b="1" dirty="0">
+                <a:solidFill>
+                  <a:schemeClr val="tx1"/>
+                </a:solidFill>
+              </a:rPr>
+              <a:t>&gt; docker info</a:t>
+            </a:r>
+          </a:p>
+          <a:p>
+            <a:pPr marL="342900" indent="-342900" algn="l">
+              <a:buClr>
+                <a:srgbClr val="0070C0"/>
+              </a:buClr>
+              <a:buSzPct val="80000"/>
+              <a:buFont typeface="Wingdings" pitchFamily="2" charset="2"/>
+              <a:buChar char="u"/>
+            </a:pPr>
+            <a:r>
+              <a:rPr lang="en-US" sz="1800" b="1" dirty="0">
+                <a:solidFill>
+                  <a:schemeClr val="tx1"/>
+                </a:solidFill>
+              </a:rPr>
+              <a:t>&gt; docker --help</a:t>
+            </a:r>
+          </a:p>
+          <a:p>
+            <a:pPr marL="342900" indent="-342900" algn="l">
+              <a:buClr>
+                <a:srgbClr val="0070C0"/>
+              </a:buClr>
+              <a:buSzPct val="80000"/>
+              <a:buFont typeface="Wingdings" pitchFamily="2" charset="2"/>
+              <a:buChar char="u"/>
+            </a:pPr>
+            <a:r>
+              <a:rPr lang="en-US" sz="1800" b="1" dirty="0">
+                <a:solidFill>
+                  <a:schemeClr val="tx1"/>
+                </a:solidFill>
+              </a:rPr>
+              <a:t>&gt; docker login</a:t>
+            </a:r>
+          </a:p>
+          <a:p>
+            <a:pPr marL="342900" indent="-342900" algn="l">
+              <a:buClr>
+                <a:srgbClr val="0070C0"/>
+              </a:buClr>
+              <a:buSzPct val="80000"/>
+              <a:buFont typeface="Wingdings" pitchFamily="2" charset="2"/>
+              <a:buChar char="u"/>
+            </a:pPr>
+            <a:r>
+              <a:rPr lang="en-US" sz="1800" b="1" dirty="0">
+                <a:solidFill>
+                  <a:schemeClr val="tx1"/>
+                </a:solidFill>
+              </a:rPr>
+              <a:t>Images Command:</a:t>
+            </a:r>
+          </a:p>
+          <a:p>
+            <a:pPr marL="342900" indent="-342900" algn="l">
+              <a:buClr>
+                <a:srgbClr val="0070C0"/>
+              </a:buClr>
+              <a:buSzPct val="80000"/>
+              <a:buFont typeface="Wingdings" pitchFamily="2" charset="2"/>
+              <a:buChar char="u"/>
+            </a:pPr>
+            <a:r>
+              <a:rPr lang="en-US" sz="1800" b="1" dirty="0">
+                <a:solidFill>
+                  <a:schemeClr val="tx1"/>
+                </a:solidFill>
+              </a:rPr>
+              <a:t>&gt; docker images</a:t>
+            </a:r>
+          </a:p>
+          <a:p>
+            <a:pPr marL="342900" indent="-342900" algn="l">
+              <a:buClr>
+                <a:srgbClr val="0070C0"/>
+              </a:buClr>
+              <a:buSzPct val="80000"/>
+              <a:buFont typeface="Wingdings" pitchFamily="2" charset="2"/>
+              <a:buChar char="u"/>
+            </a:pPr>
+            <a:r>
+              <a:rPr lang="en-US" sz="1800" b="1" dirty="0">
+                <a:solidFill>
+                  <a:schemeClr val="tx1"/>
+                </a:solidFill>
+              </a:rPr>
+              <a:t>&gt; docker pull</a:t>
+            </a:r>
+          </a:p>
+          <a:p>
+            <a:pPr marL="342900" indent="-342900" algn="l">
+              <a:buClr>
+                <a:srgbClr val="0070C0"/>
+              </a:buClr>
+              <a:buSzPct val="80000"/>
+              <a:buFont typeface="Wingdings" pitchFamily="2" charset="2"/>
+              <a:buChar char="u"/>
+            </a:pPr>
+            <a:r>
+              <a:rPr lang="en-US" sz="1800" b="1" dirty="0">
+                <a:solidFill>
+                  <a:schemeClr val="tx1"/>
+                </a:solidFill>
+              </a:rPr>
+              <a:t>&gt; docker </a:t>
+            </a:r>
+            <a:r>
+              <a:rPr lang="en-US" sz="1800" b="1" dirty="0" err="1">
+                <a:solidFill>
+                  <a:schemeClr val="tx1"/>
+                </a:solidFill>
+              </a:rPr>
+              <a:t>rmi</a:t>
+            </a:r>
+            <a:endParaRPr lang="en-US" sz="1800" b="1" dirty="0">
+              <a:solidFill>
+                <a:schemeClr val="tx1"/>
+              </a:solidFill>
+            </a:endParaRPr>
+          </a:p>
+        </p:txBody>
+      </p:sp>
+      <p:sp>
+        <p:nvSpPr>
+          <p:cNvPr id="4" name="標題 1"/>
+          <p:cNvSpPr txBox="1">
+            <a:spLocks/>
+          </p:cNvSpPr>
+          <p:nvPr/>
+        </p:nvSpPr>
+        <p:spPr>
+          <a:xfrm>
+            <a:off x="0" y="764704"/>
+            <a:ext cx="9144000" cy="360040"/>
+          </a:xfrm>
+          <a:prstGeom prst="rect">
+            <a:avLst/>
+          </a:prstGeom>
+          <a:gradFill flip="none" rotWithShape="1">
+            <a:gsLst>
+              <a:gs pos="0">
+                <a:srgbClr val="00B0F0">
+                  <a:shade val="30000"/>
+                  <a:satMod val="115000"/>
+                </a:srgbClr>
+              </a:gs>
+              <a:gs pos="50000">
+                <a:srgbClr val="00B0F0">
+                  <a:shade val="67500"/>
+                  <a:satMod val="115000"/>
+                </a:srgbClr>
+              </a:gs>
+              <a:gs pos="100000">
+                <a:srgbClr val="00B0F0">
+                  <a:shade val="100000"/>
+                  <a:satMod val="115000"/>
+                </a:srgbClr>
+              </a:gs>
+            </a:gsLst>
+            <a:path path="circle">
+              <a:fillToRect t="100000" r="100000"/>
+            </a:path>
+            <a:tileRect l="-100000" b="-100000"/>
+          </a:gradFill>
+        </p:spPr>
+        <p:txBody>
+          <a:bodyPr vert="horz" lIns="91440" tIns="45720" rIns="91440" bIns="45720" rtlCol="0" anchor="ctr">
+            <a:normAutofit fontScale="92500"/>
+          </a:bodyPr>
+          <a:lstStyle/>
+          <a:p>
+            <a:pPr lvl="0">
+              <a:spcBef>
+                <a:spcPct val="0"/>
+              </a:spcBef>
+            </a:pPr>
+            <a:r>
+              <a:rPr lang="en-US" sz="1600" dirty="0">
+                <a:hlinkClick r:id="rId2"/>
+              </a:rPr>
+              <a:t>https://www.youtube.com/watch?v=HqBMEmoAd1M&amp;list=PLhW3qG5bs-L99pQsZ74f-LC-tOEsBp2rK&amp;index=8</a:t>
+            </a:r>
+            <a:endParaRPr kumimoji="0" lang="zh-TW" altLang="en-US" sz="1600" b="0" i="0" u="none" strike="noStrike" kern="1200" cap="none" spc="0" normalizeH="0" baseline="0" noProof="0" dirty="0">
+              <a:ln>
+                <a:noFill/>
+              </a:ln>
+              <a:solidFill>
+                <a:schemeClr val="tx1"/>
+              </a:solidFill>
+              <a:effectLst/>
+              <a:uLnTx/>
+              <a:uFillTx/>
+              <a:latin typeface="+mj-lt"/>
+              <a:ea typeface="+mj-ea"/>
+              <a:cs typeface="+mj-cs"/>
+            </a:endParaRPr>
+          </a:p>
+        </p:txBody>
+      </p:sp>
+      <p:sp>
+        <p:nvSpPr>
+          <p:cNvPr id="5" name="日期版面配置區 4"/>
+          <p:cNvSpPr>
+            <a:spLocks noGrp="1"/>
+          </p:cNvSpPr>
+          <p:nvPr>
+            <p:ph type="dt" sz="half" idx="10"/>
+          </p:nvPr>
+        </p:nvSpPr>
+        <p:spPr/>
+        <p:txBody>
+          <a:bodyPr/>
+          <a:lstStyle/>
+          <a:p>
+            <a:fld id="{A4F910E6-8D00-4BAF-8C48-9688E0B449D3}" type="datetime1">
+              <a:rPr lang="zh-TW" altLang="en-US" smtClean="0"/>
+              <a:pPr/>
+              <a:t>2021/12/9</a:t>
+            </a:fld>
+            <a:endParaRPr lang="zh-TW" altLang="en-US"/>
+          </a:p>
+        </p:txBody>
+      </p:sp>
+      <p:sp>
+        <p:nvSpPr>
+          <p:cNvPr id="6" name="投影片編號版面配置區 5"/>
+          <p:cNvSpPr>
+            <a:spLocks noGrp="1"/>
+          </p:cNvSpPr>
+          <p:nvPr>
+            <p:ph type="sldNum" sz="quarter" idx="12"/>
+          </p:nvPr>
+        </p:nvSpPr>
+        <p:spPr/>
+        <p:txBody>
+          <a:bodyPr/>
+          <a:lstStyle/>
+          <a:p>
+            <a:fld id="{E4D7E63D-91F2-4366-A2C4-1B00C9E2590E}" type="slidenum">
+              <a:rPr lang="zh-TW" altLang="en-US" smtClean="0"/>
+              <a:pPr/>
+              <a:t>2</a:t>
+            </a:fld>
+            <a:endParaRPr lang="zh-TW" altLang="en-US"/>
+          </a:p>
+        </p:txBody>
+      </p:sp>
+      <p:sp>
+        <p:nvSpPr>
+          <p:cNvPr id="7" name="副標題 2">
+            <a:extLst>
+              <a:ext uri="{FF2B5EF4-FFF2-40B4-BE49-F238E27FC236}">
+                <a16:creationId xmlns:a16="http://schemas.microsoft.com/office/drawing/2014/main" id="{AB6B3C30-52CF-4E12-9C77-3B161E914AC4}"/>
+              </a:ext>
+            </a:extLst>
+          </p:cNvPr>
+          <p:cNvSpPr txBox="1">
+            <a:spLocks/>
+          </p:cNvSpPr>
+          <p:nvPr/>
+        </p:nvSpPr>
+        <p:spPr>
+          <a:xfrm>
+            <a:off x="4896997" y="1208992"/>
+            <a:ext cx="3765529" cy="3041859"/>
+          </a:xfrm>
+          <a:prstGeom prst="rect">
+            <a:avLst/>
+          </a:prstGeom>
+          <a:ln>
+            <a:solidFill>
+              <a:srgbClr val="C00000"/>
+            </a:solidFill>
+          </a:ln>
+        </p:spPr>
+        <p:txBody>
+          <a:bodyPr vert="horz" lIns="91440" tIns="45720" rIns="91440" bIns="45720" rtlCol="0">
+            <a:noAutofit/>
+          </a:bodyPr>
+          <a:lstStyle>
+            <a:lvl1pPr marL="0" indent="0" algn="ctr" defTabSz="914400" rtl="0" eaLnBrk="1" latinLnBrk="0" hangingPunct="1">
+              <a:spcBef>
+                <a:spcPct val="20000"/>
+              </a:spcBef>
+              <a:buFont typeface="Arial" pitchFamily="34" charset="0"/>
+              <a:buNone/>
+              <a:defRPr sz="3200" kern="1200">
+                <a:solidFill>
+                  <a:schemeClr val="tx1">
+                    <a:tint val="75000"/>
+                  </a:schemeClr>
+                </a:solidFill>
+                <a:latin typeface="+mn-lt"/>
+                <a:ea typeface="+mn-ea"/>
+                <a:cs typeface="+mn-cs"/>
+              </a:defRPr>
+            </a:lvl1pPr>
+            <a:lvl2pPr marL="457200" indent="0" algn="ctr" defTabSz="914400" rtl="0" eaLnBrk="1" latinLnBrk="0" hangingPunct="1">
+              <a:spcBef>
+                <a:spcPct val="20000"/>
+              </a:spcBef>
+              <a:buFont typeface="Arial" pitchFamily="34" charset="0"/>
+              <a:buNone/>
+              <a:defRPr sz="2800" kern="1200">
+                <a:solidFill>
+                  <a:schemeClr val="tx1">
+                    <a:tint val="75000"/>
+                  </a:schemeClr>
+                </a:solidFill>
+                <a:latin typeface="+mn-lt"/>
+                <a:ea typeface="+mn-ea"/>
+                <a:cs typeface="+mn-cs"/>
+              </a:defRPr>
+            </a:lvl2pPr>
+            <a:lvl3pPr marL="914400" indent="0" algn="ctr" defTabSz="914400" rtl="0" eaLnBrk="1" latinLnBrk="0" hangingPunct="1">
+              <a:spcBef>
+                <a:spcPct val="20000"/>
+              </a:spcBef>
+              <a:buFont typeface="Arial" pitchFamily="34" charset="0"/>
+              <a:buNone/>
+              <a:defRPr sz="2400" kern="1200">
+                <a:solidFill>
+                  <a:schemeClr val="tx1">
+                    <a:tint val="75000"/>
+                  </a:schemeClr>
+                </a:solidFill>
+                <a:latin typeface="+mn-lt"/>
+                <a:ea typeface="+mn-ea"/>
+                <a:cs typeface="+mn-cs"/>
+              </a:defRPr>
+            </a:lvl3pPr>
+            <a:lvl4pPr marL="1371600" indent="0" algn="ctr" defTabSz="914400" rtl="0" eaLnBrk="1" latinLnBrk="0" hangingPunct="1">
+              <a:spcBef>
+                <a:spcPct val="20000"/>
+              </a:spcBef>
+              <a:buFont typeface="Arial" pitchFamily="34" charset="0"/>
+              <a:buNone/>
+              <a:defRPr sz="2000" kern="1200">
+                <a:solidFill>
+                  <a:schemeClr val="tx1">
+                    <a:tint val="75000"/>
+                  </a:schemeClr>
+                </a:solidFill>
+                <a:latin typeface="+mn-lt"/>
+                <a:ea typeface="+mn-ea"/>
+                <a:cs typeface="+mn-cs"/>
+              </a:defRPr>
+            </a:lvl4pPr>
+            <a:lvl5pPr marL="1828800" indent="0" algn="ctr" defTabSz="914400" rtl="0" eaLnBrk="1" latinLnBrk="0" hangingPunct="1">
+              <a:spcBef>
+                <a:spcPct val="20000"/>
+              </a:spcBef>
+              <a:buFont typeface="Arial" pitchFamily="34" charset="0"/>
+              <a:buNone/>
+              <a:defRPr sz="2000" kern="1200">
+                <a:solidFill>
+                  <a:schemeClr val="tx1">
+                    <a:tint val="75000"/>
+                  </a:schemeClr>
+                </a:solidFill>
+                <a:latin typeface="+mn-lt"/>
+                <a:ea typeface="+mn-ea"/>
+                <a:cs typeface="+mn-cs"/>
+              </a:defRPr>
+            </a:lvl5pPr>
+            <a:lvl6pPr marL="2286000" indent="0" algn="ctr" defTabSz="914400" rtl="0" eaLnBrk="1" latinLnBrk="0" hangingPunct="1">
+              <a:spcBef>
+                <a:spcPct val="20000"/>
+              </a:spcBef>
+              <a:buFont typeface="Arial" pitchFamily="34" charset="0"/>
+              <a:buNone/>
+              <a:defRPr sz="2000" kern="1200">
+                <a:solidFill>
+                  <a:schemeClr val="tx1">
+                    <a:tint val="75000"/>
+                  </a:schemeClr>
+                </a:solidFill>
+                <a:latin typeface="+mn-lt"/>
+                <a:ea typeface="+mn-ea"/>
+                <a:cs typeface="+mn-cs"/>
+              </a:defRPr>
+            </a:lvl6pPr>
+            <a:lvl7pPr marL="2743200" indent="0" algn="ctr" defTabSz="914400" rtl="0" eaLnBrk="1" latinLnBrk="0" hangingPunct="1">
+              <a:spcBef>
+                <a:spcPct val="20000"/>
+              </a:spcBef>
+              <a:buFont typeface="Arial" pitchFamily="34" charset="0"/>
+              <a:buNone/>
+              <a:defRPr sz="2000" kern="1200">
+                <a:solidFill>
+                  <a:schemeClr val="tx1">
+                    <a:tint val="75000"/>
+                  </a:schemeClr>
+                </a:solidFill>
+                <a:latin typeface="+mn-lt"/>
+                <a:ea typeface="+mn-ea"/>
+                <a:cs typeface="+mn-cs"/>
+              </a:defRPr>
+            </a:lvl7pPr>
+            <a:lvl8pPr marL="3200400" indent="0" algn="ctr" defTabSz="914400" rtl="0" eaLnBrk="1" latinLnBrk="0" hangingPunct="1">
+              <a:spcBef>
+                <a:spcPct val="20000"/>
+              </a:spcBef>
+              <a:buFont typeface="Arial" pitchFamily="34" charset="0"/>
+              <a:buNone/>
+              <a:defRPr sz="2000" kern="1200">
+                <a:solidFill>
+                  <a:schemeClr val="tx1">
+                    <a:tint val="75000"/>
+                  </a:schemeClr>
+                </a:solidFill>
+                <a:latin typeface="+mn-lt"/>
+                <a:ea typeface="+mn-ea"/>
+                <a:cs typeface="+mn-cs"/>
+              </a:defRPr>
+            </a:lvl8pPr>
+            <a:lvl9pPr marL="3657600" indent="0" algn="ctr" defTabSz="914400" rtl="0" eaLnBrk="1" latinLnBrk="0" hangingPunct="1">
+              <a:spcBef>
+                <a:spcPct val="20000"/>
+              </a:spcBef>
+              <a:buFont typeface="Arial" pitchFamily="34" charset="0"/>
+              <a:buNone/>
+              <a:defRPr sz="2000" kern="1200">
+                <a:solidFill>
+                  <a:schemeClr val="tx1">
+                    <a:tint val="75000"/>
+                  </a:schemeClr>
+                </a:solidFill>
+                <a:latin typeface="+mn-lt"/>
+                <a:ea typeface="+mn-ea"/>
+                <a:cs typeface="+mn-cs"/>
+              </a:defRPr>
+            </a:lvl9pPr>
+          </a:lstStyle>
+          <a:p>
+            <a:pPr marL="342900" indent="-342900" algn="l">
+              <a:buClr>
+                <a:srgbClr val="0070C0"/>
+              </a:buClr>
+              <a:buSzPct val="80000"/>
+              <a:buFont typeface="Wingdings" pitchFamily="2" charset="2"/>
+              <a:buChar char="u"/>
+            </a:pPr>
+            <a:r>
+              <a:rPr lang="en-US" sz="1800" b="1" dirty="0">
+                <a:solidFill>
+                  <a:schemeClr val="tx1"/>
+                </a:solidFill>
+              </a:rPr>
+              <a:t>Containers Command:</a:t>
+            </a:r>
+          </a:p>
+          <a:p>
+            <a:pPr marL="342900" indent="-342900" algn="l">
+              <a:buClr>
+                <a:srgbClr val="0070C0"/>
+              </a:buClr>
+              <a:buSzPct val="80000"/>
+              <a:buFont typeface="Wingdings" pitchFamily="2" charset="2"/>
+              <a:buChar char="u"/>
+            </a:pPr>
+            <a:r>
+              <a:rPr lang="en-US" sz="1800" b="1" dirty="0">
+                <a:solidFill>
+                  <a:schemeClr val="tx1"/>
+                </a:solidFill>
+              </a:rPr>
+              <a:t>&gt; docker </a:t>
+            </a:r>
+            <a:r>
+              <a:rPr lang="en-US" sz="1800" b="1" dirty="0" err="1">
+                <a:solidFill>
+                  <a:schemeClr val="tx1"/>
+                </a:solidFill>
+              </a:rPr>
+              <a:t>ps</a:t>
+            </a:r>
+            <a:endParaRPr lang="en-US" sz="1800" b="1" dirty="0">
+              <a:solidFill>
+                <a:schemeClr val="tx1"/>
+              </a:solidFill>
+            </a:endParaRPr>
+          </a:p>
+          <a:p>
+            <a:pPr marL="342900" indent="-342900" algn="l">
+              <a:buClr>
+                <a:srgbClr val="0070C0"/>
+              </a:buClr>
+              <a:buSzPct val="80000"/>
+              <a:buFont typeface="Wingdings" pitchFamily="2" charset="2"/>
+              <a:buChar char="u"/>
+            </a:pPr>
+            <a:r>
+              <a:rPr lang="en-US" sz="1800" b="1" dirty="0">
+                <a:solidFill>
+                  <a:schemeClr val="tx1"/>
+                </a:solidFill>
+              </a:rPr>
+              <a:t>&gt; docker run</a:t>
+            </a:r>
+          </a:p>
+          <a:p>
+            <a:pPr marL="342900" indent="-342900" algn="l">
+              <a:buClr>
+                <a:srgbClr val="0070C0"/>
+              </a:buClr>
+              <a:buSzPct val="80000"/>
+              <a:buFont typeface="Wingdings" pitchFamily="2" charset="2"/>
+              <a:buChar char="u"/>
+            </a:pPr>
+            <a:r>
+              <a:rPr lang="en-US" sz="1800" b="1" dirty="0">
+                <a:solidFill>
+                  <a:schemeClr val="tx1"/>
+                </a:solidFill>
+              </a:rPr>
+              <a:t>&gt; docker start</a:t>
+            </a:r>
+          </a:p>
+          <a:p>
+            <a:pPr marL="342900" indent="-342900" algn="l">
+              <a:buClr>
+                <a:srgbClr val="0070C0"/>
+              </a:buClr>
+              <a:buSzPct val="80000"/>
+              <a:buFont typeface="Wingdings" pitchFamily="2" charset="2"/>
+              <a:buChar char="u"/>
+            </a:pPr>
+            <a:r>
+              <a:rPr lang="en-US" sz="1800" b="1" dirty="0">
+                <a:solidFill>
+                  <a:schemeClr val="tx1"/>
+                </a:solidFill>
+              </a:rPr>
+              <a:t>&gt; docker stop</a:t>
+            </a:r>
+          </a:p>
+          <a:p>
+            <a:pPr marL="342900" indent="-342900" algn="l">
+              <a:buClr>
+                <a:srgbClr val="0070C0"/>
+              </a:buClr>
+              <a:buSzPct val="80000"/>
+              <a:buFont typeface="Wingdings" pitchFamily="2" charset="2"/>
+              <a:buChar char="u"/>
+            </a:pPr>
+            <a:r>
+              <a:rPr lang="en-US" sz="1800" b="1" dirty="0">
+                <a:solidFill>
+                  <a:schemeClr val="tx1"/>
+                </a:solidFill>
+              </a:rPr>
+              <a:t>System Command:</a:t>
+            </a:r>
+          </a:p>
+          <a:p>
+            <a:pPr marL="342900" indent="-342900" algn="l">
+              <a:buClr>
+                <a:srgbClr val="0070C0"/>
+              </a:buClr>
+              <a:buSzPct val="80000"/>
+              <a:buFont typeface="Wingdings" pitchFamily="2" charset="2"/>
+              <a:buChar char="u"/>
+            </a:pPr>
+            <a:r>
+              <a:rPr lang="en-US" sz="1800" b="1" dirty="0">
+                <a:solidFill>
+                  <a:schemeClr val="tx1"/>
+                </a:solidFill>
+              </a:rPr>
+              <a:t>&gt; docker stats</a:t>
+            </a:r>
+          </a:p>
+          <a:p>
+            <a:pPr marL="342900" indent="-342900" algn="l">
+              <a:buClr>
+                <a:srgbClr val="0070C0"/>
+              </a:buClr>
+              <a:buSzPct val="80000"/>
+              <a:buFont typeface="Wingdings" pitchFamily="2" charset="2"/>
+              <a:buChar char="u"/>
+            </a:pPr>
+            <a:r>
+              <a:rPr lang="en-US" sz="1800" b="1" dirty="0">
+                <a:solidFill>
+                  <a:schemeClr val="tx1"/>
+                </a:solidFill>
+              </a:rPr>
+              <a:t>&gt; docker system df</a:t>
+            </a:r>
+          </a:p>
+          <a:p>
+            <a:pPr marL="342900" indent="-342900" algn="l">
+              <a:buClr>
+                <a:srgbClr val="0070C0"/>
+              </a:buClr>
+              <a:buSzPct val="80000"/>
+              <a:buFont typeface="Wingdings" pitchFamily="2" charset="2"/>
+              <a:buChar char="u"/>
+            </a:pPr>
+            <a:r>
+              <a:rPr lang="en-US" sz="1800" b="1" dirty="0">
+                <a:solidFill>
+                  <a:schemeClr val="tx1"/>
+                </a:solidFill>
+              </a:rPr>
+              <a:t>&gt; docker system prune</a:t>
+            </a:r>
+          </a:p>
+        </p:txBody>
+      </p:sp>
+    </p:spTree>
+    <p:extLst>
+      <p:ext uri="{BB962C8B-B14F-4D97-AF65-F5344CB8AC3E}">
+        <p14:creationId xmlns:p14="http://schemas.microsoft.com/office/powerpoint/2010/main" val="2779232521"/>
+      </p:ext>
+    </p:extLst>
+  </p:cSld>
+  <p:clrMapOvr>
+    <a:masterClrMapping/>
+  </p:clrMapOvr>
+</p:sld>
+</file>
+
+<file path=ppt/slides/slide20.xml><?xml version="1.0" encoding="utf-8"?>
+<p:sld xmlns:a="http://schemas.openxmlformats.org/drawingml/2006/main" xmlns:r="http://schemas.openxmlformats.org/officeDocument/2006/relationships" xmlns:p="http://schemas.openxmlformats.org/presentationml/2006/main">
+  <p:cSld>
+    <p:spTree>
+      <p:nvGrpSpPr>
+        <p:cNvPr id="1" name=""/>
+        <p:cNvGrpSpPr/>
+        <p:nvPr/>
+      </p:nvGrpSpPr>
+      <p:grpSpPr>
+        <a:xfrm>
+          <a:off x="0" y="0"/>
+          <a:ext cx="0" cy="0"/>
+          <a:chOff x="0" y="0"/>
+          <a:chExt cx="0" cy="0"/>
+        </a:xfrm>
+      </p:grpSpPr>
+      <p:sp>
+        <p:nvSpPr>
+          <p:cNvPr id="2" name="標題 1"/>
+          <p:cNvSpPr>
+            <a:spLocks noGrp="1"/>
+          </p:cNvSpPr>
+          <p:nvPr>
+            <p:ph type="ctrTitle"/>
+          </p:nvPr>
+        </p:nvSpPr>
+        <p:spPr>
+          <a:xfrm>
+            <a:off x="0" y="1"/>
+            <a:ext cx="9144000" cy="764704"/>
+          </a:xfrm>
+          <a:gradFill flip="none" rotWithShape="1">
+            <a:gsLst>
+              <a:gs pos="0">
+                <a:srgbClr val="C00000">
+                  <a:shade val="30000"/>
+                  <a:satMod val="115000"/>
+                </a:srgbClr>
+              </a:gs>
+              <a:gs pos="50000">
+                <a:srgbClr val="C00000">
+                  <a:shade val="67500"/>
+                  <a:satMod val="115000"/>
+                </a:srgbClr>
+              </a:gs>
+              <a:gs pos="100000">
+                <a:srgbClr val="C00000">
+                  <a:shade val="100000"/>
+                  <a:satMod val="115000"/>
+                </a:srgbClr>
+              </a:gs>
+            </a:gsLst>
+            <a:path path="circle">
+              <a:fillToRect t="100000" r="100000"/>
+            </a:path>
+            <a:tileRect l="-100000" b="-100000"/>
+          </a:gradFill>
+        </p:spPr>
+        <p:txBody>
+          <a:bodyPr>
+            <a:normAutofit/>
+          </a:bodyPr>
+          <a:lstStyle/>
+          <a:p>
+            <a:pPr algn="l"/>
+            <a:r>
+              <a:rPr lang="en-US" altLang="zh-TW" b="1" dirty="0">
+                <a:solidFill>
+                  <a:srgbClr val="FFFF00"/>
+                </a:solidFill>
+              </a:rPr>
+              <a:t>8.3 Containers Command</a:t>
+            </a:r>
+            <a:endParaRPr lang="zh-TW" altLang="en-US" b="1" dirty="0">
+              <a:solidFill>
+                <a:srgbClr val="FFFF00"/>
+              </a:solidFill>
+            </a:endParaRPr>
+          </a:p>
+        </p:txBody>
+      </p:sp>
+      <p:sp>
+        <p:nvSpPr>
+          <p:cNvPr id="3" name="副標題 2"/>
+          <p:cNvSpPr>
+            <a:spLocks noGrp="1"/>
+          </p:cNvSpPr>
+          <p:nvPr>
+            <p:ph type="subTitle" idx="1"/>
+          </p:nvPr>
+        </p:nvSpPr>
+        <p:spPr>
+          <a:xfrm>
+            <a:off x="467544" y="1268760"/>
+            <a:ext cx="8219256" cy="2016224"/>
+          </a:xfrm>
+          <a:ln>
+            <a:solidFill>
+              <a:srgbClr val="C00000"/>
+            </a:solidFill>
+          </a:ln>
+        </p:spPr>
+        <p:txBody>
+          <a:bodyPr>
+            <a:noAutofit/>
+          </a:bodyPr>
+          <a:lstStyle/>
+          <a:p>
+            <a:pPr marL="342900" indent="-342900" algn="l">
+              <a:buClr>
+                <a:srgbClr val="0070C0"/>
+              </a:buClr>
+              <a:buSzPct val="80000"/>
+              <a:buFont typeface="Wingdings" pitchFamily="2" charset="2"/>
+              <a:buChar char="u"/>
+            </a:pPr>
+            <a:r>
+              <a:rPr lang="en-US" sz="1800" b="1" dirty="0">
+                <a:solidFill>
+                  <a:srgbClr val="C00000"/>
+                </a:solidFill>
+              </a:rPr>
+              <a:t>Containers Command</a:t>
+            </a:r>
+          </a:p>
+          <a:p>
+            <a:pPr marL="342900" indent="-342900" algn="l">
+              <a:buClr>
+                <a:srgbClr val="0070C0"/>
+              </a:buClr>
+              <a:buSzPct val="80000"/>
+              <a:buFont typeface="Wingdings" pitchFamily="2" charset="2"/>
+              <a:buChar char="u"/>
+            </a:pPr>
+            <a:r>
+              <a:rPr lang="en-US" sz="1800" b="1" dirty="0">
+                <a:solidFill>
+                  <a:schemeClr val="tx1"/>
+                </a:solidFill>
+              </a:rPr>
+              <a:t>Now, we can use “docker start &lt;container-ID&gt;” and “docker stop &lt;container-ID&gt;”</a:t>
+            </a:r>
+          </a:p>
+          <a:p>
+            <a:pPr marL="342900" indent="-342900" algn="l">
+              <a:buClr>
+                <a:srgbClr val="0070C0"/>
+              </a:buClr>
+              <a:buSzPct val="80000"/>
+              <a:buFont typeface="Wingdings" pitchFamily="2" charset="2"/>
+              <a:buChar char="u"/>
+            </a:pPr>
+            <a:r>
+              <a:rPr lang="en-US" sz="1800" b="1" dirty="0">
+                <a:solidFill>
+                  <a:schemeClr val="tx1"/>
+                </a:solidFill>
+              </a:rPr>
+              <a:t>1. &gt; docker ps</a:t>
+            </a:r>
+          </a:p>
+          <a:p>
+            <a:pPr marL="342900" indent="-342900" algn="l">
+              <a:buClr>
+                <a:srgbClr val="0070C0"/>
+              </a:buClr>
+              <a:buSzPct val="80000"/>
+              <a:buFont typeface="Wingdings" pitchFamily="2" charset="2"/>
+              <a:buChar char="u"/>
+            </a:pPr>
+            <a:r>
+              <a:rPr lang="en-US" sz="1800" b="1" dirty="0">
+                <a:solidFill>
+                  <a:schemeClr val="tx1"/>
+                </a:solidFill>
+              </a:rPr>
+              <a:t>&gt;&gt; Container-ID is “33395acc07b4”</a:t>
+            </a:r>
+          </a:p>
+          <a:p>
+            <a:pPr marL="342900" indent="-342900" algn="l">
+              <a:buClr>
+                <a:srgbClr val="0070C0"/>
+              </a:buClr>
+              <a:buSzPct val="80000"/>
+              <a:buFont typeface="Wingdings" pitchFamily="2" charset="2"/>
+              <a:buChar char="u"/>
+            </a:pPr>
+            <a:r>
+              <a:rPr lang="en-US" sz="1800" b="1" dirty="0">
+                <a:solidFill>
+                  <a:schemeClr val="tx1"/>
+                </a:solidFill>
+              </a:rPr>
+              <a:t>2. &gt; docker start &lt;container-ID&gt;</a:t>
+            </a:r>
+          </a:p>
+          <a:p>
+            <a:pPr marL="342900" indent="-342900" algn="l">
+              <a:buClr>
+                <a:srgbClr val="0070C0"/>
+              </a:buClr>
+              <a:buSzPct val="80000"/>
+              <a:buFont typeface="Wingdings" pitchFamily="2" charset="2"/>
+              <a:buChar char="u"/>
+            </a:pPr>
+            <a:r>
+              <a:rPr lang="en-US" sz="1800" b="1" dirty="0">
+                <a:solidFill>
+                  <a:schemeClr val="tx1"/>
+                </a:solidFill>
+              </a:rPr>
+              <a:t>3. &gt; docker stop &lt;container-ID&gt;</a:t>
+            </a:r>
+          </a:p>
+        </p:txBody>
+      </p:sp>
+      <p:sp>
+        <p:nvSpPr>
+          <p:cNvPr id="4" name="標題 1"/>
+          <p:cNvSpPr txBox="1">
+            <a:spLocks/>
+          </p:cNvSpPr>
+          <p:nvPr/>
+        </p:nvSpPr>
+        <p:spPr>
+          <a:xfrm>
+            <a:off x="0" y="764704"/>
+            <a:ext cx="9144000" cy="360040"/>
+          </a:xfrm>
+          <a:prstGeom prst="rect">
+            <a:avLst/>
+          </a:prstGeom>
+          <a:gradFill flip="none" rotWithShape="1">
+            <a:gsLst>
+              <a:gs pos="0">
+                <a:srgbClr val="00B0F0">
+                  <a:shade val="30000"/>
+                  <a:satMod val="115000"/>
+                </a:srgbClr>
+              </a:gs>
+              <a:gs pos="50000">
+                <a:srgbClr val="00B0F0">
+                  <a:shade val="67500"/>
+                  <a:satMod val="115000"/>
+                </a:srgbClr>
+              </a:gs>
+              <a:gs pos="100000">
+                <a:srgbClr val="00B0F0">
+                  <a:shade val="100000"/>
+                  <a:satMod val="115000"/>
+                </a:srgbClr>
+              </a:gs>
+            </a:gsLst>
+            <a:path path="circle">
+              <a:fillToRect t="100000" r="100000"/>
+            </a:path>
+            <a:tileRect l="-100000" b="-100000"/>
+          </a:gradFill>
+        </p:spPr>
+        <p:txBody>
+          <a:bodyPr vert="horz" lIns="91440" tIns="45720" rIns="91440" bIns="45720" rtlCol="0" anchor="ctr">
+            <a:normAutofit fontScale="92500"/>
+          </a:bodyPr>
+          <a:lstStyle/>
+          <a:p>
+            <a:pPr lvl="0">
+              <a:spcBef>
+                <a:spcPct val="0"/>
+              </a:spcBef>
+            </a:pPr>
+            <a:r>
+              <a:rPr lang="en-US" sz="1600" dirty="0">
+                <a:hlinkClick r:id="rId2"/>
+              </a:rPr>
+              <a:t>https://www.youtube.com/watch?v=HqBMEmoAd1M&amp;list=PLhW3qG5bs-L99pQsZ74f-LC-tOEsBp2rK&amp;index=8</a:t>
+            </a:r>
+            <a:endParaRPr kumimoji="0" lang="zh-TW" altLang="en-US" sz="1600" b="0" i="0" u="none" strike="noStrike" kern="1200" cap="none" spc="0" normalizeH="0" baseline="0" noProof="0" dirty="0">
+              <a:ln>
+                <a:noFill/>
+              </a:ln>
+              <a:solidFill>
+                <a:schemeClr val="tx1"/>
+              </a:solidFill>
+              <a:effectLst/>
+              <a:uLnTx/>
+              <a:uFillTx/>
+              <a:latin typeface="+mj-lt"/>
+              <a:ea typeface="+mj-ea"/>
+              <a:cs typeface="+mj-cs"/>
+            </a:endParaRPr>
+          </a:p>
+        </p:txBody>
+      </p:sp>
+      <p:sp>
+        <p:nvSpPr>
+          <p:cNvPr id="5" name="日期版面配置區 4"/>
+          <p:cNvSpPr>
+            <a:spLocks noGrp="1"/>
+          </p:cNvSpPr>
+          <p:nvPr>
+            <p:ph type="dt" sz="half" idx="10"/>
+          </p:nvPr>
+        </p:nvSpPr>
+        <p:spPr/>
+        <p:txBody>
+          <a:bodyPr/>
+          <a:lstStyle/>
+          <a:p>
+            <a:fld id="{A4F910E6-8D00-4BAF-8C48-9688E0B449D3}" type="datetime1">
+              <a:rPr lang="zh-TW" altLang="en-US" smtClean="0"/>
+              <a:pPr/>
+              <a:t>2021/12/9</a:t>
+            </a:fld>
+            <a:endParaRPr lang="zh-TW" altLang="en-US"/>
+          </a:p>
+        </p:txBody>
+      </p:sp>
+      <p:sp>
+        <p:nvSpPr>
+          <p:cNvPr id="6" name="投影片編號版面配置區 5"/>
+          <p:cNvSpPr>
+            <a:spLocks noGrp="1"/>
+          </p:cNvSpPr>
+          <p:nvPr>
+            <p:ph type="sldNum" sz="quarter" idx="12"/>
+          </p:nvPr>
+        </p:nvSpPr>
+        <p:spPr/>
+        <p:txBody>
+          <a:bodyPr/>
+          <a:lstStyle/>
+          <a:p>
+            <a:fld id="{E4D7E63D-91F2-4366-A2C4-1B00C9E2590E}" type="slidenum">
+              <a:rPr lang="zh-TW" altLang="en-US" smtClean="0"/>
+              <a:pPr/>
+              <a:t>20</a:t>
+            </a:fld>
+            <a:endParaRPr lang="zh-TW" altLang="en-US"/>
+          </a:p>
+        </p:txBody>
+      </p:sp>
+      <p:pic>
+        <p:nvPicPr>
+          <p:cNvPr id="9" name="Picture 8">
+            <a:extLst>
+              <a:ext uri="{FF2B5EF4-FFF2-40B4-BE49-F238E27FC236}">
+                <a16:creationId xmlns:a16="http://schemas.microsoft.com/office/drawing/2014/main" id="{07D0FD16-262D-43A3-BC25-636B5CF119FE}"/>
+              </a:ext>
+            </a:extLst>
+          </p:cNvPr>
+          <p:cNvPicPr>
+            <a:picLocks noChangeAspect="1"/>
+          </p:cNvPicPr>
+          <p:nvPr/>
+        </p:nvPicPr>
+        <p:blipFill>
+          <a:blip r:embed="rId3"/>
+          <a:stretch>
+            <a:fillRect/>
+          </a:stretch>
+        </p:blipFill>
+        <p:spPr>
+          <a:xfrm>
+            <a:off x="2123728" y="3401670"/>
+            <a:ext cx="6467475" cy="2638425"/>
+          </a:xfrm>
+          <a:prstGeom prst="rect">
+            <a:avLst/>
+          </a:prstGeom>
+        </p:spPr>
+      </p:pic>
+      <p:sp>
+        <p:nvSpPr>
+          <p:cNvPr id="10" name="Oval 9">
+            <a:extLst>
+              <a:ext uri="{FF2B5EF4-FFF2-40B4-BE49-F238E27FC236}">
+                <a16:creationId xmlns:a16="http://schemas.microsoft.com/office/drawing/2014/main" id="{AC6A8A0F-A5A8-45AE-9266-7397729E9F01}"/>
+              </a:ext>
+            </a:extLst>
+          </p:cNvPr>
+          <p:cNvSpPr/>
+          <p:nvPr/>
+        </p:nvSpPr>
+        <p:spPr>
+          <a:xfrm>
+            <a:off x="1607259" y="3380507"/>
+            <a:ext cx="360040" cy="360040"/>
+          </a:xfrm>
+          <a:prstGeom prst="ellipse">
+            <a:avLst/>
+          </a:prstGeom>
+          <a:solidFill>
+            <a:srgbClr val="FFFF00"/>
+          </a:solidFill>
+          <a:ln>
+            <a:solidFill>
+              <a:srgbClr val="C00000"/>
+            </a:solidFill>
+          </a:ln>
+        </p:spPr>
+        <p:style>
+          <a:lnRef idx="2">
+            <a:schemeClr val="accent1">
+              <a:shade val="50000"/>
+            </a:schemeClr>
+          </a:lnRef>
+          <a:fillRef idx="1">
+            <a:schemeClr val="accent1"/>
+          </a:fillRef>
+          <a:effectRef idx="0">
+            <a:schemeClr val="accent1"/>
+          </a:effectRef>
+          <a:fontRef idx="minor">
+            <a:schemeClr val="lt1"/>
+          </a:fontRef>
+        </p:style>
+        <p:txBody>
+          <a:bodyPr rtlCol="0" anchor="ctr"/>
+          <a:lstStyle/>
+          <a:p>
+            <a:pPr algn="ctr"/>
+            <a:r>
+              <a:rPr lang="en-US" dirty="0">
+                <a:solidFill>
+                  <a:schemeClr val="tx1"/>
+                </a:solidFill>
+                <a:highlight>
+                  <a:srgbClr val="FFFF00"/>
+                </a:highlight>
+              </a:rPr>
+              <a:t>1</a:t>
+            </a:r>
+          </a:p>
+        </p:txBody>
+      </p:sp>
+      <p:sp>
+        <p:nvSpPr>
+          <p:cNvPr id="11" name="Oval 10">
+            <a:extLst>
+              <a:ext uri="{FF2B5EF4-FFF2-40B4-BE49-F238E27FC236}">
+                <a16:creationId xmlns:a16="http://schemas.microsoft.com/office/drawing/2014/main" id="{03E35EEF-B4D8-443E-9D56-28EF776491E4}"/>
+              </a:ext>
+            </a:extLst>
+          </p:cNvPr>
+          <p:cNvSpPr/>
+          <p:nvPr/>
+        </p:nvSpPr>
+        <p:spPr>
+          <a:xfrm>
+            <a:off x="1685474" y="4223506"/>
+            <a:ext cx="360040" cy="360040"/>
+          </a:xfrm>
+          <a:prstGeom prst="ellipse">
+            <a:avLst/>
+          </a:prstGeom>
+          <a:solidFill>
+            <a:srgbClr val="FFFF00"/>
+          </a:solidFill>
+          <a:ln>
+            <a:solidFill>
+              <a:srgbClr val="C00000"/>
+            </a:solidFill>
+          </a:ln>
+        </p:spPr>
+        <p:style>
+          <a:lnRef idx="2">
+            <a:schemeClr val="accent1">
+              <a:shade val="50000"/>
+            </a:schemeClr>
+          </a:lnRef>
+          <a:fillRef idx="1">
+            <a:schemeClr val="accent1"/>
+          </a:fillRef>
+          <a:effectRef idx="0">
+            <a:schemeClr val="accent1"/>
+          </a:effectRef>
+          <a:fontRef idx="minor">
+            <a:schemeClr val="lt1"/>
+          </a:fontRef>
+        </p:style>
+        <p:txBody>
+          <a:bodyPr rtlCol="0" anchor="ctr"/>
+          <a:lstStyle/>
+          <a:p>
+            <a:pPr algn="ctr"/>
+            <a:r>
+              <a:rPr lang="en-US" dirty="0">
+                <a:solidFill>
+                  <a:schemeClr val="tx1"/>
+                </a:solidFill>
+                <a:highlight>
+                  <a:srgbClr val="FFFF00"/>
+                </a:highlight>
+              </a:rPr>
+              <a:t>2</a:t>
+            </a:r>
+          </a:p>
+        </p:txBody>
+      </p:sp>
+      <p:sp>
+        <p:nvSpPr>
+          <p:cNvPr id="12" name="Oval 11">
+            <a:extLst>
+              <a:ext uri="{FF2B5EF4-FFF2-40B4-BE49-F238E27FC236}">
+                <a16:creationId xmlns:a16="http://schemas.microsoft.com/office/drawing/2014/main" id="{E5E93C54-5AED-40DB-994D-A08D0BED1A72}"/>
+              </a:ext>
+            </a:extLst>
+          </p:cNvPr>
+          <p:cNvSpPr/>
+          <p:nvPr/>
+        </p:nvSpPr>
+        <p:spPr>
+          <a:xfrm>
+            <a:off x="1661556" y="5333331"/>
+            <a:ext cx="360040" cy="360040"/>
+          </a:xfrm>
+          <a:prstGeom prst="ellipse">
+            <a:avLst/>
+          </a:prstGeom>
+          <a:solidFill>
+            <a:srgbClr val="FFFF00"/>
+          </a:solidFill>
+          <a:ln>
+            <a:solidFill>
+              <a:srgbClr val="C00000"/>
+            </a:solidFill>
+          </a:ln>
+        </p:spPr>
+        <p:style>
+          <a:lnRef idx="2">
+            <a:schemeClr val="accent1">
+              <a:shade val="50000"/>
+            </a:schemeClr>
+          </a:lnRef>
+          <a:fillRef idx="1">
+            <a:schemeClr val="accent1"/>
+          </a:fillRef>
+          <a:effectRef idx="0">
+            <a:schemeClr val="accent1"/>
+          </a:effectRef>
+          <a:fontRef idx="minor">
+            <a:schemeClr val="lt1"/>
+          </a:fontRef>
+        </p:style>
+        <p:txBody>
+          <a:bodyPr rtlCol="0" anchor="ctr"/>
+          <a:lstStyle/>
+          <a:p>
+            <a:pPr algn="ctr"/>
+            <a:r>
+              <a:rPr lang="en-US" dirty="0">
+                <a:solidFill>
+                  <a:schemeClr val="tx1"/>
+                </a:solidFill>
+                <a:highlight>
+                  <a:srgbClr val="FFFF00"/>
+                </a:highlight>
+              </a:rPr>
+              <a:t>3</a:t>
+            </a:r>
+          </a:p>
+        </p:txBody>
+      </p:sp>
+    </p:spTree>
+    <p:extLst>
+      <p:ext uri="{BB962C8B-B14F-4D97-AF65-F5344CB8AC3E}">
+        <p14:creationId xmlns:p14="http://schemas.microsoft.com/office/powerpoint/2010/main" val="2415252392"/>
+      </p:ext>
+    </p:extLst>
+  </p:cSld>
+  <p:clrMapOvr>
+    <a:masterClrMapping/>
+  </p:clrMapOvr>
+</p:sld>
+</file>
+
+<file path=ppt/slides/slide21.xml><?xml version="1.0" encoding="utf-8"?>
+<p:sld xmlns:a="http://schemas.openxmlformats.org/drawingml/2006/main" xmlns:r="http://schemas.openxmlformats.org/officeDocument/2006/relationships" xmlns:p="http://schemas.openxmlformats.org/presentationml/2006/main">
+  <p:cSld>
+    <p:spTree>
+      <p:nvGrpSpPr>
+        <p:cNvPr id="1" name=""/>
+        <p:cNvGrpSpPr/>
+        <p:nvPr/>
+      </p:nvGrpSpPr>
+      <p:grpSpPr>
+        <a:xfrm>
+          <a:off x="0" y="0"/>
+          <a:ext cx="0" cy="0"/>
+          <a:chOff x="0" y="0"/>
+          <a:chExt cx="0" cy="0"/>
+        </a:xfrm>
+      </p:grpSpPr>
+      <p:sp>
+        <p:nvSpPr>
+          <p:cNvPr id="2" name="標題 1"/>
+          <p:cNvSpPr>
+            <a:spLocks noGrp="1"/>
+          </p:cNvSpPr>
+          <p:nvPr>
+            <p:ph type="ctrTitle"/>
+          </p:nvPr>
+        </p:nvSpPr>
+        <p:spPr>
+          <a:xfrm>
+            <a:off x="0" y="1"/>
+            <a:ext cx="9144000" cy="764704"/>
+          </a:xfrm>
+          <a:gradFill flip="none" rotWithShape="1">
+            <a:gsLst>
+              <a:gs pos="0">
+                <a:srgbClr val="C00000">
+                  <a:shade val="30000"/>
+                  <a:satMod val="115000"/>
+                </a:srgbClr>
+              </a:gs>
+              <a:gs pos="50000">
+                <a:srgbClr val="C00000">
+                  <a:shade val="67500"/>
+                  <a:satMod val="115000"/>
+                </a:srgbClr>
+              </a:gs>
+              <a:gs pos="100000">
+                <a:srgbClr val="C00000">
+                  <a:shade val="100000"/>
+                  <a:satMod val="115000"/>
+                </a:srgbClr>
+              </a:gs>
+            </a:gsLst>
+            <a:path path="circle">
+              <a:fillToRect t="100000" r="100000"/>
+            </a:path>
+            <a:tileRect l="-100000" b="-100000"/>
+          </a:gradFill>
+        </p:spPr>
+        <p:txBody>
+          <a:bodyPr>
+            <a:normAutofit/>
+          </a:bodyPr>
+          <a:lstStyle/>
+          <a:p>
+            <a:pPr algn="l"/>
+            <a:r>
+              <a:rPr lang="en-US" altLang="zh-TW" b="1" dirty="0">
+                <a:solidFill>
+                  <a:srgbClr val="FFFF00"/>
+                </a:solidFill>
+              </a:rPr>
+              <a:t>8.3 Containers Command</a:t>
+            </a:r>
+            <a:endParaRPr lang="zh-TW" altLang="en-US" b="1" dirty="0">
+              <a:solidFill>
+                <a:srgbClr val="FFFF00"/>
+              </a:solidFill>
+            </a:endParaRPr>
+          </a:p>
+        </p:txBody>
+      </p:sp>
+      <p:sp>
+        <p:nvSpPr>
+          <p:cNvPr id="3" name="副標題 2"/>
+          <p:cNvSpPr>
+            <a:spLocks noGrp="1"/>
+          </p:cNvSpPr>
+          <p:nvPr>
+            <p:ph type="subTitle" idx="1"/>
+          </p:nvPr>
+        </p:nvSpPr>
+        <p:spPr>
+          <a:xfrm>
+            <a:off x="467544" y="1268760"/>
+            <a:ext cx="8219256" cy="792088"/>
+          </a:xfrm>
+          <a:ln>
+            <a:solidFill>
+              <a:srgbClr val="C00000"/>
+            </a:solidFill>
+          </a:ln>
+        </p:spPr>
+        <p:txBody>
+          <a:bodyPr>
+            <a:noAutofit/>
+          </a:bodyPr>
+          <a:lstStyle/>
+          <a:p>
+            <a:pPr marL="342900" indent="-342900" algn="l">
+              <a:buClr>
+                <a:srgbClr val="0070C0"/>
+              </a:buClr>
+              <a:buSzPct val="80000"/>
+              <a:buFont typeface="Wingdings" pitchFamily="2" charset="2"/>
+              <a:buChar char="u"/>
+            </a:pPr>
+            <a:r>
+              <a:rPr lang="en-US" sz="1800" b="1" dirty="0">
+                <a:solidFill>
+                  <a:srgbClr val="C00000"/>
+                </a:solidFill>
+              </a:rPr>
+              <a:t>Containers Command</a:t>
+            </a:r>
+          </a:p>
+          <a:p>
+            <a:pPr marL="342900" indent="-342900" algn="l">
+              <a:buClr>
+                <a:srgbClr val="0070C0"/>
+              </a:buClr>
+              <a:buSzPct val="80000"/>
+              <a:buFont typeface="Wingdings" pitchFamily="2" charset="2"/>
+              <a:buChar char="u"/>
+            </a:pPr>
+            <a:r>
+              <a:rPr lang="en-US" sz="1800" b="1" dirty="0">
+                <a:solidFill>
+                  <a:schemeClr val="tx1"/>
+                </a:solidFill>
+              </a:rPr>
+              <a:t>Now, in another terminal, we can see Ubuntu is “exit”.</a:t>
+            </a:r>
+          </a:p>
+        </p:txBody>
+      </p:sp>
+      <p:sp>
+        <p:nvSpPr>
+          <p:cNvPr id="4" name="標題 1"/>
+          <p:cNvSpPr txBox="1">
+            <a:spLocks/>
+          </p:cNvSpPr>
+          <p:nvPr/>
+        </p:nvSpPr>
+        <p:spPr>
+          <a:xfrm>
+            <a:off x="0" y="764704"/>
+            <a:ext cx="9144000" cy="360040"/>
+          </a:xfrm>
+          <a:prstGeom prst="rect">
+            <a:avLst/>
+          </a:prstGeom>
+          <a:gradFill flip="none" rotWithShape="1">
+            <a:gsLst>
+              <a:gs pos="0">
+                <a:srgbClr val="00B0F0">
+                  <a:shade val="30000"/>
+                  <a:satMod val="115000"/>
+                </a:srgbClr>
+              </a:gs>
+              <a:gs pos="50000">
+                <a:srgbClr val="00B0F0">
+                  <a:shade val="67500"/>
+                  <a:satMod val="115000"/>
+                </a:srgbClr>
+              </a:gs>
+              <a:gs pos="100000">
+                <a:srgbClr val="00B0F0">
+                  <a:shade val="100000"/>
+                  <a:satMod val="115000"/>
+                </a:srgbClr>
+              </a:gs>
+            </a:gsLst>
+            <a:path path="circle">
+              <a:fillToRect t="100000" r="100000"/>
+            </a:path>
+            <a:tileRect l="-100000" b="-100000"/>
+          </a:gradFill>
+        </p:spPr>
+        <p:txBody>
+          <a:bodyPr vert="horz" lIns="91440" tIns="45720" rIns="91440" bIns="45720" rtlCol="0" anchor="ctr">
+            <a:normAutofit fontScale="92500"/>
+          </a:bodyPr>
+          <a:lstStyle/>
+          <a:p>
+            <a:pPr lvl="0">
+              <a:spcBef>
+                <a:spcPct val="0"/>
+              </a:spcBef>
+            </a:pPr>
+            <a:r>
+              <a:rPr lang="en-US" sz="1600" dirty="0">
+                <a:hlinkClick r:id="rId2"/>
+              </a:rPr>
+              <a:t>https://www.youtube.com/watch?v=HqBMEmoAd1M&amp;list=PLhW3qG5bs-L99pQsZ74f-LC-tOEsBp2rK&amp;index=8</a:t>
+            </a:r>
+            <a:endParaRPr kumimoji="0" lang="zh-TW" altLang="en-US" sz="1600" b="0" i="0" u="none" strike="noStrike" kern="1200" cap="none" spc="0" normalizeH="0" baseline="0" noProof="0" dirty="0">
+              <a:ln>
+                <a:noFill/>
+              </a:ln>
+              <a:solidFill>
+                <a:schemeClr val="tx1"/>
+              </a:solidFill>
+              <a:effectLst/>
+              <a:uLnTx/>
+              <a:uFillTx/>
+              <a:latin typeface="+mj-lt"/>
+              <a:ea typeface="+mj-ea"/>
+              <a:cs typeface="+mj-cs"/>
+            </a:endParaRPr>
+          </a:p>
+        </p:txBody>
+      </p:sp>
+      <p:sp>
+        <p:nvSpPr>
+          <p:cNvPr id="5" name="日期版面配置區 4"/>
+          <p:cNvSpPr>
+            <a:spLocks noGrp="1"/>
+          </p:cNvSpPr>
+          <p:nvPr>
+            <p:ph type="dt" sz="half" idx="10"/>
+          </p:nvPr>
+        </p:nvSpPr>
+        <p:spPr/>
+        <p:txBody>
+          <a:bodyPr/>
+          <a:lstStyle/>
+          <a:p>
+            <a:fld id="{A4F910E6-8D00-4BAF-8C48-9688E0B449D3}" type="datetime1">
+              <a:rPr lang="zh-TW" altLang="en-US" smtClean="0"/>
+              <a:pPr/>
+              <a:t>2021/12/9</a:t>
+            </a:fld>
+            <a:endParaRPr lang="zh-TW" altLang="en-US"/>
+          </a:p>
+        </p:txBody>
+      </p:sp>
+      <p:sp>
+        <p:nvSpPr>
+          <p:cNvPr id="6" name="投影片編號版面配置區 5"/>
+          <p:cNvSpPr>
+            <a:spLocks noGrp="1"/>
+          </p:cNvSpPr>
+          <p:nvPr>
+            <p:ph type="sldNum" sz="quarter" idx="12"/>
+          </p:nvPr>
+        </p:nvSpPr>
+        <p:spPr/>
+        <p:txBody>
+          <a:bodyPr/>
+          <a:lstStyle/>
+          <a:p>
+            <a:fld id="{E4D7E63D-91F2-4366-A2C4-1B00C9E2590E}" type="slidenum">
+              <a:rPr lang="zh-TW" altLang="en-US" smtClean="0"/>
+              <a:pPr/>
+              <a:t>21</a:t>
+            </a:fld>
+            <a:endParaRPr lang="zh-TW" altLang="en-US"/>
+          </a:p>
+        </p:txBody>
+      </p:sp>
+      <p:pic>
+        <p:nvPicPr>
+          <p:cNvPr id="8" name="Picture 7">
+            <a:extLst>
+              <a:ext uri="{FF2B5EF4-FFF2-40B4-BE49-F238E27FC236}">
+                <a16:creationId xmlns:a16="http://schemas.microsoft.com/office/drawing/2014/main" id="{74011734-45B7-4FF4-9951-F0BAB447D9C1}"/>
+              </a:ext>
+            </a:extLst>
+          </p:cNvPr>
+          <p:cNvPicPr>
+            <a:picLocks noChangeAspect="1"/>
+          </p:cNvPicPr>
+          <p:nvPr/>
+        </p:nvPicPr>
+        <p:blipFill>
+          <a:blip r:embed="rId3"/>
+          <a:stretch>
+            <a:fillRect/>
+          </a:stretch>
+        </p:blipFill>
+        <p:spPr>
+          <a:xfrm>
+            <a:off x="1349127" y="2275608"/>
+            <a:ext cx="5581650" cy="1104900"/>
+          </a:xfrm>
+          <a:prstGeom prst="rect">
+            <a:avLst/>
+          </a:prstGeom>
+          <a:ln>
+            <a:solidFill>
+              <a:srgbClr val="C00000"/>
+            </a:solidFill>
+          </a:ln>
+        </p:spPr>
+      </p:pic>
+      <p:sp>
+        <p:nvSpPr>
+          <p:cNvPr id="13" name="Rectangle 12">
+            <a:extLst>
+              <a:ext uri="{FF2B5EF4-FFF2-40B4-BE49-F238E27FC236}">
+                <a16:creationId xmlns:a16="http://schemas.microsoft.com/office/drawing/2014/main" id="{719219E6-610D-4A01-93CC-F1781B21F9E6}"/>
+              </a:ext>
+            </a:extLst>
+          </p:cNvPr>
+          <p:cNvSpPr/>
+          <p:nvPr/>
+        </p:nvSpPr>
+        <p:spPr>
+          <a:xfrm>
+            <a:off x="3077319" y="2970394"/>
+            <a:ext cx="720080" cy="288032"/>
+          </a:xfrm>
+          <a:prstGeom prst="rect">
+            <a:avLst/>
+          </a:prstGeom>
+          <a:noFill/>
+          <a:ln>
+            <a:solidFill>
+              <a:srgbClr val="C00000"/>
+            </a:solidFill>
+          </a:ln>
+        </p:spPr>
+        <p:style>
+          <a:lnRef idx="2">
+            <a:schemeClr val="accent1">
+              <a:shade val="50000"/>
+            </a:schemeClr>
+          </a:lnRef>
+          <a:fillRef idx="1">
+            <a:schemeClr val="accent1"/>
+          </a:fillRef>
+          <a:effectRef idx="0">
+            <a:schemeClr val="accent1"/>
+          </a:effectRef>
+          <a:fontRef idx="minor">
+            <a:schemeClr val="lt1"/>
+          </a:fontRef>
+        </p:style>
+        <p:txBody>
+          <a:bodyPr rtlCol="0" anchor="ctr"/>
+          <a:lstStyle/>
+          <a:p>
+            <a:pPr algn="ctr"/>
+            <a:endParaRPr lang="en-US"/>
+          </a:p>
+        </p:txBody>
+      </p:sp>
+    </p:spTree>
+    <p:extLst>
+      <p:ext uri="{BB962C8B-B14F-4D97-AF65-F5344CB8AC3E}">
+        <p14:creationId xmlns:p14="http://schemas.microsoft.com/office/powerpoint/2010/main" val="266687827"/>
+      </p:ext>
+    </p:extLst>
+  </p:cSld>
+  <p:clrMapOvr>
+    <a:masterClrMapping/>
+  </p:clrMapOvr>
+</p:sld>
+</file>
+
+<file path=ppt/slides/slide22.xml><?xml version="1.0" encoding="utf-8"?>
+<p:sld xmlns:a="http://schemas.openxmlformats.org/drawingml/2006/main" xmlns:r="http://schemas.openxmlformats.org/officeDocument/2006/relationships" xmlns:p="http://schemas.openxmlformats.org/presentationml/2006/main">
+  <p:cSld>
+    <p:spTree>
+      <p:nvGrpSpPr>
+        <p:cNvPr id="1" name=""/>
+        <p:cNvGrpSpPr/>
+        <p:nvPr/>
+      </p:nvGrpSpPr>
+      <p:grpSpPr>
+        <a:xfrm>
+          <a:off x="0" y="0"/>
+          <a:ext cx="0" cy="0"/>
+          <a:chOff x="0" y="0"/>
+          <a:chExt cx="0" cy="0"/>
+        </a:xfrm>
+      </p:grpSpPr>
+      <p:sp>
+        <p:nvSpPr>
+          <p:cNvPr id="2" name="標題 1"/>
+          <p:cNvSpPr>
+            <a:spLocks noGrp="1"/>
+          </p:cNvSpPr>
+          <p:nvPr>
+            <p:ph type="ctrTitle"/>
+          </p:nvPr>
+        </p:nvSpPr>
+        <p:spPr>
+          <a:xfrm>
             <a:off x="0" y="2130425"/>
             <a:ext cx="9144000" cy="1470025"/>
           </a:xfrm>
@@ -6255,7 +9721,7 @@
             <a:fld id="{C389EDC9-19E3-47AC-9C57-C6A24DEA81AD}" type="datetime1">
               <a:rPr lang="zh-TW" altLang="en-US" smtClean="0"/>
               <a:pPr/>
-              <a:t>2020/4/28</a:t>
+              <a:t>2021/12/9</a:t>
             </a:fld>
             <a:endParaRPr lang="zh-TW" altLang="en-US"/>
           </a:p>
@@ -6279,7 +9745,7 @@
             <a:fld id="{E4D7E63D-91F2-4366-A2C4-1B00C9E2590E}" type="slidenum">
               <a:rPr lang="zh-TW" altLang="en-US" smtClean="0"/>
               <a:pPr/>
-              <a:t>18</a:t>
+              <a:t>22</a:t>
             </a:fld>
             <a:endParaRPr lang="zh-TW" altLang="en-US"/>
           </a:p>
@@ -6328,7 +9794,7 @@
 </p:sld>
 </file>
 
-<file path=ppt/slides/slide19.xml><?xml version="1.0" encoding="utf-8"?>
+<file path=ppt/slides/slide23.xml><?xml version="1.0" encoding="utf-8"?>
 <p:sld xmlns:a="http://schemas.openxmlformats.org/drawingml/2006/main" xmlns:r="http://schemas.openxmlformats.org/officeDocument/2006/relationships" xmlns:p="http://schemas.openxmlformats.org/presentationml/2006/main">
   <p:cSld>
     <p:spTree>
@@ -6623,7 +10089,7 @@
             <a:fld id="{A4F910E6-8D00-4BAF-8C48-9688E0B449D3}" type="datetime1">
               <a:rPr lang="zh-TW" altLang="en-US" smtClean="0"/>
               <a:pPr/>
-              <a:t>2020/4/28</a:t>
+              <a:t>2021/12/9</a:t>
             </a:fld>
             <a:endParaRPr lang="zh-TW" altLang="en-US"/>
           </a:p>
@@ -6647,7 +10113,7 @@
             <a:fld id="{E4D7E63D-91F2-4366-A2C4-1B00C9E2590E}" type="slidenum">
               <a:rPr lang="zh-TW" altLang="en-US" smtClean="0"/>
               <a:pPr/>
-              <a:t>19</a:t>
+              <a:t>23</a:t>
             </a:fld>
             <a:endParaRPr lang="zh-TW" altLang="en-US"/>
           </a:p>
@@ -6666,7 +10132,7 @@
 </p:sld>
 </file>
 
-<file path=ppt/slides/slide2.xml><?xml version="1.0" encoding="utf-8"?>
+<file path=ppt/slides/slide24.xml><?xml version="1.0" encoding="utf-8"?>
 <p:sld xmlns:a="http://schemas.openxmlformats.org/drawingml/2006/main" xmlns:r="http://schemas.openxmlformats.org/officeDocument/2006/relationships" xmlns:p="http://schemas.openxmlformats.org/presentationml/2006/main">
   <p:cSld>
     <p:spTree>
@@ -6695,829 +10161,6 @@
         </p:nvSpPr>
         <p:spPr>
           <a:xfrm>
-            <a:off x="0" y="1"/>
-            <a:ext cx="9144000" cy="764704"/>
-          </a:xfrm>
-          <a:gradFill flip="none" rotWithShape="1">
-            <a:gsLst>
-              <a:gs pos="0">
-                <a:srgbClr val="C00000">
-                  <a:shade val="30000"/>
-                  <a:satMod val="115000"/>
-                </a:srgbClr>
-              </a:gs>
-              <a:gs pos="50000">
-                <a:srgbClr val="C00000">
-                  <a:shade val="67500"/>
-                  <a:satMod val="115000"/>
-                </a:srgbClr>
-              </a:gs>
-              <a:gs pos="100000">
-                <a:srgbClr val="C00000">
-                  <a:shade val="100000"/>
-                  <a:satMod val="115000"/>
-                </a:srgbClr>
-              </a:gs>
-            </a:gsLst>
-            <a:path path="circle">
-              <a:fillToRect t="100000" r="100000"/>
-            </a:path>
-            <a:tileRect l="-100000" b="-100000"/>
-          </a:gradFill>
-        </p:spPr>
-        <p:txBody>
-          <a:bodyPr>
-            <a:normAutofit/>
-          </a:bodyPr>
-          <a:lstStyle/>
-          <a:p>
-            <a:pPr algn="l"/>
-            <a:r>
-              <a:rPr lang="en-US" altLang="zh-TW" b="1" dirty="0">
-                <a:solidFill>
-                  <a:srgbClr val="FFFF00"/>
-                </a:solidFill>
-              </a:rPr>
-              <a:t>8 Docker Command</a:t>
-            </a:r>
-            <a:endParaRPr lang="zh-TW" altLang="en-US" b="1" dirty="0">
-              <a:solidFill>
-                <a:srgbClr val="FFFF00"/>
-              </a:solidFill>
-            </a:endParaRPr>
-          </a:p>
-        </p:txBody>
-      </p:sp>
-      <p:sp>
-        <p:nvSpPr>
-          <p:cNvPr id="3" name="副標題 2"/>
-          <p:cNvSpPr>
-            <a:spLocks noGrp="1"/>
-          </p:cNvSpPr>
-          <p:nvPr>
-            <p:ph type="subTitle" idx="1"/>
-          </p:nvPr>
-        </p:nvSpPr>
-        <p:spPr>
-          <a:xfrm>
-            <a:off x="467544" y="1268762"/>
-            <a:ext cx="3960440" cy="3600398"/>
-          </a:xfrm>
-          <a:ln>
-            <a:solidFill>
-              <a:srgbClr val="C00000"/>
-            </a:solidFill>
-          </a:ln>
-        </p:spPr>
-        <p:txBody>
-          <a:bodyPr>
-            <a:noAutofit/>
-          </a:bodyPr>
-          <a:lstStyle/>
-          <a:p>
-            <a:pPr marL="342900" indent="-342900" algn="l">
-              <a:buClr>
-                <a:srgbClr val="0070C0"/>
-              </a:buClr>
-              <a:buSzPct val="80000"/>
-              <a:buFont typeface="Wingdings" pitchFamily="2" charset="2"/>
-              <a:buChar char="u"/>
-            </a:pPr>
-            <a:r>
-              <a:rPr lang="en-US" sz="1800" b="1" dirty="0">
-                <a:solidFill>
-                  <a:srgbClr val="C00000"/>
-                </a:solidFill>
-              </a:rPr>
-              <a:t>Docker Basic Command</a:t>
-            </a:r>
-          </a:p>
-          <a:p>
-            <a:pPr marL="342900" indent="-342900" algn="l">
-              <a:buClr>
-                <a:srgbClr val="0070C0"/>
-              </a:buClr>
-              <a:buSzPct val="80000"/>
-              <a:buFont typeface="Wingdings" pitchFamily="2" charset="2"/>
-              <a:buChar char="u"/>
-            </a:pPr>
-            <a:r>
-              <a:rPr lang="en-US" sz="1800" b="1" dirty="0">
-                <a:solidFill>
-                  <a:schemeClr val="tx1"/>
-                </a:solidFill>
-              </a:rPr>
-              <a:t>Basic command:</a:t>
-            </a:r>
-          </a:p>
-          <a:p>
-            <a:pPr marL="342900" indent="-342900" algn="l">
-              <a:buClr>
-                <a:srgbClr val="0070C0"/>
-              </a:buClr>
-              <a:buSzPct val="80000"/>
-              <a:buFont typeface="Wingdings" pitchFamily="2" charset="2"/>
-              <a:buChar char="u"/>
-            </a:pPr>
-            <a:r>
-              <a:rPr lang="en-US" sz="1800" b="1" dirty="0">
-                <a:solidFill>
-                  <a:schemeClr val="tx1"/>
-                </a:solidFill>
-              </a:rPr>
-              <a:t>&gt; docker version</a:t>
-            </a:r>
-          </a:p>
-          <a:p>
-            <a:pPr marL="342900" indent="-342900" algn="l">
-              <a:buClr>
-                <a:srgbClr val="0070C0"/>
-              </a:buClr>
-              <a:buSzPct val="80000"/>
-              <a:buFont typeface="Wingdings" pitchFamily="2" charset="2"/>
-              <a:buChar char="u"/>
-            </a:pPr>
-            <a:r>
-              <a:rPr lang="en-US" sz="1800" b="1" dirty="0">
-                <a:solidFill>
-                  <a:schemeClr val="tx1"/>
-                </a:solidFill>
-              </a:rPr>
-              <a:t>&gt; docker -v</a:t>
-            </a:r>
-          </a:p>
-          <a:p>
-            <a:pPr marL="342900" indent="-342900" algn="l">
-              <a:buClr>
-                <a:srgbClr val="0070C0"/>
-              </a:buClr>
-              <a:buSzPct val="80000"/>
-              <a:buFont typeface="Wingdings" pitchFamily="2" charset="2"/>
-              <a:buChar char="u"/>
-            </a:pPr>
-            <a:r>
-              <a:rPr lang="en-US" sz="1800" b="1" dirty="0">
-                <a:solidFill>
-                  <a:schemeClr val="tx1"/>
-                </a:solidFill>
-              </a:rPr>
-              <a:t>&gt; docker info</a:t>
-            </a:r>
-          </a:p>
-          <a:p>
-            <a:pPr marL="342900" indent="-342900" algn="l">
-              <a:buClr>
-                <a:srgbClr val="0070C0"/>
-              </a:buClr>
-              <a:buSzPct val="80000"/>
-              <a:buFont typeface="Wingdings" pitchFamily="2" charset="2"/>
-              <a:buChar char="u"/>
-            </a:pPr>
-            <a:r>
-              <a:rPr lang="en-US" sz="1800" b="1" dirty="0">
-                <a:solidFill>
-                  <a:schemeClr val="tx1"/>
-                </a:solidFill>
-              </a:rPr>
-              <a:t>&gt; docker --help</a:t>
-            </a:r>
-          </a:p>
-          <a:p>
-            <a:pPr marL="342900" indent="-342900" algn="l">
-              <a:buClr>
-                <a:srgbClr val="0070C0"/>
-              </a:buClr>
-              <a:buSzPct val="80000"/>
-              <a:buFont typeface="Wingdings" pitchFamily="2" charset="2"/>
-              <a:buChar char="u"/>
-            </a:pPr>
-            <a:r>
-              <a:rPr lang="en-US" sz="1800" b="1" dirty="0">
-                <a:solidFill>
-                  <a:schemeClr val="tx1"/>
-                </a:solidFill>
-              </a:rPr>
-              <a:t>&gt; docker login</a:t>
-            </a:r>
-          </a:p>
-          <a:p>
-            <a:pPr marL="342900" indent="-342900" algn="l">
-              <a:buClr>
-                <a:srgbClr val="0070C0"/>
-              </a:buClr>
-              <a:buSzPct val="80000"/>
-              <a:buFont typeface="Wingdings" pitchFamily="2" charset="2"/>
-              <a:buChar char="u"/>
-            </a:pPr>
-            <a:r>
-              <a:rPr lang="en-US" sz="1800" b="1" dirty="0">
-                <a:solidFill>
-                  <a:schemeClr val="tx1"/>
-                </a:solidFill>
-              </a:rPr>
-              <a:t>Images Command:</a:t>
-            </a:r>
-          </a:p>
-          <a:p>
-            <a:pPr marL="342900" indent="-342900" algn="l">
-              <a:buClr>
-                <a:srgbClr val="0070C0"/>
-              </a:buClr>
-              <a:buSzPct val="80000"/>
-              <a:buFont typeface="Wingdings" pitchFamily="2" charset="2"/>
-              <a:buChar char="u"/>
-            </a:pPr>
-            <a:r>
-              <a:rPr lang="en-US" sz="1800" b="1" dirty="0">
-                <a:solidFill>
-                  <a:schemeClr val="tx1"/>
-                </a:solidFill>
-              </a:rPr>
-              <a:t>&gt; docker images</a:t>
-            </a:r>
-          </a:p>
-          <a:p>
-            <a:pPr marL="342900" indent="-342900" algn="l">
-              <a:buClr>
-                <a:srgbClr val="0070C0"/>
-              </a:buClr>
-              <a:buSzPct val="80000"/>
-              <a:buFont typeface="Wingdings" pitchFamily="2" charset="2"/>
-              <a:buChar char="u"/>
-            </a:pPr>
-            <a:r>
-              <a:rPr lang="en-US" sz="1800" b="1" dirty="0">
-                <a:solidFill>
-                  <a:schemeClr val="tx1"/>
-                </a:solidFill>
-              </a:rPr>
-              <a:t>&gt; docker pull</a:t>
-            </a:r>
-          </a:p>
-          <a:p>
-            <a:pPr marL="342900" indent="-342900" algn="l">
-              <a:buClr>
-                <a:srgbClr val="0070C0"/>
-              </a:buClr>
-              <a:buSzPct val="80000"/>
-              <a:buFont typeface="Wingdings" pitchFamily="2" charset="2"/>
-              <a:buChar char="u"/>
-            </a:pPr>
-            <a:r>
-              <a:rPr lang="en-US" sz="1800" b="1" dirty="0">
-                <a:solidFill>
-                  <a:schemeClr val="tx1"/>
-                </a:solidFill>
-              </a:rPr>
-              <a:t>&gt; docker </a:t>
-            </a:r>
-            <a:r>
-              <a:rPr lang="en-US" sz="1800" b="1" dirty="0" err="1">
-                <a:solidFill>
-                  <a:schemeClr val="tx1"/>
-                </a:solidFill>
-              </a:rPr>
-              <a:t>rmi</a:t>
-            </a:r>
-            <a:endParaRPr lang="en-US" sz="1800" b="1" dirty="0">
-              <a:solidFill>
-                <a:schemeClr val="tx1"/>
-              </a:solidFill>
-            </a:endParaRPr>
-          </a:p>
-        </p:txBody>
-      </p:sp>
-      <p:sp>
-        <p:nvSpPr>
-          <p:cNvPr id="4" name="標題 1"/>
-          <p:cNvSpPr txBox="1">
-            <a:spLocks/>
-          </p:cNvSpPr>
-          <p:nvPr/>
-        </p:nvSpPr>
-        <p:spPr>
-          <a:xfrm>
-            <a:off x="0" y="764704"/>
-            <a:ext cx="9144000" cy="360040"/>
-          </a:xfrm>
-          <a:prstGeom prst="rect">
-            <a:avLst/>
-          </a:prstGeom>
-          <a:gradFill flip="none" rotWithShape="1">
-            <a:gsLst>
-              <a:gs pos="0">
-                <a:srgbClr val="00B0F0">
-                  <a:shade val="30000"/>
-                  <a:satMod val="115000"/>
-                </a:srgbClr>
-              </a:gs>
-              <a:gs pos="50000">
-                <a:srgbClr val="00B0F0">
-                  <a:shade val="67500"/>
-                  <a:satMod val="115000"/>
-                </a:srgbClr>
-              </a:gs>
-              <a:gs pos="100000">
-                <a:srgbClr val="00B0F0">
-                  <a:shade val="100000"/>
-                  <a:satMod val="115000"/>
-                </a:srgbClr>
-              </a:gs>
-            </a:gsLst>
-            <a:path path="circle">
-              <a:fillToRect t="100000" r="100000"/>
-            </a:path>
-            <a:tileRect l="-100000" b="-100000"/>
-          </a:gradFill>
-        </p:spPr>
-        <p:txBody>
-          <a:bodyPr vert="horz" lIns="91440" tIns="45720" rIns="91440" bIns="45720" rtlCol="0" anchor="ctr">
-            <a:normAutofit fontScale="92500"/>
-          </a:bodyPr>
-          <a:lstStyle/>
-          <a:p>
-            <a:pPr lvl="0">
-              <a:spcBef>
-                <a:spcPct val="0"/>
-              </a:spcBef>
-            </a:pPr>
-            <a:r>
-              <a:rPr lang="en-US" sz="1600" dirty="0">
-                <a:hlinkClick r:id="rId2"/>
-              </a:rPr>
-              <a:t>https://www.youtube.com/watch?v=HqBMEmoAd1M&amp;list=PLhW3qG5bs-L99pQsZ74f-LC-tOEsBp2rK&amp;index=8</a:t>
-            </a:r>
-            <a:endParaRPr kumimoji="0" lang="zh-TW" altLang="en-US" sz="1600" b="0" i="0" u="none" strike="noStrike" kern="1200" cap="none" spc="0" normalizeH="0" baseline="0" noProof="0" dirty="0">
-              <a:ln>
-                <a:noFill/>
-              </a:ln>
-              <a:solidFill>
-                <a:schemeClr val="tx1"/>
-              </a:solidFill>
-              <a:effectLst/>
-              <a:uLnTx/>
-              <a:uFillTx/>
-              <a:latin typeface="+mj-lt"/>
-              <a:ea typeface="+mj-ea"/>
-              <a:cs typeface="+mj-cs"/>
-            </a:endParaRPr>
-          </a:p>
-        </p:txBody>
-      </p:sp>
-      <p:sp>
-        <p:nvSpPr>
-          <p:cNvPr id="5" name="日期版面配置區 4"/>
-          <p:cNvSpPr>
-            <a:spLocks noGrp="1"/>
-          </p:cNvSpPr>
-          <p:nvPr>
-            <p:ph type="dt" sz="half" idx="10"/>
-          </p:nvPr>
-        </p:nvSpPr>
-        <p:spPr/>
-        <p:txBody>
-          <a:bodyPr/>
-          <a:lstStyle/>
-          <a:p>
-            <a:fld id="{A4F910E6-8D00-4BAF-8C48-9688E0B449D3}" type="datetime1">
-              <a:rPr lang="zh-TW" altLang="en-US" smtClean="0"/>
-              <a:pPr/>
-              <a:t>2020/4/28</a:t>
-            </a:fld>
-            <a:endParaRPr lang="zh-TW" altLang="en-US"/>
-          </a:p>
-        </p:txBody>
-      </p:sp>
-      <p:sp>
-        <p:nvSpPr>
-          <p:cNvPr id="6" name="投影片編號版面配置區 5"/>
-          <p:cNvSpPr>
-            <a:spLocks noGrp="1"/>
-          </p:cNvSpPr>
-          <p:nvPr>
-            <p:ph type="sldNum" sz="quarter" idx="12"/>
-          </p:nvPr>
-        </p:nvSpPr>
-        <p:spPr/>
-        <p:txBody>
-          <a:bodyPr/>
-          <a:lstStyle/>
-          <a:p>
-            <a:fld id="{E4D7E63D-91F2-4366-A2C4-1B00C9E2590E}" type="slidenum">
-              <a:rPr lang="zh-TW" altLang="en-US" smtClean="0"/>
-              <a:pPr/>
-              <a:t>2</a:t>
-            </a:fld>
-            <a:endParaRPr lang="zh-TW" altLang="en-US"/>
-          </a:p>
-        </p:txBody>
-      </p:sp>
-      <p:sp>
-        <p:nvSpPr>
-          <p:cNvPr id="7" name="副標題 2">
-            <a:extLst>
-              <a:ext uri="{FF2B5EF4-FFF2-40B4-BE49-F238E27FC236}">
-                <a16:creationId xmlns:a16="http://schemas.microsoft.com/office/drawing/2014/main" id="{AB6B3C30-52CF-4E12-9C77-3B161E914AC4}"/>
-              </a:ext>
-            </a:extLst>
-          </p:cNvPr>
-          <p:cNvSpPr txBox="1">
-            <a:spLocks/>
-          </p:cNvSpPr>
-          <p:nvPr/>
-        </p:nvSpPr>
-        <p:spPr>
-          <a:xfrm>
-            <a:off x="4896997" y="1208992"/>
-            <a:ext cx="3765529" cy="3041859"/>
-          </a:xfrm>
-          <a:prstGeom prst="rect">
-            <a:avLst/>
-          </a:prstGeom>
-          <a:ln>
-            <a:solidFill>
-              <a:srgbClr val="C00000"/>
-            </a:solidFill>
-          </a:ln>
-        </p:spPr>
-        <p:txBody>
-          <a:bodyPr vert="horz" lIns="91440" tIns="45720" rIns="91440" bIns="45720" rtlCol="0">
-            <a:noAutofit/>
-          </a:bodyPr>
-          <a:lstStyle>
-            <a:lvl1pPr marL="0" indent="0" algn="ctr" defTabSz="914400" rtl="0" eaLnBrk="1" latinLnBrk="0" hangingPunct="1">
-              <a:spcBef>
-                <a:spcPct val="20000"/>
-              </a:spcBef>
-              <a:buFont typeface="Arial" pitchFamily="34" charset="0"/>
-              <a:buNone/>
-              <a:defRPr sz="3200" kern="1200">
-                <a:solidFill>
-                  <a:schemeClr val="tx1">
-                    <a:tint val="75000"/>
-                  </a:schemeClr>
-                </a:solidFill>
-                <a:latin typeface="+mn-lt"/>
-                <a:ea typeface="+mn-ea"/>
-                <a:cs typeface="+mn-cs"/>
-              </a:defRPr>
-            </a:lvl1pPr>
-            <a:lvl2pPr marL="457200" indent="0" algn="ctr" defTabSz="914400" rtl="0" eaLnBrk="1" latinLnBrk="0" hangingPunct="1">
-              <a:spcBef>
-                <a:spcPct val="20000"/>
-              </a:spcBef>
-              <a:buFont typeface="Arial" pitchFamily="34" charset="0"/>
-              <a:buNone/>
-              <a:defRPr sz="2800" kern="1200">
-                <a:solidFill>
-                  <a:schemeClr val="tx1">
-                    <a:tint val="75000"/>
-                  </a:schemeClr>
-                </a:solidFill>
-                <a:latin typeface="+mn-lt"/>
-                <a:ea typeface="+mn-ea"/>
-                <a:cs typeface="+mn-cs"/>
-              </a:defRPr>
-            </a:lvl2pPr>
-            <a:lvl3pPr marL="914400" indent="0" algn="ctr" defTabSz="914400" rtl="0" eaLnBrk="1" latinLnBrk="0" hangingPunct="1">
-              <a:spcBef>
-                <a:spcPct val="20000"/>
-              </a:spcBef>
-              <a:buFont typeface="Arial" pitchFamily="34" charset="0"/>
-              <a:buNone/>
-              <a:defRPr sz="2400" kern="1200">
-                <a:solidFill>
-                  <a:schemeClr val="tx1">
-                    <a:tint val="75000"/>
-                  </a:schemeClr>
-                </a:solidFill>
-                <a:latin typeface="+mn-lt"/>
-                <a:ea typeface="+mn-ea"/>
-                <a:cs typeface="+mn-cs"/>
-              </a:defRPr>
-            </a:lvl3pPr>
-            <a:lvl4pPr marL="1371600" indent="0" algn="ctr" defTabSz="914400" rtl="0" eaLnBrk="1" latinLnBrk="0" hangingPunct="1">
-              <a:spcBef>
-                <a:spcPct val="20000"/>
-              </a:spcBef>
-              <a:buFont typeface="Arial" pitchFamily="34" charset="0"/>
-              <a:buNone/>
-              <a:defRPr sz="2000" kern="1200">
-                <a:solidFill>
-                  <a:schemeClr val="tx1">
-                    <a:tint val="75000"/>
-                  </a:schemeClr>
-                </a:solidFill>
-                <a:latin typeface="+mn-lt"/>
-                <a:ea typeface="+mn-ea"/>
-                <a:cs typeface="+mn-cs"/>
-              </a:defRPr>
-            </a:lvl4pPr>
-            <a:lvl5pPr marL="1828800" indent="0" algn="ctr" defTabSz="914400" rtl="0" eaLnBrk="1" latinLnBrk="0" hangingPunct="1">
-              <a:spcBef>
-                <a:spcPct val="20000"/>
-              </a:spcBef>
-              <a:buFont typeface="Arial" pitchFamily="34" charset="0"/>
-              <a:buNone/>
-              <a:defRPr sz="2000" kern="1200">
-                <a:solidFill>
-                  <a:schemeClr val="tx1">
-                    <a:tint val="75000"/>
-                  </a:schemeClr>
-                </a:solidFill>
-                <a:latin typeface="+mn-lt"/>
-                <a:ea typeface="+mn-ea"/>
-                <a:cs typeface="+mn-cs"/>
-              </a:defRPr>
-            </a:lvl5pPr>
-            <a:lvl6pPr marL="2286000" indent="0" algn="ctr" defTabSz="914400" rtl="0" eaLnBrk="1" latinLnBrk="0" hangingPunct="1">
-              <a:spcBef>
-                <a:spcPct val="20000"/>
-              </a:spcBef>
-              <a:buFont typeface="Arial" pitchFamily="34" charset="0"/>
-              <a:buNone/>
-              <a:defRPr sz="2000" kern="1200">
-                <a:solidFill>
-                  <a:schemeClr val="tx1">
-                    <a:tint val="75000"/>
-                  </a:schemeClr>
-                </a:solidFill>
-                <a:latin typeface="+mn-lt"/>
-                <a:ea typeface="+mn-ea"/>
-                <a:cs typeface="+mn-cs"/>
-              </a:defRPr>
-            </a:lvl6pPr>
-            <a:lvl7pPr marL="2743200" indent="0" algn="ctr" defTabSz="914400" rtl="0" eaLnBrk="1" latinLnBrk="0" hangingPunct="1">
-              <a:spcBef>
-                <a:spcPct val="20000"/>
-              </a:spcBef>
-              <a:buFont typeface="Arial" pitchFamily="34" charset="0"/>
-              <a:buNone/>
-              <a:defRPr sz="2000" kern="1200">
-                <a:solidFill>
-                  <a:schemeClr val="tx1">
-                    <a:tint val="75000"/>
-                  </a:schemeClr>
-                </a:solidFill>
-                <a:latin typeface="+mn-lt"/>
-                <a:ea typeface="+mn-ea"/>
-                <a:cs typeface="+mn-cs"/>
-              </a:defRPr>
-            </a:lvl7pPr>
-            <a:lvl8pPr marL="3200400" indent="0" algn="ctr" defTabSz="914400" rtl="0" eaLnBrk="1" latinLnBrk="0" hangingPunct="1">
-              <a:spcBef>
-                <a:spcPct val="20000"/>
-              </a:spcBef>
-              <a:buFont typeface="Arial" pitchFamily="34" charset="0"/>
-              <a:buNone/>
-              <a:defRPr sz="2000" kern="1200">
-                <a:solidFill>
-                  <a:schemeClr val="tx1">
-                    <a:tint val="75000"/>
-                  </a:schemeClr>
-                </a:solidFill>
-                <a:latin typeface="+mn-lt"/>
-                <a:ea typeface="+mn-ea"/>
-                <a:cs typeface="+mn-cs"/>
-              </a:defRPr>
-            </a:lvl8pPr>
-            <a:lvl9pPr marL="3657600" indent="0" algn="ctr" defTabSz="914400" rtl="0" eaLnBrk="1" latinLnBrk="0" hangingPunct="1">
-              <a:spcBef>
-                <a:spcPct val="20000"/>
-              </a:spcBef>
-              <a:buFont typeface="Arial" pitchFamily="34" charset="0"/>
-              <a:buNone/>
-              <a:defRPr sz="2000" kern="1200">
-                <a:solidFill>
-                  <a:schemeClr val="tx1">
-                    <a:tint val="75000"/>
-                  </a:schemeClr>
-                </a:solidFill>
-                <a:latin typeface="+mn-lt"/>
-                <a:ea typeface="+mn-ea"/>
-                <a:cs typeface="+mn-cs"/>
-              </a:defRPr>
-            </a:lvl9pPr>
-          </a:lstStyle>
-          <a:p>
-            <a:pPr marL="342900" indent="-342900" algn="l">
-              <a:buClr>
-                <a:srgbClr val="0070C0"/>
-              </a:buClr>
-              <a:buSzPct val="80000"/>
-              <a:buFont typeface="Wingdings" pitchFamily="2" charset="2"/>
-              <a:buChar char="u"/>
-            </a:pPr>
-            <a:r>
-              <a:rPr lang="en-US" sz="1800" b="1" dirty="0">
-                <a:solidFill>
-                  <a:schemeClr val="tx1"/>
-                </a:solidFill>
-              </a:rPr>
-              <a:t>Containers Command:</a:t>
-            </a:r>
-          </a:p>
-          <a:p>
-            <a:pPr marL="342900" indent="-342900" algn="l">
-              <a:buClr>
-                <a:srgbClr val="0070C0"/>
-              </a:buClr>
-              <a:buSzPct val="80000"/>
-              <a:buFont typeface="Wingdings" pitchFamily="2" charset="2"/>
-              <a:buChar char="u"/>
-            </a:pPr>
-            <a:r>
-              <a:rPr lang="en-US" sz="1800" b="1" dirty="0">
-                <a:solidFill>
-                  <a:schemeClr val="tx1"/>
-                </a:solidFill>
-              </a:rPr>
-              <a:t>&gt; docker </a:t>
-            </a:r>
-            <a:r>
-              <a:rPr lang="en-US" sz="1800" b="1" dirty="0" err="1">
-                <a:solidFill>
-                  <a:schemeClr val="tx1"/>
-                </a:solidFill>
-              </a:rPr>
-              <a:t>ps</a:t>
-            </a:r>
-            <a:endParaRPr lang="en-US" sz="1800" b="1" dirty="0">
-              <a:solidFill>
-                <a:schemeClr val="tx1"/>
-              </a:solidFill>
-            </a:endParaRPr>
-          </a:p>
-          <a:p>
-            <a:pPr marL="342900" indent="-342900" algn="l">
-              <a:buClr>
-                <a:srgbClr val="0070C0"/>
-              </a:buClr>
-              <a:buSzPct val="80000"/>
-              <a:buFont typeface="Wingdings" pitchFamily="2" charset="2"/>
-              <a:buChar char="u"/>
-            </a:pPr>
-            <a:r>
-              <a:rPr lang="en-US" sz="1800" b="1" dirty="0">
-                <a:solidFill>
-                  <a:schemeClr val="tx1"/>
-                </a:solidFill>
-              </a:rPr>
-              <a:t>&gt; docker run</a:t>
-            </a:r>
-          </a:p>
-          <a:p>
-            <a:pPr marL="342900" indent="-342900" algn="l">
-              <a:buClr>
-                <a:srgbClr val="0070C0"/>
-              </a:buClr>
-              <a:buSzPct val="80000"/>
-              <a:buFont typeface="Wingdings" pitchFamily="2" charset="2"/>
-              <a:buChar char="u"/>
-            </a:pPr>
-            <a:r>
-              <a:rPr lang="en-US" sz="1800" b="1" dirty="0">
-                <a:solidFill>
-                  <a:schemeClr val="tx1"/>
-                </a:solidFill>
-              </a:rPr>
-              <a:t>&gt; docker start</a:t>
-            </a:r>
-          </a:p>
-          <a:p>
-            <a:pPr marL="342900" indent="-342900" algn="l">
-              <a:buClr>
-                <a:srgbClr val="0070C0"/>
-              </a:buClr>
-              <a:buSzPct val="80000"/>
-              <a:buFont typeface="Wingdings" pitchFamily="2" charset="2"/>
-              <a:buChar char="u"/>
-            </a:pPr>
-            <a:r>
-              <a:rPr lang="en-US" sz="1800" b="1" dirty="0">
-                <a:solidFill>
-                  <a:schemeClr val="tx1"/>
-                </a:solidFill>
-              </a:rPr>
-              <a:t>&gt; docker stop</a:t>
-            </a:r>
-          </a:p>
-          <a:p>
-            <a:pPr marL="342900" indent="-342900" algn="l">
-              <a:buClr>
-                <a:srgbClr val="0070C0"/>
-              </a:buClr>
-              <a:buSzPct val="80000"/>
-              <a:buFont typeface="Wingdings" pitchFamily="2" charset="2"/>
-              <a:buChar char="u"/>
-            </a:pPr>
-            <a:r>
-              <a:rPr lang="en-US" sz="1800" b="1" dirty="0">
-                <a:solidFill>
-                  <a:schemeClr val="tx1"/>
-                </a:solidFill>
-              </a:rPr>
-              <a:t>System Command:</a:t>
-            </a:r>
-          </a:p>
-          <a:p>
-            <a:pPr marL="342900" indent="-342900" algn="l">
-              <a:buClr>
-                <a:srgbClr val="0070C0"/>
-              </a:buClr>
-              <a:buSzPct val="80000"/>
-              <a:buFont typeface="Wingdings" pitchFamily="2" charset="2"/>
-              <a:buChar char="u"/>
-            </a:pPr>
-            <a:r>
-              <a:rPr lang="en-US" sz="1800" b="1" dirty="0">
-                <a:solidFill>
-                  <a:schemeClr val="tx1"/>
-                </a:solidFill>
-              </a:rPr>
-              <a:t>&gt; docker stats</a:t>
-            </a:r>
-          </a:p>
-          <a:p>
-            <a:pPr marL="342900" indent="-342900" algn="l">
-              <a:buClr>
-                <a:srgbClr val="0070C0"/>
-              </a:buClr>
-              <a:buSzPct val="80000"/>
-              <a:buFont typeface="Wingdings" pitchFamily="2" charset="2"/>
-              <a:buChar char="u"/>
-            </a:pPr>
-            <a:r>
-              <a:rPr lang="en-US" sz="1800" b="1" dirty="0">
-                <a:solidFill>
-                  <a:schemeClr val="tx1"/>
-                </a:solidFill>
-              </a:rPr>
-              <a:t>&gt; docker system df</a:t>
-            </a:r>
-          </a:p>
-          <a:p>
-            <a:pPr marL="342900" indent="-342900" algn="l">
-              <a:buClr>
-                <a:srgbClr val="0070C0"/>
-              </a:buClr>
-              <a:buSzPct val="80000"/>
-              <a:buFont typeface="Wingdings" pitchFamily="2" charset="2"/>
-              <a:buChar char="u"/>
-            </a:pPr>
-            <a:r>
-              <a:rPr lang="en-US" sz="1800" b="1" dirty="0">
-                <a:solidFill>
-                  <a:schemeClr val="tx1"/>
-                </a:solidFill>
-              </a:rPr>
-              <a:t>&gt; docker system prune</a:t>
-            </a:r>
-          </a:p>
-        </p:txBody>
-      </p:sp>
-    </p:spTree>
-    <p:extLst>
-      <p:ext uri="{BB962C8B-B14F-4D97-AF65-F5344CB8AC3E}">
-        <p14:creationId xmlns:p14="http://schemas.microsoft.com/office/powerpoint/2010/main" val="2779232521"/>
-      </p:ext>
-    </p:extLst>
-  </p:cSld>
-  <p:clrMapOvr>
-    <a:masterClrMapping/>
-  </p:clrMapOvr>
-</p:sld>
-</file>
-
-<file path=ppt/slides/slide20.xml><?xml version="1.0" encoding="utf-8"?>
-<p:sld xmlns:a="http://schemas.openxmlformats.org/drawingml/2006/main" xmlns:r="http://schemas.openxmlformats.org/officeDocument/2006/relationships" xmlns:p="http://schemas.openxmlformats.org/presentationml/2006/main">
-  <p:cSld>
-    <p:spTree>
-      <p:nvGrpSpPr>
-        <p:cNvPr id="1" name=""/>
-        <p:cNvGrpSpPr/>
-        <p:nvPr/>
-      </p:nvGrpSpPr>
-      <p:grpSpPr>
-        <a:xfrm>
-          <a:off x="0" y="0"/>
-          <a:ext cx="0" cy="0"/>
-          <a:chOff x="0" y="0"/>
-          <a:chExt cx="0" cy="0"/>
-        </a:xfrm>
-      </p:grpSpPr>
-      <p:sp>
-        <p:nvSpPr>
-          <p:cNvPr id="2" name="標題 1"/>
-          <p:cNvSpPr>
-            <a:spLocks noGrp="1"/>
-          </p:cNvSpPr>
-          <p:nvPr>
-            <p:ph type="ctrTitle"/>
-          </p:nvPr>
-        </p:nvSpPr>
-        <p:spPr>
-          <a:xfrm>
             <a:off x="0" y="2130425"/>
             <a:ext cx="9144000" cy="1470025"/>
           </a:xfrm>
@@ -7565,7 +10208,7 @@
             <a:fld id="{C389EDC9-19E3-47AC-9C57-C6A24DEA81AD}" type="datetime1">
               <a:rPr lang="zh-TW" altLang="en-US" smtClean="0"/>
               <a:pPr/>
-              <a:t>2020/4/28</a:t>
+              <a:t>2021/12/9</a:t>
             </a:fld>
             <a:endParaRPr lang="zh-TW" altLang="en-US"/>
           </a:p>
@@ -7589,7 +10232,7 @@
             <a:fld id="{E4D7E63D-91F2-4366-A2C4-1B00C9E2590E}" type="slidenum">
               <a:rPr lang="zh-TW" altLang="en-US" smtClean="0"/>
               <a:pPr/>
-              <a:t>20</a:t>
+              <a:t>24</a:t>
             </a:fld>
             <a:endParaRPr lang="zh-TW" altLang="en-US"/>
           </a:p>
@@ -7638,7 +10281,7 @@
 </p:sld>
 </file>
 
-<file path=ppt/slides/slide21.xml><?xml version="1.0" encoding="utf-8"?>
+<file path=ppt/slides/slide25.xml><?xml version="1.0" encoding="utf-8"?>
 <p:sld xmlns:a="http://schemas.openxmlformats.org/drawingml/2006/main" xmlns:r="http://schemas.openxmlformats.org/officeDocument/2006/relationships" xmlns:p="http://schemas.openxmlformats.org/presentationml/2006/main">
   <p:cSld>
     <p:spTree>
@@ -7897,7 +10540,7 @@
             <a:fld id="{A4F910E6-8D00-4BAF-8C48-9688E0B449D3}" type="datetime1">
               <a:rPr lang="zh-TW" altLang="en-US" smtClean="0"/>
               <a:pPr/>
-              <a:t>2020/4/28</a:t>
+              <a:t>2021/12/9</a:t>
             </a:fld>
             <a:endParaRPr lang="zh-TW" altLang="en-US"/>
           </a:p>
@@ -7921,7 +10564,7 @@
             <a:fld id="{E4D7E63D-91F2-4366-A2C4-1B00C9E2590E}" type="slidenum">
               <a:rPr lang="zh-TW" altLang="en-US" smtClean="0"/>
               <a:pPr/>
-              <a:t>21</a:t>
+              <a:t>25</a:t>
             </a:fld>
             <a:endParaRPr lang="zh-TW" altLang="en-US"/>
           </a:p>
@@ -7940,7 +10583,7 @@
 </p:sld>
 </file>
 
-<file path=ppt/slides/slide22.xml><?xml version="1.0" encoding="utf-8"?>
+<file path=ppt/slides/slide26.xml><?xml version="1.0" encoding="utf-8"?>
 <p:sld xmlns:a="http://schemas.openxmlformats.org/drawingml/2006/main" xmlns:r="http://schemas.openxmlformats.org/officeDocument/2006/relationships" xmlns:p="http://schemas.openxmlformats.org/presentationml/2006/main">
   <p:cSld>
     <p:spTree>
@@ -8039,7 +10682,7 @@
             <a:fld id="{4E46BE27-E923-4EC2-B046-3272AE2A3E5C}" type="datetime1">
               <a:rPr lang="zh-TW" altLang="en-US" smtClean="0"/>
               <a:pPr/>
-              <a:t>2020/4/28</a:t>
+              <a:t>2021/12/9</a:t>
             </a:fld>
             <a:endParaRPr lang="zh-TW" altLang="en-US"/>
           </a:p>
@@ -8063,7 +10706,7 @@
             <a:fld id="{E4D7E63D-91F2-4366-A2C4-1B00C9E2590E}" type="slidenum">
               <a:rPr lang="zh-TW" altLang="en-US" smtClean="0"/>
               <a:pPr/>
-              <a:t>22</a:t>
+              <a:t>26</a:t>
             </a:fld>
             <a:endParaRPr lang="zh-TW" altLang="en-US"/>
           </a:p>
@@ -8200,7 +10843,7 @@
                   <a:srgbClr val="C00000"/>
                 </a:solidFill>
               </a:rPr>
-              <a:t>Start Docker Server</a:t>
+              <a:t>Start Docker Server (Optional for Windows)</a:t>
             </a:r>
           </a:p>
           <a:p>
@@ -8334,7 +10977,7 @@
             <a:fld id="{A4F910E6-8D00-4BAF-8C48-9688E0B449D3}" type="datetime1">
               <a:rPr lang="zh-TW" altLang="en-US" smtClean="0"/>
               <a:pPr/>
-              <a:t>2020/4/28</a:t>
+              <a:t>2021/12/9</a:t>
             </a:fld>
             <a:endParaRPr lang="zh-TW" altLang="en-US"/>
           </a:p>
@@ -8568,7 +11211,7 @@
             <a:fld id="{C389EDC9-19E3-47AC-9C57-C6A24DEA81AD}" type="datetime1">
               <a:rPr lang="zh-TW" altLang="en-US" smtClean="0"/>
               <a:pPr/>
-              <a:t>2020/4/28</a:t>
+              <a:t>2021/12/9</a:t>
             </a:fld>
             <a:endParaRPr lang="zh-TW" altLang="en-US"/>
           </a:p>
@@ -8736,7 +11379,7 @@
         <p:spPr>
           <a:xfrm>
             <a:off x="467544" y="1268761"/>
-            <a:ext cx="3384376" cy="1872207"/>
+            <a:ext cx="3384376" cy="2808311"/>
           </a:xfrm>
           <a:ln>
             <a:solidFill>
@@ -8783,6 +11426,42 @@
                 </a:solidFill>
               </a:rPr>
               <a:t>Open Command Prompt:</a:t>
+            </a:r>
+          </a:p>
+          <a:p>
+            <a:pPr marL="342900" indent="-342900" algn="l">
+              <a:buClr>
+                <a:srgbClr val="0070C0"/>
+              </a:buClr>
+              <a:buSzPct val="80000"/>
+              <a:buFont typeface="Wingdings" pitchFamily="2" charset="2"/>
+              <a:buChar char="u"/>
+            </a:pPr>
+            <a:r>
+              <a:rPr lang="en-US" sz="1800" b="1" dirty="0">
+                <a:solidFill>
+                  <a:schemeClr val="tx1"/>
+                </a:solidFill>
+              </a:rPr>
+              <a:t>Change from user to sudo user.</a:t>
+            </a:r>
+          </a:p>
+          <a:p>
+            <a:pPr marL="342900" indent="-342900" algn="l">
+              <a:buClr>
+                <a:srgbClr val="0070C0"/>
+              </a:buClr>
+              <a:buSzPct val="80000"/>
+              <a:buFont typeface="Wingdings" pitchFamily="2" charset="2"/>
+              <a:buChar char="u"/>
+            </a:pPr>
+            <a:r>
+              <a:rPr lang="en-US" sz="1800" b="1" dirty="0">
+                <a:solidFill>
+                  <a:schemeClr val="tx1"/>
+                </a:solidFill>
+              </a:rPr>
+              <a:t>&gt; sudo -i</a:t>
             </a:r>
           </a:p>
           <a:p>
@@ -8918,7 +11597,7 @@
             <a:fld id="{A4F910E6-8D00-4BAF-8C48-9688E0B449D3}" type="datetime1">
               <a:rPr lang="zh-TW" altLang="en-US" smtClean="0"/>
               <a:pPr/>
-              <a:t>2020/4/28</a:t>
+              <a:t>2021/12/9</a:t>
             </a:fld>
             <a:endParaRPr lang="zh-TW" altLang="en-US"/>
           </a:p>
@@ -8950,10 +11629,10 @@
       </p:sp>
       <p:pic>
         <p:nvPicPr>
-          <p:cNvPr id="7" name="Picture 6">
+          <p:cNvPr id="9" name="Picture 8">
             <a:extLst>
               <a:ext uri="{FF2B5EF4-FFF2-40B4-BE49-F238E27FC236}">
-                <a16:creationId xmlns:a16="http://schemas.microsoft.com/office/drawing/2014/main" id="{C20627D5-F4C6-4B37-A365-5638A18CAA8F}"/>
+                <a16:creationId xmlns:a16="http://schemas.microsoft.com/office/drawing/2014/main" id="{F281C1D9-396D-4D81-9B26-7638C796A18F}"/>
               </a:ext>
             </a:extLst>
           </p:cNvPr>
@@ -8970,8 +11649,8 @@
         </p:blipFill>
         <p:spPr>
           <a:xfrm>
-            <a:off x="4283968" y="1340768"/>
-            <a:ext cx="4186576" cy="4334048"/>
+            <a:off x="4247331" y="1312561"/>
+            <a:ext cx="4429125" cy="4648200"/>
           </a:xfrm>
           <a:prstGeom prst="rect">
             <a:avLst/>
@@ -9291,7 +11970,7 @@
             <a:fld id="{A4F910E6-8D00-4BAF-8C48-9688E0B449D3}" type="datetime1">
               <a:rPr lang="zh-TW" altLang="en-US" smtClean="0"/>
               <a:pPr/>
-              <a:t>2020/4/28</a:t>
+              <a:t>2021/12/9</a:t>
             </a:fld>
             <a:endParaRPr lang="zh-TW" altLang="en-US"/>
           </a:p>
@@ -9323,10 +12002,10 @@
       </p:sp>
       <p:pic>
         <p:nvPicPr>
-          <p:cNvPr id="11" name="Picture 10">
+          <p:cNvPr id="8" name="Picture 7">
             <a:extLst>
               <a:ext uri="{FF2B5EF4-FFF2-40B4-BE49-F238E27FC236}">
-                <a16:creationId xmlns:a16="http://schemas.microsoft.com/office/drawing/2014/main" id="{79FF33C6-B6CE-4195-878E-397D945ECA2E}"/>
+                <a16:creationId xmlns:a16="http://schemas.microsoft.com/office/drawing/2014/main" id="{656F6B9D-1FEB-4AC3-836C-5B1193CA3986}"/>
               </a:ext>
             </a:extLst>
           </p:cNvPr>
@@ -9343,8 +12022,8 @@
         </p:blipFill>
         <p:spPr>
           <a:xfrm>
-            <a:off x="2590800" y="3218500"/>
-            <a:ext cx="3257550" cy="876300"/>
+            <a:off x="1979712" y="3287712"/>
+            <a:ext cx="4810125" cy="923925"/>
           </a:xfrm>
           <a:prstGeom prst="rect">
             <a:avLst/>
@@ -9464,7 +12143,7 @@
         <p:spPr>
           <a:xfrm>
             <a:off x="467544" y="1268760"/>
-            <a:ext cx="4032448" cy="3240360"/>
+            <a:ext cx="2880320" cy="3456384"/>
           </a:xfrm>
           <a:ln>
             <a:solidFill>
@@ -9715,7 +12394,7 @@
             <a:fld id="{A4F910E6-8D00-4BAF-8C48-9688E0B449D3}" type="datetime1">
               <a:rPr lang="zh-TW" altLang="en-US" smtClean="0"/>
               <a:pPr/>
-              <a:t>2020/4/28</a:t>
+              <a:t>2021/12/9</a:t>
             </a:fld>
             <a:endParaRPr lang="zh-TW" altLang="en-US"/>
           </a:p>
@@ -9747,10 +12426,10 @@
       </p:sp>
       <p:pic>
         <p:nvPicPr>
-          <p:cNvPr id="7" name="Picture 6">
+          <p:cNvPr id="9" name="Picture 8">
             <a:extLst>
               <a:ext uri="{FF2B5EF4-FFF2-40B4-BE49-F238E27FC236}">
-                <a16:creationId xmlns:a16="http://schemas.microsoft.com/office/drawing/2014/main" id="{BE3D934A-CA94-46D1-A26B-F98141DB3F3A}"/>
+                <a16:creationId xmlns:a16="http://schemas.microsoft.com/office/drawing/2014/main" id="{00AD8FDD-6E58-4ED8-9949-50F6A7FA3F2A}"/>
               </a:ext>
             </a:extLst>
           </p:cNvPr>
@@ -9767,8 +12446,8 @@
         </p:blipFill>
         <p:spPr>
           <a:xfrm>
-            <a:off x="4763009" y="1268761"/>
-            <a:ext cx="4157666" cy="5086690"/>
+            <a:off x="3491880" y="1268760"/>
+            <a:ext cx="5363691" cy="4220732"/>
           </a:xfrm>
           <a:prstGeom prst="rect">
             <a:avLst/>
@@ -9888,7 +12567,7 @@
         <p:spPr>
           <a:xfrm>
             <a:off x="467544" y="1268760"/>
-            <a:ext cx="4032448" cy="1584176"/>
+            <a:ext cx="2736304" cy="1872208"/>
           </a:xfrm>
           <a:ln>
             <a:solidFill>
@@ -10052,7 +12731,7 @@
             <a:fld id="{A4F910E6-8D00-4BAF-8C48-9688E0B449D3}" type="datetime1">
               <a:rPr lang="zh-TW" altLang="en-US" smtClean="0"/>
               <a:pPr/>
-              <a:t>2020/4/28</a:t>
+              <a:t>2021/12/9</a:t>
             </a:fld>
             <a:endParaRPr lang="zh-TW" altLang="en-US"/>
           </a:p>
@@ -10084,10 +12763,10 @@
       </p:sp>
       <p:pic>
         <p:nvPicPr>
-          <p:cNvPr id="8" name="Picture 7">
+          <p:cNvPr id="9" name="Picture 8">
             <a:extLst>
               <a:ext uri="{FF2B5EF4-FFF2-40B4-BE49-F238E27FC236}">
-                <a16:creationId xmlns:a16="http://schemas.microsoft.com/office/drawing/2014/main" id="{1726E65A-DB87-4A5D-91C5-20B8AA2A7B78}"/>
+                <a16:creationId xmlns:a16="http://schemas.microsoft.com/office/drawing/2014/main" id="{BF491C3C-8FCF-4238-A99B-F5EB141C3439}"/>
               </a:ext>
             </a:extLst>
           </p:cNvPr>
@@ -10104,8 +12783,8 @@
         </p:blipFill>
         <p:spPr>
           <a:xfrm>
-            <a:off x="4630273" y="1224136"/>
-            <a:ext cx="4183513" cy="4869160"/>
+            <a:off x="3324746" y="1268760"/>
+            <a:ext cx="5570833" cy="3861221"/>
           </a:xfrm>
           <a:prstGeom prst="rect">
             <a:avLst/>
@@ -10407,7 +13086,7 @@
             <a:fld id="{A4F910E6-8D00-4BAF-8C48-9688E0B449D3}" type="datetime1">
               <a:rPr lang="zh-TW" altLang="en-US" smtClean="0"/>
               <a:pPr/>
-              <a:t>2020/4/28</a:t>
+              <a:t>2021/12/9</a:t>
             </a:fld>
             <a:endParaRPr lang="zh-TW" altLang="en-US"/>
           </a:p>
@@ -10439,10 +13118,10 @@
       </p:sp>
       <p:pic>
         <p:nvPicPr>
-          <p:cNvPr id="9" name="Picture 8">
+          <p:cNvPr id="8" name="Picture 7">
             <a:extLst>
               <a:ext uri="{FF2B5EF4-FFF2-40B4-BE49-F238E27FC236}">
-                <a16:creationId xmlns:a16="http://schemas.microsoft.com/office/drawing/2014/main" id="{E0651A9C-3D26-486B-9DA9-5A523A053F41}"/>
+                <a16:creationId xmlns:a16="http://schemas.microsoft.com/office/drawing/2014/main" id="{430E64D2-A3FD-4AB3-90A0-081C462A14F6}"/>
               </a:ext>
             </a:extLst>
           </p:cNvPr>
@@ -10459,8 +13138,8 @@
         </p:blipFill>
         <p:spPr>
           <a:xfrm>
-            <a:off x="3491880" y="1389184"/>
-            <a:ext cx="5345435" cy="5077717"/>
+            <a:off x="3225269" y="1284603"/>
+            <a:ext cx="5717801" cy="4195361"/>
           </a:xfrm>
           <a:prstGeom prst="rect">
             <a:avLst/>
@@ -10763,7 +13442,40 @@
       </a:bgFillStyleLst>
     </a:fmtScheme>
   </a:themeElements>
-  <a:objectDefaults/>
+  <a:objectDefaults>
+    <a:spDef>
+      <a:spPr>
+        <a:noFill/>
+        <a:ln>
+          <a:solidFill>
+            <a:srgbClr val="C00000"/>
+          </a:solidFill>
+        </a:ln>
+      </a:spPr>
+      <a:bodyPr rtlCol="0" anchor="ctr"/>
+      <a:lstStyle>
+        <a:defPPr algn="ctr">
+          <a:defRPr/>
+        </a:defPPr>
+      </a:lstStyle>
+      <a:style>
+        <a:lnRef idx="2">
+          <a:schemeClr val="accent1">
+            <a:shade val="50000"/>
+          </a:schemeClr>
+        </a:lnRef>
+        <a:fillRef idx="1">
+          <a:schemeClr val="accent1"/>
+        </a:fillRef>
+        <a:effectRef idx="0">
+          <a:schemeClr val="accent1"/>
+        </a:effectRef>
+        <a:fontRef idx="minor">
+          <a:schemeClr val="lt1"/>
+        </a:fontRef>
+      </a:style>
+    </a:spDef>
+  </a:objectDefaults>
   <a:extraClrSchemeLst/>
 </a:theme>
 </file>
